--- a/docs/source/images/Computation-Diagram.pptx
+++ b/docs/source/images/Computation-Diagram.pptx
@@ -104,6 +104,11 @@
       </a:defRPr>
     </a:lvl9pPr>
   </p:defaultTextStyle>
+  <p:extLst>
+    <p:ext uri="{EFAFB233-063F-42B5-8137-9DF3F51BA10A}">
+      <p15:sldGuideLst xmlns:p15="http://schemas.microsoft.com/office/powerpoint/2012/main"/>
+    </p:ext>
+  </p:extLst>
 </p:presentation>
 </file>
 
@@ -238,7 +243,7 @@
           <a:p>
             <a:fld id="{4F90150A-1259-1E48-BDE6-16DFA27BFE79}" type="datetimeFigureOut">
               <a:rPr lang="en-US" smtClean="0"/>
-              <a:t>1/26/26</a:t>
+              <a:t>1/27/26</a:t>
             </a:fld>
             <a:endParaRPr lang="en-US"/>
           </a:p>
@@ -408,7 +413,7 @@
           <a:p>
             <a:fld id="{4F90150A-1259-1E48-BDE6-16DFA27BFE79}" type="datetimeFigureOut">
               <a:rPr lang="en-US" smtClean="0"/>
-              <a:t>1/26/26</a:t>
+              <a:t>1/27/26</a:t>
             </a:fld>
             <a:endParaRPr lang="en-US"/>
           </a:p>
@@ -588,7 +593,7 @@
           <a:p>
             <a:fld id="{4F90150A-1259-1E48-BDE6-16DFA27BFE79}" type="datetimeFigureOut">
               <a:rPr lang="en-US" smtClean="0"/>
-              <a:t>1/26/26</a:t>
+              <a:t>1/27/26</a:t>
             </a:fld>
             <a:endParaRPr lang="en-US"/>
           </a:p>
@@ -758,7 +763,7 @@
           <a:p>
             <a:fld id="{4F90150A-1259-1E48-BDE6-16DFA27BFE79}" type="datetimeFigureOut">
               <a:rPr lang="en-US" smtClean="0"/>
-              <a:t>1/26/26</a:t>
+              <a:t>1/27/26</a:t>
             </a:fld>
             <a:endParaRPr lang="en-US"/>
           </a:p>
@@ -1004,7 +1009,7 @@
           <a:p>
             <a:fld id="{4F90150A-1259-1E48-BDE6-16DFA27BFE79}" type="datetimeFigureOut">
               <a:rPr lang="en-US" smtClean="0"/>
-              <a:t>1/26/26</a:t>
+              <a:t>1/27/26</a:t>
             </a:fld>
             <a:endParaRPr lang="en-US"/>
           </a:p>
@@ -1236,7 +1241,7 @@
           <a:p>
             <a:fld id="{4F90150A-1259-1E48-BDE6-16DFA27BFE79}" type="datetimeFigureOut">
               <a:rPr lang="en-US" smtClean="0"/>
-              <a:t>1/26/26</a:t>
+              <a:t>1/27/26</a:t>
             </a:fld>
             <a:endParaRPr lang="en-US"/>
           </a:p>
@@ -1603,7 +1608,7 @@
           <a:p>
             <a:fld id="{4F90150A-1259-1E48-BDE6-16DFA27BFE79}" type="datetimeFigureOut">
               <a:rPr lang="en-US" smtClean="0"/>
-              <a:t>1/26/26</a:t>
+              <a:t>1/27/26</a:t>
             </a:fld>
             <a:endParaRPr lang="en-US"/>
           </a:p>
@@ -1721,7 +1726,7 @@
           <a:p>
             <a:fld id="{4F90150A-1259-1E48-BDE6-16DFA27BFE79}" type="datetimeFigureOut">
               <a:rPr lang="en-US" smtClean="0"/>
-              <a:t>1/26/26</a:t>
+              <a:t>1/27/26</a:t>
             </a:fld>
             <a:endParaRPr lang="en-US"/>
           </a:p>
@@ -1816,7 +1821,7 @@
           <a:p>
             <a:fld id="{4F90150A-1259-1E48-BDE6-16DFA27BFE79}" type="datetimeFigureOut">
               <a:rPr lang="en-US" smtClean="0"/>
-              <a:t>1/26/26</a:t>
+              <a:t>1/27/26</a:t>
             </a:fld>
             <a:endParaRPr lang="en-US"/>
           </a:p>
@@ -2093,7 +2098,7 @@
           <a:p>
             <a:fld id="{4F90150A-1259-1E48-BDE6-16DFA27BFE79}" type="datetimeFigureOut">
               <a:rPr lang="en-US" smtClean="0"/>
-              <a:t>1/26/26</a:t>
+              <a:t>1/27/26</a:t>
             </a:fld>
             <a:endParaRPr lang="en-US"/>
           </a:p>
@@ -2350,7 +2355,7 @@
           <a:p>
             <a:fld id="{4F90150A-1259-1E48-BDE6-16DFA27BFE79}" type="datetimeFigureOut">
               <a:rPr lang="en-US" smtClean="0"/>
-              <a:t>1/26/26</a:t>
+              <a:t>1/27/26</a:t>
             </a:fld>
             <a:endParaRPr lang="en-US"/>
           </a:p>
@@ -2563,7 +2568,7 @@
           <a:p>
             <a:fld id="{4F90150A-1259-1E48-BDE6-16DFA27BFE79}" type="datetimeFigureOut">
               <a:rPr lang="en-US" smtClean="0"/>
-              <a:t>1/26/26</a:t>
+              <a:t>1/27/26</a:t>
             </a:fld>
             <a:endParaRPr lang="en-US"/>
           </a:p>
@@ -2968,12 +2973,823 @@
           <a:chExt cx="0" cy="0"/>
         </a:xfrm>
       </p:grpSpPr>
-      <p:sp>
-        <p:nvSpPr>
-          <p:cNvPr id="4" name="Rounded Rectangle 3">
+      <p:grpSp>
+        <p:nvGrpSpPr>
+          <p:cNvPr id="5" name="Group 4">
             <a:extLst>
               <a:ext uri="{FF2B5EF4-FFF2-40B4-BE49-F238E27FC236}">
-                <a16:creationId xmlns:a16="http://schemas.microsoft.com/office/drawing/2014/main" id="{8495CE7E-CFFB-BB1A-EBF1-9248837A8A26}"/>
+                <a16:creationId xmlns:a16="http://schemas.microsoft.com/office/drawing/2014/main" id="{2F485284-2CA7-6C85-899B-E1545F956907}"/>
+              </a:ext>
+            </a:extLst>
+          </p:cNvPr>
+          <p:cNvGrpSpPr/>
+          <p:nvPr/>
+        </p:nvGrpSpPr>
+        <p:grpSpPr>
+          <a:xfrm>
+            <a:off x="483347" y="593164"/>
+            <a:ext cx="4883972" cy="6620435"/>
+            <a:chOff x="3442447" y="161364"/>
+            <a:chExt cx="4883972" cy="6620435"/>
+          </a:xfrm>
+        </p:grpSpPr>
+        <p:sp>
+          <p:nvSpPr>
+            <p:cNvPr id="4" name="Rounded Rectangle 3">
+              <a:extLst>
+                <a:ext uri="{FF2B5EF4-FFF2-40B4-BE49-F238E27FC236}">
+                  <a16:creationId xmlns:a16="http://schemas.microsoft.com/office/drawing/2014/main" id="{8495CE7E-CFFB-BB1A-EBF1-9248837A8A26}"/>
+                </a:ext>
+              </a:extLst>
+            </p:cNvPr>
+            <p:cNvSpPr/>
+            <p:nvPr/>
+          </p:nvSpPr>
+          <p:spPr>
+            <a:xfrm>
+              <a:off x="3905026" y="821619"/>
+              <a:ext cx="1982994" cy="2015585"/>
+            </a:xfrm>
+            <a:prstGeom prst="roundRect">
+              <a:avLst/>
+            </a:prstGeom>
+            <a:solidFill>
+              <a:schemeClr val="bg1">
+                <a:lumMod val="65000"/>
+              </a:schemeClr>
+            </a:solidFill>
+            <a:ln>
+              <a:solidFill>
+                <a:schemeClr val="tx1">
+                  <a:lumMod val="75000"/>
+                  <a:lumOff val="25000"/>
+                </a:schemeClr>
+              </a:solidFill>
+            </a:ln>
+          </p:spPr>
+          <p:style>
+            <a:lnRef idx="2">
+              <a:schemeClr val="accent1">
+                <a:shade val="15000"/>
+              </a:schemeClr>
+            </a:lnRef>
+            <a:fillRef idx="1">
+              <a:schemeClr val="accent1"/>
+            </a:fillRef>
+            <a:effectRef idx="0">
+              <a:schemeClr val="accent1"/>
+            </a:effectRef>
+            <a:fontRef idx="minor">
+              <a:schemeClr val="lt1"/>
+            </a:fontRef>
+          </p:style>
+          <p:txBody>
+            <a:bodyPr rtlCol="0" anchor="ctr"/>
+            <a:lstStyle/>
+            <a:p>
+              <a:pPr algn="ctr"/>
+              <a:r>
+                <a:rPr lang="en-US" dirty="0">
+                  <a:solidFill>
+                    <a:schemeClr val="bg1"/>
+                  </a:solidFill>
+                  <a:effectLst>
+                    <a:outerShdw blurRad="50800" dist="38100" dir="2700000" algn="tl" rotWithShape="0">
+                      <a:prstClr val="black">
+                        <a:alpha val="40000"/>
+                      </a:prstClr>
+                    </a:outerShdw>
+                  </a:effectLst>
+                  <a:latin typeface="Cubano" pitchFamily="2" charset="0"/>
+                </a:rPr>
+                <a:t>Planet:</a:t>
+              </a:r>
+            </a:p>
+            <a:p>
+              <a:pPr algn="ctr"/>
+              <a:r>
+                <a:rPr lang="en-US" dirty="0">
+                  <a:solidFill>
+                    <a:schemeClr val="bg1"/>
+                  </a:solidFill>
+                  <a:effectLst>
+                    <a:outerShdw blurRad="50800" dist="38100" dir="2700000" algn="tl" rotWithShape="0">
+                      <a:prstClr val="black">
+                        <a:alpha val="40000"/>
+                      </a:prstClr>
+                    </a:outerShdw>
+                  </a:effectLst>
+                  <a:latin typeface="Montserrat" pitchFamily="2" charset="77"/>
+                </a:rPr>
+                <a:t>Mass</a:t>
+              </a:r>
+            </a:p>
+            <a:p>
+              <a:pPr algn="ctr"/>
+              <a:r>
+                <a:rPr lang="en-US" dirty="0">
+                  <a:solidFill>
+                    <a:schemeClr val="bg1"/>
+                  </a:solidFill>
+                  <a:effectLst>
+                    <a:outerShdw blurRad="50800" dist="38100" dir="2700000" algn="tl" rotWithShape="0">
+                      <a:prstClr val="black">
+                        <a:alpha val="40000"/>
+                      </a:prstClr>
+                    </a:outerShdw>
+                  </a:effectLst>
+                  <a:latin typeface="Montserrat" pitchFamily="2" charset="77"/>
+                </a:rPr>
+                <a:t>Radius</a:t>
+              </a:r>
+            </a:p>
+            <a:p>
+              <a:pPr algn="ctr"/>
+              <a:r>
+                <a:rPr lang="en-US" dirty="0">
+                  <a:solidFill>
+                    <a:schemeClr val="bg1"/>
+                  </a:solidFill>
+                  <a:effectLst>
+                    <a:outerShdw blurRad="50800" dist="38100" dir="2700000" algn="tl" rotWithShape="0">
+                      <a:prstClr val="black">
+                        <a:alpha val="40000"/>
+                      </a:prstClr>
+                    </a:outerShdw>
+                  </a:effectLst>
+                  <a:latin typeface="Montserrat" pitchFamily="2" charset="77"/>
+                </a:rPr>
+                <a:t>[M/H]</a:t>
+              </a:r>
+            </a:p>
+            <a:p>
+              <a:pPr algn="ctr"/>
+              <a:r>
+                <a:rPr lang="en-US" dirty="0">
+                  <a:solidFill>
+                    <a:schemeClr val="bg1"/>
+                  </a:solidFill>
+                  <a:effectLst>
+                    <a:outerShdw blurRad="50800" dist="38100" dir="2700000" algn="tl" rotWithShape="0">
+                      <a:prstClr val="black">
+                        <a:alpha val="40000"/>
+                      </a:prstClr>
+                    </a:outerShdw>
+                  </a:effectLst>
+                  <a:latin typeface="Montserrat" pitchFamily="2" charset="77"/>
+                </a:rPr>
+                <a:t>C/O</a:t>
+              </a:r>
+            </a:p>
+            <a:p>
+              <a:pPr algn="ctr"/>
+              <a:r>
+                <a:rPr lang="en-US" dirty="0" err="1">
+                  <a:solidFill>
+                    <a:schemeClr val="bg1"/>
+                  </a:solidFill>
+                  <a:effectLst>
+                    <a:outerShdw blurRad="50800" dist="38100" dir="2700000" algn="tl" rotWithShape="0">
+                      <a:prstClr val="black">
+                        <a:alpha val="40000"/>
+                      </a:prstClr>
+                    </a:outerShdw>
+                  </a:effectLst>
+                  <a:latin typeface="Montserrat" pitchFamily="2" charset="77"/>
+                </a:rPr>
+                <a:t>T</a:t>
+              </a:r>
+              <a:r>
+                <a:rPr lang="en-US" baseline="-25000" dirty="0" err="1">
+                  <a:solidFill>
+                    <a:schemeClr val="bg1"/>
+                  </a:solidFill>
+                  <a:effectLst>
+                    <a:outerShdw blurRad="50800" dist="38100" dir="2700000" algn="tl" rotWithShape="0">
+                      <a:prstClr val="black">
+                        <a:alpha val="40000"/>
+                      </a:prstClr>
+                    </a:outerShdw>
+                  </a:effectLst>
+                  <a:latin typeface="Montserrat" pitchFamily="2" charset="77"/>
+                </a:rPr>
+                <a:t>eq</a:t>
+              </a:r>
+              <a:endParaRPr lang="en-US" baseline="-25000" dirty="0">
+                <a:solidFill>
+                  <a:schemeClr val="bg1"/>
+                </a:solidFill>
+                <a:effectLst>
+                  <a:outerShdw blurRad="50800" dist="38100" dir="2700000" algn="tl" rotWithShape="0">
+                    <a:prstClr val="black">
+                      <a:alpha val="40000"/>
+                    </a:prstClr>
+                  </a:outerShdw>
+                </a:effectLst>
+                <a:latin typeface="Montserrat" pitchFamily="2" charset="77"/>
+              </a:endParaRPr>
+            </a:p>
+            <a:p>
+              <a:pPr algn="ctr"/>
+              <a:r>
+                <a:rPr lang="en-US" dirty="0">
+                  <a:solidFill>
+                    <a:schemeClr val="bg1"/>
+                  </a:solidFill>
+                  <a:effectLst>
+                    <a:outerShdw blurRad="50800" dist="38100" dir="2700000" algn="tl" rotWithShape="0">
+                      <a:prstClr val="black">
+                        <a:alpha val="40000"/>
+                      </a:prstClr>
+                    </a:outerShdw>
+                  </a:effectLst>
+                  <a:latin typeface="Montserrat" pitchFamily="2" charset="77"/>
+                </a:rPr>
+                <a:t>Phase</a:t>
+              </a:r>
+            </a:p>
+          </p:txBody>
+        </p:sp>
+        <p:sp>
+          <p:nvSpPr>
+            <p:cNvPr id="6" name="Rounded Rectangle 5">
+              <a:extLst>
+                <a:ext uri="{FF2B5EF4-FFF2-40B4-BE49-F238E27FC236}">
+                  <a16:creationId xmlns:a16="http://schemas.microsoft.com/office/drawing/2014/main" id="{3101A4BE-DE82-C48B-4A0F-B6029ACE4810}"/>
+                </a:ext>
+              </a:extLst>
+            </p:cNvPr>
+            <p:cNvSpPr/>
+            <p:nvPr/>
+          </p:nvSpPr>
+          <p:spPr>
+            <a:xfrm>
+              <a:off x="6096000" y="821619"/>
+              <a:ext cx="1982993" cy="2015584"/>
+            </a:xfrm>
+            <a:prstGeom prst="roundRect">
+              <a:avLst/>
+            </a:prstGeom>
+            <a:solidFill>
+              <a:schemeClr val="bg1">
+                <a:lumMod val="65000"/>
+              </a:schemeClr>
+            </a:solidFill>
+            <a:ln>
+              <a:solidFill>
+                <a:schemeClr val="tx1">
+                  <a:lumMod val="75000"/>
+                  <a:lumOff val="25000"/>
+                </a:schemeClr>
+              </a:solidFill>
+            </a:ln>
+          </p:spPr>
+          <p:style>
+            <a:lnRef idx="2">
+              <a:schemeClr val="accent1">
+                <a:shade val="15000"/>
+              </a:schemeClr>
+            </a:lnRef>
+            <a:fillRef idx="1">
+              <a:schemeClr val="accent1"/>
+            </a:fillRef>
+            <a:effectRef idx="0">
+              <a:schemeClr val="accent1"/>
+            </a:effectRef>
+            <a:fontRef idx="minor">
+              <a:schemeClr val="lt1"/>
+            </a:fontRef>
+          </p:style>
+          <p:txBody>
+            <a:bodyPr rtlCol="0" anchor="ctr"/>
+            <a:lstStyle/>
+            <a:p>
+              <a:pPr algn="ctr"/>
+              <a:r>
+                <a:rPr lang="en-US" dirty="0">
+                  <a:solidFill>
+                    <a:schemeClr val="bg1"/>
+                  </a:solidFill>
+                  <a:effectLst>
+                    <a:outerShdw blurRad="50800" dist="38100" dir="2700000" algn="tl" rotWithShape="0">
+                      <a:prstClr val="black">
+                        <a:alpha val="40000"/>
+                      </a:prstClr>
+                    </a:outerShdw>
+                  </a:effectLst>
+                  <a:latin typeface="Cubano" pitchFamily="2" charset="0"/>
+                </a:rPr>
+                <a:t>Star:</a:t>
+              </a:r>
+            </a:p>
+            <a:p>
+              <a:pPr algn="ctr"/>
+              <a:r>
+                <a:rPr lang="en-US" dirty="0">
+                  <a:solidFill>
+                    <a:schemeClr val="bg1"/>
+                  </a:solidFill>
+                  <a:effectLst>
+                    <a:outerShdw blurRad="50800" dist="38100" dir="2700000" algn="tl" rotWithShape="0">
+                      <a:prstClr val="black">
+                        <a:alpha val="40000"/>
+                      </a:prstClr>
+                    </a:outerShdw>
+                  </a:effectLst>
+                  <a:latin typeface="Montserrat" pitchFamily="2" charset="77"/>
+                </a:rPr>
+                <a:t>T</a:t>
+              </a:r>
+              <a:r>
+                <a:rPr lang="en-US" baseline="-25000" dirty="0">
+                  <a:solidFill>
+                    <a:schemeClr val="bg1"/>
+                  </a:solidFill>
+                  <a:effectLst>
+                    <a:outerShdw blurRad="50800" dist="38100" dir="2700000" algn="tl" rotWithShape="0">
+                      <a:prstClr val="black">
+                        <a:alpha val="40000"/>
+                      </a:prstClr>
+                    </a:outerShdw>
+                  </a:effectLst>
+                  <a:latin typeface="Montserrat" pitchFamily="2" charset="77"/>
+                </a:rPr>
+                <a:t>eff</a:t>
+              </a:r>
+            </a:p>
+            <a:p>
+              <a:pPr algn="ctr"/>
+              <a:r>
+                <a:rPr lang="en-US" dirty="0">
+                  <a:solidFill>
+                    <a:schemeClr val="bg1"/>
+                  </a:solidFill>
+                  <a:effectLst>
+                    <a:outerShdw blurRad="50800" dist="38100" dir="2700000" algn="tl" rotWithShape="0">
+                      <a:prstClr val="black">
+                        <a:alpha val="40000"/>
+                      </a:prstClr>
+                    </a:outerShdw>
+                  </a:effectLst>
+                  <a:latin typeface="Montserrat" pitchFamily="2" charset="77"/>
+                </a:rPr>
+                <a:t>Mass</a:t>
+              </a:r>
+            </a:p>
+            <a:p>
+              <a:pPr algn="ctr"/>
+              <a:r>
+                <a:rPr lang="en-US" dirty="0">
+                  <a:solidFill>
+                    <a:schemeClr val="bg1"/>
+                  </a:solidFill>
+                  <a:effectLst>
+                    <a:outerShdw blurRad="50800" dist="38100" dir="2700000" algn="tl" rotWithShape="0">
+                      <a:prstClr val="black">
+                        <a:alpha val="40000"/>
+                      </a:prstClr>
+                    </a:outerShdw>
+                  </a:effectLst>
+                  <a:latin typeface="Montserrat" pitchFamily="2" charset="77"/>
+                </a:rPr>
+                <a:t>Radius</a:t>
+              </a:r>
+            </a:p>
+            <a:p>
+              <a:pPr algn="ctr"/>
+              <a:r>
+                <a:rPr lang="en-US" dirty="0">
+                  <a:solidFill>
+                    <a:schemeClr val="bg1"/>
+                  </a:solidFill>
+                  <a:effectLst>
+                    <a:outerShdw blurRad="50800" dist="38100" dir="2700000" algn="tl" rotWithShape="0">
+                      <a:prstClr val="black">
+                        <a:alpha val="40000"/>
+                      </a:prstClr>
+                    </a:outerShdw>
+                  </a:effectLst>
+                  <a:latin typeface="Montserrat" pitchFamily="2" charset="77"/>
+                </a:rPr>
+                <a:t>[M/H]</a:t>
+              </a:r>
+            </a:p>
+            <a:p>
+              <a:pPr algn="ctr"/>
+              <a:r>
+                <a:rPr lang="en-US" dirty="0">
+                  <a:solidFill>
+                    <a:schemeClr val="bg1"/>
+                  </a:solidFill>
+                  <a:effectLst>
+                    <a:outerShdw blurRad="50800" dist="38100" dir="2700000" algn="tl" rotWithShape="0">
+                      <a:prstClr val="black">
+                        <a:alpha val="40000"/>
+                      </a:prstClr>
+                    </a:outerShdw>
+                  </a:effectLst>
+                  <a:latin typeface="Montserrat" pitchFamily="2" charset="77"/>
+                </a:rPr>
+                <a:t>Log(g)</a:t>
+              </a:r>
+            </a:p>
+          </p:txBody>
+        </p:sp>
+        <p:sp>
+          <p:nvSpPr>
+            <p:cNvPr id="7" name="Rectangle 6">
+              <a:extLst>
+                <a:ext uri="{FF2B5EF4-FFF2-40B4-BE49-F238E27FC236}">
+                  <a16:creationId xmlns:a16="http://schemas.microsoft.com/office/drawing/2014/main" id="{F98C17BD-2B56-5FE8-3565-475B424E0D88}"/>
+                </a:ext>
+              </a:extLst>
+            </p:cNvPr>
+            <p:cNvSpPr/>
+            <p:nvPr/>
+          </p:nvSpPr>
+          <p:spPr>
+            <a:xfrm>
+              <a:off x="4587189" y="267223"/>
+              <a:ext cx="2773784" cy="425303"/>
+            </a:xfrm>
+            <a:prstGeom prst="rect">
+              <a:avLst/>
+            </a:prstGeom>
+            <a:solidFill>
+              <a:schemeClr val="bg2">
+                <a:lumMod val="50000"/>
+              </a:schemeClr>
+            </a:solidFill>
+          </p:spPr>
+          <p:style>
+            <a:lnRef idx="2">
+              <a:schemeClr val="accent1">
+                <a:shade val="15000"/>
+              </a:schemeClr>
+            </a:lnRef>
+            <a:fillRef idx="1">
+              <a:schemeClr val="accent1"/>
+            </a:fillRef>
+            <a:effectRef idx="0">
+              <a:schemeClr val="accent1"/>
+            </a:effectRef>
+            <a:fontRef idx="minor">
+              <a:schemeClr val="lt1"/>
+            </a:fontRef>
+          </p:style>
+          <p:txBody>
+            <a:bodyPr rtlCol="0" anchor="ctr"/>
+            <a:lstStyle/>
+            <a:p>
+              <a:pPr algn="ctr"/>
+              <a:r>
+                <a:rPr lang="en-US" sz="2800" dirty="0">
+                  <a:effectLst>
+                    <a:outerShdw blurRad="50800" dist="38100" dir="2700000" algn="tl" rotWithShape="0">
+                      <a:prstClr val="black">
+                        <a:alpha val="40000"/>
+                      </a:prstClr>
+                    </a:outerShdw>
+                  </a:effectLst>
+                  <a:latin typeface="Cubano" pitchFamily="2" charset="0"/>
+                </a:rPr>
+                <a:t>inputs</a:t>
+              </a:r>
+              <a:endParaRPr lang="en-US" sz="2000" dirty="0">
+                <a:effectLst>
+                  <a:outerShdw blurRad="50800" dist="38100" dir="2700000" algn="tl" rotWithShape="0">
+                    <a:prstClr val="black">
+                      <a:alpha val="40000"/>
+                    </a:prstClr>
+                  </a:outerShdw>
+                </a:effectLst>
+                <a:latin typeface="Cubano" pitchFamily="2" charset="0"/>
+              </a:endParaRPr>
+            </a:p>
+          </p:txBody>
+        </p:sp>
+        <p:sp>
+          <p:nvSpPr>
+            <p:cNvPr id="8" name="Rounded Rectangle 7">
+              <a:extLst>
+                <a:ext uri="{FF2B5EF4-FFF2-40B4-BE49-F238E27FC236}">
+                  <a16:creationId xmlns:a16="http://schemas.microsoft.com/office/drawing/2014/main" id="{0664C888-06AA-FC89-07C9-EA6B89D91E1B}"/>
+                </a:ext>
+              </a:extLst>
+            </p:cNvPr>
+            <p:cNvSpPr/>
+            <p:nvPr/>
+          </p:nvSpPr>
+          <p:spPr>
+            <a:xfrm>
+              <a:off x="3784002" y="2966296"/>
+              <a:ext cx="4294991" cy="2596304"/>
+            </a:xfrm>
+            <a:prstGeom prst="roundRect">
+              <a:avLst/>
+            </a:prstGeom>
+            <a:solidFill>
+              <a:schemeClr val="bg1">
+                <a:lumMod val="65000"/>
+              </a:schemeClr>
+            </a:solidFill>
+            <a:ln>
+              <a:solidFill>
+                <a:schemeClr val="tx1">
+                  <a:lumMod val="75000"/>
+                  <a:lumOff val="25000"/>
+                </a:schemeClr>
+              </a:solidFill>
+            </a:ln>
+          </p:spPr>
+          <p:style>
+            <a:lnRef idx="2">
+              <a:schemeClr val="accent1">
+                <a:shade val="15000"/>
+              </a:schemeClr>
+            </a:lnRef>
+            <a:fillRef idx="1">
+              <a:schemeClr val="accent1"/>
+            </a:fillRef>
+            <a:effectRef idx="0">
+              <a:schemeClr val="accent1"/>
+            </a:effectRef>
+            <a:fontRef idx="minor">
+              <a:schemeClr val="lt1"/>
+            </a:fontRef>
+          </p:style>
+          <p:txBody>
+            <a:bodyPr rtlCol="0" anchor="ctr"/>
+            <a:lstStyle/>
+            <a:p>
+              <a:pPr algn="ctr"/>
+              <a:r>
+                <a:rPr lang="en-US" dirty="0">
+                  <a:solidFill>
+                    <a:schemeClr val="bg1"/>
+                  </a:solidFill>
+                  <a:effectLst>
+                    <a:outerShdw blurRad="50800" dist="38100" dir="2700000" algn="tl" rotWithShape="0">
+                      <a:prstClr val="black">
+                        <a:alpha val="40000"/>
+                      </a:prstClr>
+                    </a:outerShdw>
+                  </a:effectLst>
+                  <a:latin typeface="Cubano" pitchFamily="2" charset="0"/>
+                </a:rPr>
+                <a:t>Climate calculation settings</a:t>
+              </a:r>
+            </a:p>
+            <a:p>
+              <a:pPr algn="ctr"/>
+              <a:r>
+                <a:rPr lang="en-US" dirty="0">
+                  <a:solidFill>
+                    <a:schemeClr val="bg1"/>
+                  </a:solidFill>
+                  <a:effectLst>
+                    <a:outerShdw blurRad="50800" dist="38100" dir="2700000" algn="tl" rotWithShape="0">
+                      <a:prstClr val="black">
+                        <a:alpha val="40000"/>
+                      </a:prstClr>
+                    </a:outerShdw>
+                  </a:effectLst>
+                  <a:latin typeface="Montserrat" pitchFamily="2" charset="77"/>
+                </a:rPr>
+                <a:t>K-coefficient opacities (Marley et al. 2020)</a:t>
+              </a:r>
+            </a:p>
+            <a:p>
+              <a:pPr algn="ctr"/>
+              <a:r>
+                <a:rPr lang="en-US" dirty="0">
+                  <a:solidFill>
+                    <a:schemeClr val="bg1"/>
+                  </a:solidFill>
+                  <a:effectLst>
+                    <a:outerShdw blurRad="50800" dist="38100" dir="2700000" algn="tl" rotWithShape="0">
+                      <a:prstClr val="black">
+                        <a:alpha val="40000"/>
+                      </a:prstClr>
+                    </a:outerShdw>
+                  </a:effectLst>
+                  <a:latin typeface="Montserrat" pitchFamily="2" charset="77"/>
+                </a:rPr>
+                <a:t>Atm pressure: (10</a:t>
+              </a:r>
+              <a:r>
+                <a:rPr lang="en-US" baseline="30000" dirty="0">
+                  <a:solidFill>
+                    <a:schemeClr val="bg1"/>
+                  </a:solidFill>
+                  <a:effectLst>
+                    <a:outerShdw blurRad="50800" dist="38100" dir="2700000" algn="tl" rotWithShape="0">
+                      <a:prstClr val="black">
+                        <a:alpha val="40000"/>
+                      </a:prstClr>
+                    </a:outerShdw>
+                  </a:effectLst>
+                  <a:latin typeface="Montserrat" pitchFamily="2" charset="77"/>
+                </a:rPr>
+                <a:t>2.5</a:t>
+              </a:r>
+              <a:r>
+                <a:rPr lang="en-US" dirty="0">
+                  <a:solidFill>
+                    <a:schemeClr val="bg1"/>
+                  </a:solidFill>
+                  <a:effectLst>
+                    <a:outerShdw blurRad="50800" dist="38100" dir="2700000" algn="tl" rotWithShape="0">
+                      <a:prstClr val="black">
+                        <a:alpha val="40000"/>
+                      </a:prstClr>
+                    </a:outerShdw>
+                  </a:effectLst>
+                  <a:latin typeface="Montserrat" pitchFamily="2" charset="77"/>
+                </a:rPr>
+                <a:t> – 10</a:t>
+              </a:r>
+              <a:r>
+                <a:rPr lang="en-US" baseline="30000" dirty="0">
+                  <a:solidFill>
+                    <a:schemeClr val="bg1"/>
+                  </a:solidFill>
+                  <a:effectLst>
+                    <a:outerShdw blurRad="50800" dist="38100" dir="2700000" algn="tl" rotWithShape="0">
+                      <a:prstClr val="black">
+                        <a:alpha val="40000"/>
+                      </a:prstClr>
+                    </a:outerShdw>
+                  </a:effectLst>
+                  <a:latin typeface="Montserrat" pitchFamily="2" charset="77"/>
+                </a:rPr>
+                <a:t>-6</a:t>
+              </a:r>
+              <a:r>
+                <a:rPr lang="en-US" dirty="0">
+                  <a:solidFill>
+                    <a:schemeClr val="bg1"/>
+                  </a:solidFill>
+                  <a:effectLst>
+                    <a:outerShdw blurRad="50800" dist="38100" dir="2700000" algn="tl" rotWithShape="0">
+                      <a:prstClr val="black">
+                        <a:alpha val="40000"/>
+                      </a:prstClr>
+                    </a:outerShdw>
+                  </a:effectLst>
+                  <a:latin typeface="Montserrat" pitchFamily="2" charset="77"/>
+                </a:rPr>
+                <a:t> Bars)</a:t>
+              </a:r>
+            </a:p>
+            <a:p>
+              <a:pPr algn="ctr"/>
+              <a:r>
+                <a:rPr lang="en-US" dirty="0">
+                  <a:solidFill>
+                    <a:schemeClr val="bg1"/>
+                  </a:solidFill>
+                  <a:effectLst>
+                    <a:outerShdw blurRad="50800" dist="38100" dir="2700000" algn="tl" rotWithShape="0">
+                      <a:prstClr val="black">
+                        <a:alpha val="40000"/>
+                      </a:prstClr>
+                    </a:outerShdw>
+                  </a:effectLst>
+                  <a:latin typeface="Montserrat" pitchFamily="2" charset="77"/>
+                </a:rPr>
+                <a:t>N Atm Levels: 91</a:t>
+              </a:r>
+            </a:p>
+            <a:p>
+              <a:pPr algn="ctr"/>
+              <a:r>
+                <a:rPr lang="en-US" dirty="0">
+                  <a:solidFill>
+                    <a:schemeClr val="bg1"/>
+                  </a:solidFill>
+                  <a:effectLst>
+                    <a:outerShdw blurRad="50800" dist="38100" dir="2700000" algn="tl" rotWithShape="0">
+                      <a:prstClr val="black">
+                        <a:alpha val="40000"/>
+                      </a:prstClr>
+                    </a:outerShdw>
+                  </a:effectLst>
+                  <a:latin typeface="Montserrat" pitchFamily="2" charset="77"/>
+                </a:rPr>
+                <a:t>N initial Conv Zones: 1</a:t>
+              </a:r>
+            </a:p>
+            <a:p>
+              <a:pPr algn="ctr"/>
+              <a:r>
+                <a:rPr lang="en-US" dirty="0">
+                  <a:solidFill>
+                    <a:schemeClr val="bg1"/>
+                  </a:solidFill>
+                  <a:effectLst>
+                    <a:outerShdw blurRad="50800" dist="38100" dir="2700000" algn="tl" rotWithShape="0">
+                      <a:prstClr val="black">
+                        <a:alpha val="40000"/>
+                      </a:prstClr>
+                    </a:outerShdw>
+                  </a:effectLst>
+                  <a:latin typeface="Montserrat" pitchFamily="2" charset="77"/>
+                </a:rPr>
+                <a:t>Initial Interior Temp: 100 K</a:t>
+              </a:r>
+            </a:p>
+            <a:p>
+              <a:pPr algn="ctr"/>
+              <a:r>
+                <a:rPr lang="en-US" dirty="0">
+                  <a:solidFill>
+                    <a:schemeClr val="bg1"/>
+                  </a:solidFill>
+                  <a:effectLst>
+                    <a:outerShdw blurRad="50800" dist="38100" dir="2700000" algn="tl" rotWithShape="0">
+                      <a:prstClr val="black">
+                        <a:alpha val="40000"/>
+                      </a:prstClr>
+                    </a:outerShdw>
+                  </a:effectLst>
+                  <a:latin typeface="Montserrat" pitchFamily="2" charset="77"/>
+                </a:rPr>
+                <a:t>Heat redistribution factor: 0.5</a:t>
+              </a:r>
+            </a:p>
+            <a:p>
+              <a:pPr algn="ctr"/>
+              <a:endParaRPr lang="en-US" dirty="0">
+                <a:solidFill>
+                  <a:schemeClr val="bg1"/>
+                </a:solidFill>
+                <a:effectLst>
+                  <a:outerShdw blurRad="50800" dist="38100" dir="2700000" algn="tl" rotWithShape="0">
+                    <a:prstClr val="black">
+                      <a:alpha val="40000"/>
+                    </a:prstClr>
+                  </a:outerShdw>
+                </a:effectLst>
+                <a:latin typeface="Montserrat" pitchFamily="2" charset="77"/>
+              </a:endParaRPr>
+            </a:p>
+          </p:txBody>
+        </p:sp>
+        <p:sp>
+          <p:nvSpPr>
+            <p:cNvPr id="9" name="Rounded Rectangle 8">
+              <a:extLst>
+                <a:ext uri="{FF2B5EF4-FFF2-40B4-BE49-F238E27FC236}">
+                  <a16:creationId xmlns:a16="http://schemas.microsoft.com/office/drawing/2014/main" id="{14B7B2E6-0CC7-43E2-1330-254537E38835}"/>
+                </a:ext>
+              </a:extLst>
+            </p:cNvPr>
+            <p:cNvSpPr/>
+            <p:nvPr/>
+          </p:nvSpPr>
+          <p:spPr>
+            <a:xfrm>
+              <a:off x="3442447" y="161364"/>
+              <a:ext cx="4883972" cy="6620435"/>
+            </a:xfrm>
+            <a:prstGeom prst="roundRect">
+              <a:avLst/>
+            </a:prstGeom>
+            <a:noFill/>
+          </p:spPr>
+          <p:style>
+            <a:lnRef idx="2">
+              <a:schemeClr val="accent1">
+                <a:shade val="15000"/>
+              </a:schemeClr>
+            </a:lnRef>
+            <a:fillRef idx="1">
+              <a:schemeClr val="accent1"/>
+            </a:fillRef>
+            <a:effectRef idx="0">
+              <a:schemeClr val="accent1"/>
+            </a:effectRef>
+            <a:fontRef idx="minor">
+              <a:schemeClr val="lt1"/>
+            </a:fontRef>
+          </p:style>
+          <p:txBody>
+            <a:bodyPr rtlCol="0" anchor="ctr"/>
+            <a:lstStyle/>
+            <a:p>
+              <a:pPr algn="ctr"/>
+              <a:endParaRPr lang="en-US"/>
+            </a:p>
+          </p:txBody>
+        </p:sp>
+      </p:grpSp>
+      <p:sp>
+        <p:nvSpPr>
+          <p:cNvPr id="3" name="Oval 2">
+            <a:extLst>
+              <a:ext uri="{FF2B5EF4-FFF2-40B4-BE49-F238E27FC236}">
+                <a16:creationId xmlns:a16="http://schemas.microsoft.com/office/drawing/2014/main" id="{F1DB4515-B6B2-B595-EC40-DEDB97A97E1D}"/>
               </a:ext>
             </a:extLst>
           </p:cNvPr>
@@ -2982,8 +3798,1101 @@
         </p:nvSpPr>
         <p:spPr>
           <a:xfrm>
-            <a:off x="3905026" y="821619"/>
-            <a:ext cx="1982994" cy="2015585"/>
+            <a:off x="5829898" y="356123"/>
+            <a:ext cx="2065282" cy="1220096"/>
+          </a:xfrm>
+          <a:prstGeom prst="ellipse">
+            <a:avLst/>
+          </a:prstGeom>
+          <a:solidFill>
+            <a:schemeClr val="bg1">
+              <a:lumMod val="65000"/>
+            </a:schemeClr>
+          </a:solidFill>
+          <a:ln>
+            <a:solidFill>
+              <a:schemeClr val="tx1">
+                <a:lumMod val="75000"/>
+                <a:lumOff val="25000"/>
+              </a:schemeClr>
+            </a:solidFill>
+          </a:ln>
+        </p:spPr>
+        <p:style>
+          <a:lnRef idx="2">
+            <a:schemeClr val="accent1">
+              <a:shade val="15000"/>
+            </a:schemeClr>
+          </a:lnRef>
+          <a:fillRef idx="1">
+            <a:schemeClr val="accent1"/>
+          </a:fillRef>
+          <a:effectRef idx="0">
+            <a:schemeClr val="accent1"/>
+          </a:effectRef>
+          <a:fontRef idx="minor">
+            <a:schemeClr val="lt1"/>
+          </a:fontRef>
+        </p:style>
+        <p:txBody>
+          <a:bodyPr rtlCol="0" anchor="ctr"/>
+          <a:lstStyle/>
+          <a:p>
+            <a:pPr algn="ctr"/>
+            <a:r>
+              <a:rPr lang="en-US" sz="2000" dirty="0">
+                <a:effectLst>
+                  <a:outerShdw blurRad="50800" dist="38100" dir="2700000" algn="tl" rotWithShape="0">
+                    <a:prstClr val="black">
+                      <a:alpha val="40000"/>
+                    </a:prstClr>
+                  </a:outerShdw>
+                </a:effectLst>
+                <a:latin typeface="Montserrat" pitchFamily="2" charset="77"/>
+              </a:rPr>
+              <a:t>Grab Phoenix Spectrum</a:t>
+            </a:r>
+          </a:p>
+        </p:txBody>
+      </p:sp>
+      <p:cxnSp>
+        <p:nvCxnSpPr>
+          <p:cNvPr id="11" name="Straight Arrow Connector 10">
+            <a:extLst>
+              <a:ext uri="{FF2B5EF4-FFF2-40B4-BE49-F238E27FC236}">
+                <a16:creationId xmlns:a16="http://schemas.microsoft.com/office/drawing/2014/main" id="{E196B371-E8EF-504B-E5B7-90435B1A730D}"/>
+              </a:ext>
+            </a:extLst>
+          </p:cNvPr>
+          <p:cNvCxnSpPr>
+            <a:cxnSpLocks/>
+            <a:stCxn id="6" idx="3"/>
+            <a:endCxn id="3" idx="2"/>
+          </p:cNvCxnSpPr>
+          <p:nvPr/>
+        </p:nvCxnSpPr>
+        <p:spPr>
+          <a:xfrm flipV="1">
+            <a:off x="5119893" y="966171"/>
+            <a:ext cx="710005" cy="1295040"/>
+          </a:xfrm>
+          <a:prstGeom prst="straightConnector1">
+            <a:avLst/>
+          </a:prstGeom>
+          <a:ln w="57150">
+            <a:solidFill>
+              <a:schemeClr val="tx1">
+                <a:lumMod val="75000"/>
+                <a:lumOff val="25000"/>
+              </a:schemeClr>
+            </a:solidFill>
+            <a:tailEnd type="triangle"/>
+          </a:ln>
+        </p:spPr>
+        <p:style>
+          <a:lnRef idx="2">
+            <a:schemeClr val="accent1"/>
+          </a:lnRef>
+          <a:fillRef idx="0">
+            <a:schemeClr val="accent1"/>
+          </a:fillRef>
+          <a:effectRef idx="1">
+            <a:schemeClr val="accent1"/>
+          </a:effectRef>
+          <a:fontRef idx="minor">
+            <a:schemeClr val="tx1"/>
+          </a:fontRef>
+        </p:style>
+      </p:cxnSp>
+      <p:sp>
+        <p:nvSpPr>
+          <p:cNvPr id="13" name="Oval 12">
+            <a:extLst>
+              <a:ext uri="{FF2B5EF4-FFF2-40B4-BE49-F238E27FC236}">
+                <a16:creationId xmlns:a16="http://schemas.microsoft.com/office/drawing/2014/main" id="{79528EAB-D62C-8CC8-8DCB-487CCB44037A}"/>
+              </a:ext>
+            </a:extLst>
+          </p:cNvPr>
+          <p:cNvSpPr/>
+          <p:nvPr/>
+        </p:nvSpPr>
+        <p:spPr>
+          <a:xfrm>
+            <a:off x="5938974" y="1725843"/>
+            <a:ext cx="2065282" cy="2006600"/>
+          </a:xfrm>
+          <a:prstGeom prst="ellipse">
+            <a:avLst/>
+          </a:prstGeom>
+          <a:solidFill>
+            <a:schemeClr val="bg1">
+              <a:lumMod val="65000"/>
+            </a:schemeClr>
+          </a:solidFill>
+          <a:ln>
+            <a:solidFill>
+              <a:schemeClr val="tx1">
+                <a:lumMod val="75000"/>
+                <a:lumOff val="25000"/>
+              </a:schemeClr>
+            </a:solidFill>
+          </a:ln>
+        </p:spPr>
+        <p:style>
+          <a:lnRef idx="2">
+            <a:schemeClr val="accent1">
+              <a:shade val="15000"/>
+            </a:schemeClr>
+          </a:lnRef>
+          <a:fillRef idx="1">
+            <a:schemeClr val="accent1"/>
+          </a:fillRef>
+          <a:effectRef idx="0">
+            <a:schemeClr val="accent1"/>
+          </a:effectRef>
+          <a:fontRef idx="minor">
+            <a:schemeClr val="lt1"/>
+          </a:fontRef>
+        </p:style>
+        <p:txBody>
+          <a:bodyPr rtlCol="0" anchor="ctr"/>
+          <a:lstStyle/>
+          <a:p>
+            <a:pPr algn="ctr"/>
+            <a:r>
+              <a:rPr lang="en-US" sz="2000" dirty="0">
+                <a:effectLst>
+                  <a:outerShdw blurRad="50800" dist="38100" dir="2700000" algn="tl" rotWithShape="0">
+                    <a:prstClr val="black">
+                      <a:alpha val="40000"/>
+                    </a:prstClr>
+                  </a:outerShdw>
+                </a:effectLst>
+                <a:latin typeface="Montserrat" pitchFamily="2" charset="77"/>
+              </a:rPr>
+              <a:t>Compute initial P(T) guess</a:t>
+            </a:r>
+          </a:p>
+          <a:p>
+            <a:pPr algn="ctr"/>
+            <a:r>
+              <a:rPr lang="en-US" sz="2000" dirty="0">
+                <a:effectLst>
+                  <a:outerShdw blurRad="50800" dist="38100" dir="2700000" algn="tl" rotWithShape="0">
+                    <a:prstClr val="black">
+                      <a:alpha val="40000"/>
+                    </a:prstClr>
+                  </a:outerShdw>
+                </a:effectLst>
+                <a:latin typeface="Montserrat" pitchFamily="2" charset="77"/>
+              </a:rPr>
+              <a:t>(Guillot et al. 2010)</a:t>
+            </a:r>
+          </a:p>
+        </p:txBody>
+      </p:sp>
+      <p:cxnSp>
+        <p:nvCxnSpPr>
+          <p:cNvPr id="20" name="Straight Arrow Connector 19">
+            <a:extLst>
+              <a:ext uri="{FF2B5EF4-FFF2-40B4-BE49-F238E27FC236}">
+                <a16:creationId xmlns:a16="http://schemas.microsoft.com/office/drawing/2014/main" id="{76BFB7D4-1814-ABA3-74D9-61F0D06D4D95}"/>
+              </a:ext>
+            </a:extLst>
+          </p:cNvPr>
+          <p:cNvCxnSpPr>
+            <a:cxnSpLocks/>
+            <a:stCxn id="9" idx="3"/>
+            <a:endCxn id="13" idx="2"/>
+          </p:cNvCxnSpPr>
+          <p:nvPr/>
+        </p:nvCxnSpPr>
+        <p:spPr>
+          <a:xfrm flipV="1">
+            <a:off x="5367319" y="2729143"/>
+            <a:ext cx="571655" cy="1174239"/>
+          </a:xfrm>
+          <a:prstGeom prst="straightConnector1">
+            <a:avLst/>
+          </a:prstGeom>
+          <a:ln w="57150">
+            <a:solidFill>
+              <a:schemeClr val="tx1">
+                <a:lumMod val="75000"/>
+                <a:lumOff val="25000"/>
+              </a:schemeClr>
+            </a:solidFill>
+            <a:tailEnd type="triangle"/>
+          </a:ln>
+        </p:spPr>
+        <p:style>
+          <a:lnRef idx="2">
+            <a:schemeClr val="accent1"/>
+          </a:lnRef>
+          <a:fillRef idx="0">
+            <a:schemeClr val="accent1"/>
+          </a:fillRef>
+          <a:effectRef idx="1">
+            <a:schemeClr val="accent1"/>
+          </a:effectRef>
+          <a:fontRef idx="minor">
+            <a:schemeClr val="tx1"/>
+          </a:fontRef>
+        </p:style>
+      </p:cxnSp>
+      <p:cxnSp>
+        <p:nvCxnSpPr>
+          <p:cNvPr id="24" name="Straight Arrow Connector 23">
+            <a:extLst>
+              <a:ext uri="{FF2B5EF4-FFF2-40B4-BE49-F238E27FC236}">
+                <a16:creationId xmlns:a16="http://schemas.microsoft.com/office/drawing/2014/main" id="{D0D62F7B-9CD1-6C91-4D48-F854B9D14A3A}"/>
+              </a:ext>
+            </a:extLst>
+          </p:cNvPr>
+          <p:cNvCxnSpPr>
+            <a:cxnSpLocks/>
+            <a:stCxn id="3" idx="6"/>
+            <a:endCxn id="53" idx="2"/>
+          </p:cNvCxnSpPr>
+          <p:nvPr/>
+        </p:nvCxnSpPr>
+        <p:spPr>
+          <a:xfrm>
+            <a:off x="7895180" y="966171"/>
+            <a:ext cx="994783" cy="1647999"/>
+          </a:xfrm>
+          <a:prstGeom prst="straightConnector1">
+            <a:avLst/>
+          </a:prstGeom>
+          <a:ln w="57150">
+            <a:solidFill>
+              <a:schemeClr val="tx1">
+                <a:lumMod val="75000"/>
+                <a:lumOff val="25000"/>
+              </a:schemeClr>
+            </a:solidFill>
+            <a:tailEnd type="triangle"/>
+          </a:ln>
+        </p:spPr>
+        <p:style>
+          <a:lnRef idx="2">
+            <a:schemeClr val="accent1"/>
+          </a:lnRef>
+          <a:fillRef idx="0">
+            <a:schemeClr val="accent1"/>
+          </a:fillRef>
+          <a:effectRef idx="1">
+            <a:schemeClr val="accent1"/>
+          </a:effectRef>
+          <a:fontRef idx="minor">
+            <a:schemeClr val="tx1"/>
+          </a:fontRef>
+        </p:style>
+      </p:cxnSp>
+      <p:sp>
+        <p:nvSpPr>
+          <p:cNvPr id="40" name="TextBox 39">
+            <a:extLst>
+              <a:ext uri="{FF2B5EF4-FFF2-40B4-BE49-F238E27FC236}">
+                <a16:creationId xmlns:a16="http://schemas.microsoft.com/office/drawing/2014/main" id="{16F4A9E0-992F-5874-88C3-3AF69C7F3E85}"/>
+              </a:ext>
+            </a:extLst>
+          </p:cNvPr>
+          <p:cNvSpPr txBox="1"/>
+          <p:nvPr/>
+        </p:nvSpPr>
+        <p:spPr>
+          <a:xfrm>
+            <a:off x="7569200" y="159368"/>
+            <a:ext cx="4699000" cy="369332"/>
+          </a:xfrm>
+          <a:prstGeom prst="rect">
+            <a:avLst/>
+          </a:prstGeom>
+          <a:noFill/>
+        </p:spPr>
+        <p:txBody>
+          <a:bodyPr wrap="square">
+            <a:spAutoFit/>
+          </a:bodyPr>
+          <a:lstStyle/>
+          <a:p>
+            <a:r>
+              <a:rPr lang="en-US" dirty="0"/>
+              <a:t>https://</a:t>
+            </a:r>
+            <a:r>
+              <a:rPr lang="en-US" dirty="0" err="1"/>
+              <a:t>natashabatalha.github.io</a:t>
+            </a:r>
+            <a:r>
+              <a:rPr lang="en-US" dirty="0"/>
+              <a:t>/</a:t>
+            </a:r>
+            <a:r>
+              <a:rPr lang="en-US" dirty="0" err="1"/>
+              <a:t>picaso_dev</a:t>
+            </a:r>
+            <a:endParaRPr lang="en-US" dirty="0"/>
+          </a:p>
+        </p:txBody>
+      </p:sp>
+      <p:cxnSp>
+        <p:nvCxnSpPr>
+          <p:cNvPr id="41" name="Straight Arrow Connector 40">
+            <a:extLst>
+              <a:ext uri="{FF2B5EF4-FFF2-40B4-BE49-F238E27FC236}">
+                <a16:creationId xmlns:a16="http://schemas.microsoft.com/office/drawing/2014/main" id="{A5BE4A39-27A5-AAF3-AAF1-1E93B5B53B40}"/>
+              </a:ext>
+            </a:extLst>
+          </p:cNvPr>
+          <p:cNvCxnSpPr>
+            <a:cxnSpLocks/>
+            <a:stCxn id="13" idx="6"/>
+            <a:endCxn id="53" idx="2"/>
+          </p:cNvCxnSpPr>
+          <p:nvPr/>
+        </p:nvCxnSpPr>
+        <p:spPr>
+          <a:xfrm flipV="1">
+            <a:off x="8004256" y="2614170"/>
+            <a:ext cx="885707" cy="114973"/>
+          </a:xfrm>
+          <a:prstGeom prst="straightConnector1">
+            <a:avLst/>
+          </a:prstGeom>
+          <a:ln w="57150">
+            <a:solidFill>
+              <a:schemeClr val="tx1">
+                <a:lumMod val="75000"/>
+                <a:lumOff val="25000"/>
+              </a:schemeClr>
+            </a:solidFill>
+            <a:tailEnd type="triangle"/>
+          </a:ln>
+        </p:spPr>
+        <p:style>
+          <a:lnRef idx="2">
+            <a:schemeClr val="accent1"/>
+          </a:lnRef>
+          <a:fillRef idx="0">
+            <a:schemeClr val="accent1"/>
+          </a:fillRef>
+          <a:effectRef idx="1">
+            <a:schemeClr val="accent1"/>
+          </a:effectRef>
+          <a:fontRef idx="minor">
+            <a:schemeClr val="tx1"/>
+          </a:fontRef>
+        </p:style>
+      </p:cxnSp>
+      <p:sp>
+        <p:nvSpPr>
+          <p:cNvPr id="49" name="TextBox 48">
+            <a:extLst>
+              <a:ext uri="{FF2B5EF4-FFF2-40B4-BE49-F238E27FC236}">
+                <a16:creationId xmlns:a16="http://schemas.microsoft.com/office/drawing/2014/main" id="{9BEF366D-5A68-DAAC-35AF-E8FAE05EF939}"/>
+              </a:ext>
+            </a:extLst>
+          </p:cNvPr>
+          <p:cNvSpPr txBox="1"/>
+          <p:nvPr/>
+        </p:nvSpPr>
+        <p:spPr>
+          <a:xfrm>
+            <a:off x="8609853" y="453215"/>
+            <a:ext cx="3145733" cy="369332"/>
+          </a:xfrm>
+          <a:prstGeom prst="rect">
+            <a:avLst/>
+          </a:prstGeom>
+          <a:noFill/>
+        </p:spPr>
+        <p:txBody>
+          <a:bodyPr wrap="none" rtlCol="0">
+            <a:spAutoFit/>
+          </a:bodyPr>
+          <a:lstStyle/>
+          <a:p>
+            <a:r>
+              <a:rPr lang="en-US" dirty="0"/>
+              <a:t>For how PICASO treats RT </a:t>
+            </a:r>
+            <a:r>
+              <a:rPr lang="en-US" dirty="0" err="1"/>
+              <a:t>eqn</a:t>
+            </a:r>
+            <a:endParaRPr lang="en-US" dirty="0"/>
+          </a:p>
+        </p:txBody>
+      </p:sp>
+      <p:cxnSp>
+        <p:nvCxnSpPr>
+          <p:cNvPr id="50" name="Straight Arrow Connector 49">
+            <a:extLst>
+              <a:ext uri="{FF2B5EF4-FFF2-40B4-BE49-F238E27FC236}">
+                <a16:creationId xmlns:a16="http://schemas.microsoft.com/office/drawing/2014/main" id="{DB55E0A7-FFBF-69D4-B2C0-740539BC0E82}"/>
+              </a:ext>
+            </a:extLst>
+          </p:cNvPr>
+          <p:cNvCxnSpPr>
+            <a:cxnSpLocks/>
+            <a:stCxn id="53" idx="1"/>
+            <a:endCxn id="66" idx="0"/>
+          </p:cNvCxnSpPr>
+          <p:nvPr/>
+        </p:nvCxnSpPr>
+        <p:spPr>
+          <a:xfrm flipH="1">
+            <a:off x="8359521" y="3700020"/>
+            <a:ext cx="1963254" cy="566558"/>
+          </a:xfrm>
+          <a:prstGeom prst="straightConnector1">
+            <a:avLst/>
+          </a:prstGeom>
+          <a:ln w="57150">
+            <a:solidFill>
+              <a:schemeClr val="tx1">
+                <a:lumMod val="75000"/>
+                <a:lumOff val="25000"/>
+              </a:schemeClr>
+            </a:solidFill>
+            <a:tailEnd type="triangle"/>
+          </a:ln>
+        </p:spPr>
+        <p:style>
+          <a:lnRef idx="2">
+            <a:schemeClr val="accent1"/>
+          </a:lnRef>
+          <a:fillRef idx="0">
+            <a:schemeClr val="accent1"/>
+          </a:fillRef>
+          <a:effectRef idx="1">
+            <a:schemeClr val="accent1"/>
+          </a:effectRef>
+          <a:fontRef idx="minor">
+            <a:schemeClr val="tx1"/>
+          </a:fontRef>
+        </p:style>
+      </p:cxnSp>
+      <p:sp>
+        <p:nvSpPr>
+          <p:cNvPr id="53" name="Snip Same Side Corner Rectangle 52">
+            <a:extLst>
+              <a:ext uri="{FF2B5EF4-FFF2-40B4-BE49-F238E27FC236}">
+                <a16:creationId xmlns:a16="http://schemas.microsoft.com/office/drawing/2014/main" id="{509D9AE6-7902-CE47-DA13-0A9A49FD0998}"/>
+              </a:ext>
+            </a:extLst>
+          </p:cNvPr>
+          <p:cNvSpPr/>
+          <p:nvPr/>
+        </p:nvSpPr>
+        <p:spPr>
+          <a:xfrm>
+            <a:off x="8889963" y="1528320"/>
+            <a:ext cx="2865623" cy="2171700"/>
+          </a:xfrm>
+          <a:prstGeom prst="snip2SameRect">
+            <a:avLst/>
+          </a:prstGeom>
+          <a:solidFill>
+            <a:schemeClr val="bg1">
+              <a:lumMod val="65000"/>
+            </a:schemeClr>
+          </a:solidFill>
+          <a:ln>
+            <a:solidFill>
+              <a:schemeClr val="tx1">
+                <a:lumMod val="75000"/>
+                <a:lumOff val="25000"/>
+              </a:schemeClr>
+            </a:solidFill>
+          </a:ln>
+        </p:spPr>
+        <p:style>
+          <a:lnRef idx="2">
+            <a:schemeClr val="accent1">
+              <a:shade val="15000"/>
+            </a:schemeClr>
+          </a:lnRef>
+          <a:fillRef idx="1">
+            <a:schemeClr val="accent1"/>
+          </a:fillRef>
+          <a:effectRef idx="0">
+            <a:schemeClr val="accent1"/>
+          </a:effectRef>
+          <a:fontRef idx="minor">
+            <a:schemeClr val="lt1"/>
+          </a:fontRef>
+        </p:style>
+        <p:txBody>
+          <a:bodyPr rtlCol="0" anchor="ctr"/>
+          <a:lstStyle/>
+          <a:p>
+            <a:pPr algn="ctr"/>
+            <a:r>
+              <a:rPr lang="en-US" dirty="0">
+                <a:effectLst>
+                  <a:outerShdw blurRad="50800" dist="38100" dir="2700000" algn="tl" rotWithShape="0">
+                    <a:prstClr val="black">
+                      <a:alpha val="40000"/>
+                    </a:prstClr>
+                  </a:outerShdw>
+                </a:effectLst>
+                <a:latin typeface="Montserrat" pitchFamily="2" charset="77"/>
+              </a:rPr>
+              <a:t>PICASO iteratively converges to a solution of the radiative transfer equation for radiative/convective equilibrium</a:t>
+            </a:r>
+          </a:p>
+          <a:p>
+            <a:pPr algn="ctr"/>
+            <a:endParaRPr lang="en-US" dirty="0"/>
+          </a:p>
+        </p:txBody>
+      </p:sp>
+      <p:grpSp>
+        <p:nvGrpSpPr>
+          <p:cNvPr id="71" name="Group 70">
+            <a:extLst>
+              <a:ext uri="{FF2B5EF4-FFF2-40B4-BE49-F238E27FC236}">
+                <a16:creationId xmlns:a16="http://schemas.microsoft.com/office/drawing/2014/main" id="{A1BA31F0-527D-E4C6-6356-1C8474381D06}"/>
+              </a:ext>
+            </a:extLst>
+          </p:cNvPr>
+          <p:cNvGrpSpPr/>
+          <p:nvPr/>
+        </p:nvGrpSpPr>
+        <p:grpSpPr>
+          <a:xfrm>
+            <a:off x="5917535" y="4266578"/>
+            <a:ext cx="4883972" cy="3947769"/>
+            <a:chOff x="1978567" y="4459631"/>
+            <a:chExt cx="4883972" cy="3947769"/>
+          </a:xfrm>
+        </p:grpSpPr>
+        <p:sp>
+          <p:nvSpPr>
+            <p:cNvPr id="48" name="Rectangle 47">
+              <a:extLst>
+                <a:ext uri="{FF2B5EF4-FFF2-40B4-BE49-F238E27FC236}">
+                  <a16:creationId xmlns:a16="http://schemas.microsoft.com/office/drawing/2014/main" id="{878BD132-D845-3C2F-8309-A4656BC7DE39}"/>
+                </a:ext>
+              </a:extLst>
+            </p:cNvPr>
+            <p:cNvSpPr/>
+            <p:nvPr/>
+          </p:nvSpPr>
+          <p:spPr>
+            <a:xfrm>
+              <a:off x="2392083" y="5484676"/>
+              <a:ext cx="1757214" cy="749825"/>
+            </a:xfrm>
+            <a:prstGeom prst="rect">
+              <a:avLst/>
+            </a:prstGeom>
+            <a:solidFill>
+              <a:schemeClr val="bg1">
+                <a:lumMod val="65000"/>
+              </a:schemeClr>
+            </a:solidFill>
+            <a:ln>
+              <a:solidFill>
+                <a:schemeClr val="tx1">
+                  <a:lumMod val="75000"/>
+                  <a:lumOff val="25000"/>
+                </a:schemeClr>
+              </a:solidFill>
+            </a:ln>
+          </p:spPr>
+          <p:style>
+            <a:lnRef idx="2">
+              <a:schemeClr val="accent1">
+                <a:shade val="15000"/>
+              </a:schemeClr>
+            </a:lnRef>
+            <a:fillRef idx="1">
+              <a:schemeClr val="accent1"/>
+            </a:fillRef>
+            <a:effectRef idx="0">
+              <a:schemeClr val="accent1"/>
+            </a:effectRef>
+            <a:fontRef idx="minor">
+              <a:schemeClr val="lt1"/>
+            </a:fontRef>
+          </p:style>
+          <p:txBody>
+            <a:bodyPr rtlCol="0" anchor="ctr"/>
+            <a:lstStyle/>
+            <a:p>
+              <a:pPr algn="ctr"/>
+              <a:r>
+                <a:rPr lang="en-US" dirty="0">
+                  <a:effectLst>
+                    <a:outerShdw blurRad="50800" dist="38100" dir="2700000" algn="tl" rotWithShape="0">
+                      <a:prstClr val="black">
+                        <a:alpha val="40000"/>
+                      </a:prstClr>
+                    </a:outerShdw>
+                  </a:effectLst>
+                  <a:latin typeface="Montserrat" pitchFamily="2" charset="77"/>
+                </a:rPr>
+                <a:t>P(T) profile</a:t>
+              </a:r>
+            </a:p>
+          </p:txBody>
+        </p:sp>
+        <p:sp>
+          <p:nvSpPr>
+            <p:cNvPr id="64" name="Rectangle 63">
+              <a:extLst>
+                <a:ext uri="{FF2B5EF4-FFF2-40B4-BE49-F238E27FC236}">
+                  <a16:creationId xmlns:a16="http://schemas.microsoft.com/office/drawing/2014/main" id="{5C863DB7-96F8-B7CF-C377-26F4CC7530DA}"/>
+                </a:ext>
+              </a:extLst>
+            </p:cNvPr>
+            <p:cNvSpPr/>
+            <p:nvPr/>
+          </p:nvSpPr>
+          <p:spPr>
+            <a:xfrm>
+              <a:off x="2642054" y="4600918"/>
+              <a:ext cx="3711682" cy="425303"/>
+            </a:xfrm>
+            <a:prstGeom prst="rect">
+              <a:avLst/>
+            </a:prstGeom>
+            <a:solidFill>
+              <a:schemeClr val="bg2">
+                <a:lumMod val="50000"/>
+              </a:schemeClr>
+            </a:solidFill>
+          </p:spPr>
+          <p:style>
+            <a:lnRef idx="2">
+              <a:schemeClr val="accent1">
+                <a:shade val="15000"/>
+              </a:schemeClr>
+            </a:lnRef>
+            <a:fillRef idx="1">
+              <a:schemeClr val="accent1"/>
+            </a:fillRef>
+            <a:effectRef idx="0">
+              <a:schemeClr val="accent1"/>
+            </a:effectRef>
+            <a:fontRef idx="minor">
+              <a:schemeClr val="lt1"/>
+            </a:fontRef>
+          </p:style>
+          <p:txBody>
+            <a:bodyPr rtlCol="0" anchor="ctr"/>
+            <a:lstStyle/>
+            <a:p>
+              <a:pPr algn="ctr"/>
+              <a:r>
+                <a:rPr lang="en-US" sz="2800" dirty="0">
+                  <a:effectLst>
+                    <a:outerShdw blurRad="50800" dist="38100" dir="2700000" algn="tl" rotWithShape="0">
+                      <a:prstClr val="black">
+                        <a:alpha val="40000"/>
+                      </a:prstClr>
+                    </a:outerShdw>
+                  </a:effectLst>
+                  <a:latin typeface="Cubano" pitchFamily="2" charset="0"/>
+                </a:rPr>
+                <a:t>Climate outputs</a:t>
+              </a:r>
+              <a:endParaRPr lang="en-US" sz="2000" dirty="0">
+                <a:effectLst>
+                  <a:outerShdw blurRad="50800" dist="38100" dir="2700000" algn="tl" rotWithShape="0">
+                    <a:prstClr val="black">
+                      <a:alpha val="40000"/>
+                    </a:prstClr>
+                  </a:outerShdw>
+                </a:effectLst>
+                <a:latin typeface="Cubano" pitchFamily="2" charset="0"/>
+              </a:endParaRPr>
+            </a:p>
+          </p:txBody>
+        </p:sp>
+        <p:sp>
+          <p:nvSpPr>
+            <p:cNvPr id="66" name="Rounded Rectangle 65">
+              <a:extLst>
+                <a:ext uri="{FF2B5EF4-FFF2-40B4-BE49-F238E27FC236}">
+                  <a16:creationId xmlns:a16="http://schemas.microsoft.com/office/drawing/2014/main" id="{C3731CD4-DF23-2881-C243-A1BEF8824DEA}"/>
+                </a:ext>
+              </a:extLst>
+            </p:cNvPr>
+            <p:cNvSpPr/>
+            <p:nvPr/>
+          </p:nvSpPr>
+          <p:spPr>
+            <a:xfrm>
+              <a:off x="1978567" y="4459631"/>
+              <a:ext cx="4883972" cy="3947769"/>
+            </a:xfrm>
+            <a:prstGeom prst="roundRect">
+              <a:avLst/>
+            </a:prstGeom>
+            <a:noFill/>
+          </p:spPr>
+          <p:style>
+            <a:lnRef idx="2">
+              <a:schemeClr val="accent1">
+                <a:shade val="15000"/>
+              </a:schemeClr>
+            </a:lnRef>
+            <a:fillRef idx="1">
+              <a:schemeClr val="accent1"/>
+            </a:fillRef>
+            <a:effectRef idx="0">
+              <a:schemeClr val="accent1"/>
+            </a:effectRef>
+            <a:fontRef idx="minor">
+              <a:schemeClr val="lt1"/>
+            </a:fontRef>
+          </p:style>
+          <p:txBody>
+            <a:bodyPr rtlCol="0" anchor="ctr"/>
+            <a:lstStyle/>
+            <a:p>
+              <a:pPr algn="ctr"/>
+              <a:endParaRPr lang="en-US"/>
+            </a:p>
+          </p:txBody>
+        </p:sp>
+        <p:sp>
+          <p:nvSpPr>
+            <p:cNvPr id="69" name="Rectangle 68">
+              <a:extLst>
+                <a:ext uri="{FF2B5EF4-FFF2-40B4-BE49-F238E27FC236}">
+                  <a16:creationId xmlns:a16="http://schemas.microsoft.com/office/drawing/2014/main" id="{5EB36439-1186-3F50-9ED4-B510FD12714F}"/>
+                </a:ext>
+              </a:extLst>
+            </p:cNvPr>
+            <p:cNvSpPr/>
+            <p:nvPr/>
+          </p:nvSpPr>
+          <p:spPr>
+            <a:xfrm>
+              <a:off x="4458616" y="5213549"/>
+              <a:ext cx="2065282" cy="1389403"/>
+            </a:xfrm>
+            <a:prstGeom prst="rect">
+              <a:avLst/>
+            </a:prstGeom>
+            <a:solidFill>
+              <a:schemeClr val="bg1">
+                <a:lumMod val="65000"/>
+              </a:schemeClr>
+            </a:solidFill>
+            <a:ln>
+              <a:solidFill>
+                <a:schemeClr val="tx1">
+                  <a:lumMod val="75000"/>
+                  <a:lumOff val="25000"/>
+                </a:schemeClr>
+              </a:solidFill>
+            </a:ln>
+          </p:spPr>
+          <p:style>
+            <a:lnRef idx="2">
+              <a:schemeClr val="accent1">
+                <a:shade val="15000"/>
+              </a:schemeClr>
+            </a:lnRef>
+            <a:fillRef idx="1">
+              <a:schemeClr val="accent1"/>
+            </a:fillRef>
+            <a:effectRef idx="0">
+              <a:schemeClr val="accent1"/>
+            </a:effectRef>
+            <a:fontRef idx="minor">
+              <a:schemeClr val="lt1"/>
+            </a:fontRef>
+          </p:style>
+          <p:txBody>
+            <a:bodyPr rtlCol="0" anchor="ctr"/>
+            <a:lstStyle/>
+            <a:p>
+              <a:pPr algn="ctr"/>
+              <a:r>
+                <a:rPr lang="en-US" dirty="0">
+                  <a:effectLst>
+                    <a:outerShdw blurRad="50800" dist="38100" dir="2700000" algn="tl" rotWithShape="0">
+                      <a:prstClr val="black">
+                        <a:alpha val="40000"/>
+                      </a:prstClr>
+                    </a:outerShdw>
+                  </a:effectLst>
+                  <a:latin typeface="Montserrat" pitchFamily="2" charset="77"/>
+                </a:rPr>
+                <a:t>Molecular abundances as a function of pressure</a:t>
+              </a:r>
+            </a:p>
+          </p:txBody>
+        </p:sp>
+        <p:sp>
+          <p:nvSpPr>
+            <p:cNvPr id="70" name="Rectangle 69">
+              <a:extLst>
+                <a:ext uri="{FF2B5EF4-FFF2-40B4-BE49-F238E27FC236}">
+                  <a16:creationId xmlns:a16="http://schemas.microsoft.com/office/drawing/2014/main" id="{3B72F8DC-F85A-7AD2-8BF9-A53B37D45A80}"/>
+                </a:ext>
+              </a:extLst>
+            </p:cNvPr>
+            <p:cNvSpPr/>
+            <p:nvPr/>
+          </p:nvSpPr>
+          <p:spPr>
+            <a:xfrm>
+              <a:off x="2371182" y="6790280"/>
+              <a:ext cx="2535385" cy="1333500"/>
+            </a:xfrm>
+            <a:prstGeom prst="rect">
+              <a:avLst/>
+            </a:prstGeom>
+            <a:solidFill>
+              <a:schemeClr val="bg1">
+                <a:lumMod val="65000"/>
+              </a:schemeClr>
+            </a:solidFill>
+            <a:ln>
+              <a:solidFill>
+                <a:schemeClr val="tx1">
+                  <a:lumMod val="75000"/>
+                  <a:lumOff val="25000"/>
+                </a:schemeClr>
+              </a:solidFill>
+            </a:ln>
+          </p:spPr>
+          <p:style>
+            <a:lnRef idx="2">
+              <a:schemeClr val="accent1">
+                <a:shade val="15000"/>
+              </a:schemeClr>
+            </a:lnRef>
+            <a:fillRef idx="1">
+              <a:schemeClr val="accent1"/>
+            </a:fillRef>
+            <a:effectRef idx="0">
+              <a:schemeClr val="accent1"/>
+            </a:effectRef>
+            <a:fontRef idx="minor">
+              <a:schemeClr val="lt1"/>
+            </a:fontRef>
+          </p:style>
+          <p:txBody>
+            <a:bodyPr rtlCol="0" anchor="ctr"/>
+            <a:lstStyle/>
+            <a:p>
+              <a:pPr algn="ctr"/>
+              <a:r>
+                <a:rPr lang="en-US" dirty="0">
+                  <a:effectLst>
+                    <a:outerShdw blurRad="50800" dist="38100" dir="2700000" algn="tl" rotWithShape="0">
+                      <a:prstClr val="black">
+                        <a:alpha val="40000"/>
+                      </a:prstClr>
+                    </a:outerShdw>
+                  </a:effectLst>
+                  <a:latin typeface="Montserrat" pitchFamily="2" charset="77"/>
+                </a:rPr>
+                <a:t>Prediction of what cloud species will condense where</a:t>
+              </a:r>
+            </a:p>
+          </p:txBody>
+        </p:sp>
+      </p:grpSp>
+      <p:cxnSp>
+        <p:nvCxnSpPr>
+          <p:cNvPr id="73" name="Straight Arrow Connector 72">
+            <a:extLst>
+              <a:ext uri="{FF2B5EF4-FFF2-40B4-BE49-F238E27FC236}">
+                <a16:creationId xmlns:a16="http://schemas.microsoft.com/office/drawing/2014/main" id="{A3B853B9-467C-50D8-D4FA-88B137688FAA}"/>
+              </a:ext>
+            </a:extLst>
+          </p:cNvPr>
+          <p:cNvCxnSpPr>
+            <a:cxnSpLocks/>
+            <a:stCxn id="82" idx="2"/>
+            <a:endCxn id="87" idx="0"/>
+          </p:cNvCxnSpPr>
+          <p:nvPr/>
+        </p:nvCxnSpPr>
+        <p:spPr>
+          <a:xfrm>
+            <a:off x="2972397" y="6894022"/>
+            <a:ext cx="360665" cy="543618"/>
+          </a:xfrm>
+          <a:prstGeom prst="straightConnector1">
+            <a:avLst/>
+          </a:prstGeom>
+          <a:ln w="57150">
+            <a:solidFill>
+              <a:schemeClr val="tx1">
+                <a:lumMod val="75000"/>
+                <a:lumOff val="25000"/>
+              </a:schemeClr>
+            </a:solidFill>
+            <a:tailEnd type="triangle"/>
+          </a:ln>
+        </p:spPr>
+        <p:style>
+          <a:lnRef idx="2">
+            <a:schemeClr val="accent1"/>
+          </a:lnRef>
+          <a:fillRef idx="0">
+            <a:schemeClr val="accent1"/>
+          </a:fillRef>
+          <a:effectRef idx="1">
+            <a:schemeClr val="accent1"/>
+          </a:effectRef>
+          <a:fontRef idx="minor">
+            <a:schemeClr val="tx1"/>
+          </a:fontRef>
+        </p:style>
+      </p:cxnSp>
+      <p:sp>
+        <p:nvSpPr>
+          <p:cNvPr id="76" name="Snip Same Side Corner Rectangle 75">
+            <a:extLst>
+              <a:ext uri="{FF2B5EF4-FFF2-40B4-BE49-F238E27FC236}">
+                <a16:creationId xmlns:a16="http://schemas.microsoft.com/office/drawing/2014/main" id="{7DC025A7-B250-AFDC-5690-AEBCD35F9D3A}"/>
+              </a:ext>
+            </a:extLst>
+          </p:cNvPr>
+          <p:cNvSpPr/>
+          <p:nvPr/>
+        </p:nvSpPr>
+        <p:spPr>
+          <a:xfrm>
+            <a:off x="9341148" y="8430593"/>
+            <a:ext cx="2599521" cy="1810954"/>
+          </a:xfrm>
+          <a:prstGeom prst="snip2SameRect">
+            <a:avLst/>
+          </a:prstGeom>
+          <a:solidFill>
+            <a:schemeClr val="bg1">
+              <a:lumMod val="65000"/>
+            </a:schemeClr>
+          </a:solidFill>
+          <a:ln>
+            <a:solidFill>
+              <a:schemeClr val="tx1">
+                <a:lumMod val="75000"/>
+                <a:lumOff val="25000"/>
+              </a:schemeClr>
+            </a:solidFill>
+          </a:ln>
+        </p:spPr>
+        <p:style>
+          <a:lnRef idx="2">
+            <a:schemeClr val="accent1">
+              <a:shade val="15000"/>
+            </a:schemeClr>
+          </a:lnRef>
+          <a:fillRef idx="1">
+            <a:schemeClr val="accent1"/>
+          </a:fillRef>
+          <a:effectRef idx="0">
+            <a:schemeClr val="accent1"/>
+          </a:effectRef>
+          <a:fontRef idx="minor">
+            <a:schemeClr val="lt1"/>
+          </a:fontRef>
+        </p:style>
+        <p:txBody>
+          <a:bodyPr rtlCol="0" anchor="ctr"/>
+          <a:lstStyle/>
+          <a:p>
+            <a:pPr algn="ctr"/>
+            <a:r>
+              <a:rPr lang="en-US" dirty="0">
+                <a:effectLst>
+                  <a:outerShdw blurRad="50800" dist="38100" dir="2700000" algn="tl" rotWithShape="0">
+                    <a:prstClr val="black">
+                      <a:alpha val="40000"/>
+                    </a:prstClr>
+                  </a:outerShdw>
+                </a:effectLst>
+                <a:latin typeface="Montserrat" pitchFamily="2" charset="77"/>
+              </a:rPr>
+              <a:t>PICASO computes cloud-free reflected light albedo and contrast spectra</a:t>
+            </a:r>
+          </a:p>
+          <a:p>
+            <a:pPr algn="ctr"/>
+            <a:endParaRPr lang="en-US" dirty="0"/>
+          </a:p>
+        </p:txBody>
+      </p:sp>
+      <p:cxnSp>
+        <p:nvCxnSpPr>
+          <p:cNvPr id="77" name="Straight Arrow Connector 76">
+            <a:extLst>
+              <a:ext uri="{FF2B5EF4-FFF2-40B4-BE49-F238E27FC236}">
+                <a16:creationId xmlns:a16="http://schemas.microsoft.com/office/drawing/2014/main" id="{0F42077B-441D-0B9D-D7CE-3BB17FA026D7}"/>
+              </a:ext>
+            </a:extLst>
+          </p:cNvPr>
+          <p:cNvCxnSpPr>
+            <a:cxnSpLocks/>
+            <a:stCxn id="66" idx="2"/>
+            <a:endCxn id="76" idx="3"/>
+          </p:cNvCxnSpPr>
+          <p:nvPr/>
+        </p:nvCxnSpPr>
+        <p:spPr>
+          <a:xfrm>
+            <a:off x="8359521" y="8214347"/>
+            <a:ext cx="2281388" cy="216246"/>
+          </a:xfrm>
+          <a:prstGeom prst="straightConnector1">
+            <a:avLst/>
+          </a:prstGeom>
+          <a:ln w="57150">
+            <a:solidFill>
+              <a:schemeClr val="tx1">
+                <a:lumMod val="75000"/>
+                <a:lumOff val="25000"/>
+              </a:schemeClr>
+            </a:solidFill>
+            <a:tailEnd type="triangle"/>
+          </a:ln>
+        </p:spPr>
+        <p:style>
+          <a:lnRef idx="2">
+            <a:schemeClr val="accent1"/>
+          </a:lnRef>
+          <a:fillRef idx="0">
+            <a:schemeClr val="accent1"/>
+          </a:fillRef>
+          <a:effectRef idx="1">
+            <a:schemeClr val="accent1"/>
+          </a:effectRef>
+          <a:fontRef idx="minor">
+            <a:schemeClr val="tx1"/>
+          </a:fontRef>
+        </p:style>
+      </p:cxnSp>
+      <p:sp>
+        <p:nvSpPr>
+          <p:cNvPr id="82" name="Rounded Rectangle 81">
+            <a:extLst>
+              <a:ext uri="{FF2B5EF4-FFF2-40B4-BE49-F238E27FC236}">
+                <a16:creationId xmlns:a16="http://schemas.microsoft.com/office/drawing/2014/main" id="{ABE19F60-AA7D-FD2A-CAFA-61AF61A40A41}"/>
+              </a:ext>
+            </a:extLst>
+          </p:cNvPr>
+          <p:cNvSpPr/>
+          <p:nvPr/>
+        </p:nvSpPr>
+        <p:spPr>
+          <a:xfrm>
+            <a:off x="803685" y="6073934"/>
+            <a:ext cx="4337424" cy="820088"/>
           </a:xfrm>
           <a:prstGeom prst="roundRect">
             <a:avLst/>
@@ -3037,7 +4946,7 @@
                 </a:effectLst>
                 <a:latin typeface="Cubano" pitchFamily="2" charset="0"/>
               </a:rPr>
-              <a:t>Planet:</a:t>
+              <a:t>Cloud parameters:</a:t>
             </a:r>
           </a:p>
           <a:p>
@@ -3056,8 +4965,37 @@
                 </a:effectLst>
                 <a:latin typeface="Montserrat" pitchFamily="2" charset="77"/>
               </a:rPr>
-              <a:t>Mass</a:t>
-            </a:r>
+              <a:t>Sedimentation Efficiency </a:t>
+            </a:r>
+            <a:r>
+              <a:rPr lang="en-US" dirty="0" err="1">
+                <a:solidFill>
+                  <a:schemeClr val="bg1"/>
+                </a:solidFill>
+                <a:effectLst>
+                  <a:outerShdw blurRad="50800" dist="38100" dir="2700000" algn="tl" rotWithShape="0">
+                    <a:prstClr val="black">
+                      <a:alpha val="40000"/>
+                    </a:prstClr>
+                  </a:outerShdw>
+                </a:effectLst>
+                <a:latin typeface="Montserrat" pitchFamily="2" charset="77"/>
+              </a:rPr>
+              <a:t>f_sed</a:t>
+            </a:r>
+            <a:endParaRPr lang="en-US" dirty="0">
+              <a:solidFill>
+                <a:schemeClr val="bg1"/>
+              </a:solidFill>
+              <a:effectLst>
+                <a:outerShdw blurRad="50800" dist="38100" dir="2700000" algn="tl" rotWithShape="0">
+                  <a:prstClr val="black">
+                    <a:alpha val="40000"/>
+                  </a:prstClr>
+                </a:outerShdw>
+              </a:effectLst>
+              <a:latin typeface="Montserrat" pitchFamily="2" charset="77"/>
+            </a:endParaRPr>
           </a:p>
           <a:p>
             <a:pPr algn="ctr"/>
@@ -3075,49 +5013,8 @@
                 </a:effectLst>
                 <a:latin typeface="Montserrat" pitchFamily="2" charset="77"/>
               </a:rPr>
-              <a:t>Radius</a:t>
-            </a:r>
-          </a:p>
-          <a:p>
-            <a:pPr algn="ctr"/>
-            <a:r>
-              <a:rPr lang="en-US" dirty="0">
-                <a:solidFill>
-                  <a:schemeClr val="bg1"/>
-                </a:solidFill>
-                <a:effectLst>
-                  <a:outerShdw blurRad="50800" dist="38100" dir="2700000" algn="tl" rotWithShape="0">
-                    <a:prstClr val="black">
-                      <a:alpha val="40000"/>
-                    </a:prstClr>
-                  </a:outerShdw>
-                </a:effectLst>
-                <a:latin typeface="Montserrat" pitchFamily="2" charset="77"/>
-              </a:rPr>
-              <a:t>[M/H]</a:t>
-            </a:r>
-          </a:p>
-          <a:p>
-            <a:pPr algn="ctr"/>
-            <a:r>
-              <a:rPr lang="en-US" dirty="0">
-                <a:solidFill>
-                  <a:schemeClr val="bg1"/>
-                </a:solidFill>
-                <a:effectLst>
-                  <a:outerShdw blurRad="50800" dist="38100" dir="2700000" algn="tl" rotWithShape="0">
-                    <a:prstClr val="black">
-                      <a:alpha val="40000"/>
-                    </a:prstClr>
-                  </a:outerShdw>
-                </a:effectLst>
-                <a:latin typeface="Montserrat" pitchFamily="2" charset="77"/>
-              </a:rPr>
-              <a:t>C/O</a:t>
-            </a:r>
-          </a:p>
-          <a:p>
-            <a:pPr algn="ctr"/>
+              <a:t>Vertical mixing strength </a:t>
+            </a:r>
             <a:r>
               <a:rPr lang="en-US" dirty="0" err="1">
                 <a:solidFill>
@@ -3132,25 +5029,9 @@
                 </a:effectLst>
                 <a:latin typeface="Montserrat" pitchFamily="2" charset="77"/>
               </a:rPr>
-              <a:t>T</a:t>
-            </a:r>
-            <a:r>
-              <a:rPr lang="en-US" baseline="-25000" dirty="0" err="1">
-                <a:solidFill>
-                  <a:schemeClr val="bg1"/>
-                </a:solidFill>
-                <a:effectLst>
-                  <a:outerShdw blurRad="50800" dist="38100" dir="2700000" algn="tl" rotWithShape="0">
-                    <a:prstClr val="black">
-                      <a:alpha val="40000"/>
-                    </a:prstClr>
-                  </a:outerShdw>
-                </a:effectLst>
-                <a:latin typeface="Montserrat" pitchFamily="2" charset="77"/>
-              </a:rPr>
-              <a:t>eq</a:t>
-            </a:r>
-            <a:endParaRPr lang="en-US" baseline="-25000" dirty="0">
+              <a:t>Kzz</a:t>
+            </a:r>
+            <a:endParaRPr lang="en-US" dirty="0">
               <a:solidFill>
                 <a:schemeClr val="bg1"/>
               </a:solidFill>
@@ -3164,33 +5045,14 @@
               <a:latin typeface="Montserrat" pitchFamily="2" charset="77"/>
             </a:endParaRPr>
           </a:p>
-          <a:p>
-            <a:pPr algn="ctr"/>
-            <a:r>
-              <a:rPr lang="en-US" dirty="0">
-                <a:solidFill>
-                  <a:schemeClr val="bg1"/>
-                </a:solidFill>
-                <a:effectLst>
-                  <a:outerShdw blurRad="50800" dist="38100" dir="2700000" algn="tl" rotWithShape="0">
-                    <a:prstClr val="black">
-                      <a:alpha val="40000"/>
-                    </a:prstClr>
-                  </a:outerShdw>
-                </a:effectLst>
-                <a:latin typeface="Montserrat" pitchFamily="2" charset="77"/>
-              </a:rPr>
-              <a:t>Phase</a:t>
-            </a:r>
-          </a:p>
-        </p:txBody>
-      </p:sp>
-      <p:sp>
-        <p:nvSpPr>
-          <p:cNvPr id="6" name="Rounded Rectangle 5">
+        </p:txBody>
+      </p:sp>
+      <p:sp>
+        <p:nvSpPr>
+          <p:cNvPr id="87" name="Oval 86">
             <a:extLst>
               <a:ext uri="{FF2B5EF4-FFF2-40B4-BE49-F238E27FC236}">
-                <a16:creationId xmlns:a16="http://schemas.microsoft.com/office/drawing/2014/main" id="{3101A4BE-DE82-C48B-4A0F-B6029ACE4810}"/>
+                <a16:creationId xmlns:a16="http://schemas.microsoft.com/office/drawing/2014/main" id="{DFAC9682-19CA-703C-74A7-7AC06800DE92}"/>
               </a:ext>
             </a:extLst>
           </p:cNvPr>
@@ -3199,10 +5061,10 @@
         </p:nvSpPr>
         <p:spPr>
           <a:xfrm>
-            <a:off x="6096000" y="821619"/>
-            <a:ext cx="1982993" cy="2015584"/>
+            <a:off x="2136495" y="7437640"/>
+            <a:ext cx="2393134" cy="1898430"/>
           </a:xfrm>
-          <a:prstGeom prst="roundRect">
+          <a:prstGeom prst="ellipse">
             <a:avLst/>
           </a:prstGeom>
           <a:solidFill>
@@ -3241,29 +5103,7 @@
           <a:p>
             <a:pPr algn="ctr"/>
             <a:r>
-              <a:rPr lang="en-US" dirty="0">
-                <a:solidFill>
-                  <a:schemeClr val="bg1"/>
-                </a:solidFill>
-                <a:effectLst>
-                  <a:outerShdw blurRad="50800" dist="38100" dir="2700000" algn="tl" rotWithShape="0">
-                    <a:prstClr val="black">
-                      <a:alpha val="40000"/>
-                    </a:prstClr>
-                  </a:outerShdw>
-                </a:effectLst>
-                <a:latin typeface="Cubano" pitchFamily="2" charset="0"/>
-              </a:rPr>
-              <a:t>Star:</a:t>
-            </a:r>
-          </a:p>
-          <a:p>
-            <a:pPr algn="ctr"/>
-            <a:r>
-              <a:rPr lang="en-US" dirty="0">
-                <a:solidFill>
-                  <a:schemeClr val="bg1"/>
-                </a:solidFill>
+              <a:rPr lang="en-US" sz="2000" dirty="0">
                 <a:effectLst>
                   <a:outerShdw blurRad="50800" dist="38100" dir="2700000" algn="tl" rotWithShape="0">
                     <a:prstClr val="black">
@@ -3273,109 +5113,66 @@
                 </a:effectLst>
                 <a:latin typeface="Montserrat" pitchFamily="2" charset="77"/>
               </a:rPr>
-              <a:t>T</a:t>
-            </a:r>
-            <a:r>
-              <a:rPr lang="en-US" baseline="-25000" dirty="0">
-                <a:solidFill>
-                  <a:schemeClr val="bg1"/>
-                </a:solidFill>
-                <a:effectLst>
-                  <a:outerShdw blurRad="50800" dist="38100" dir="2700000" algn="tl" rotWithShape="0">
-                    <a:prstClr val="black">
-                      <a:alpha val="40000"/>
-                    </a:prstClr>
-                  </a:outerShdw>
-                </a:effectLst>
-                <a:latin typeface="Montserrat" pitchFamily="2" charset="77"/>
-              </a:rPr>
-              <a:t>eff</a:t>
-            </a:r>
-          </a:p>
-          <a:p>
-            <a:pPr algn="ctr"/>
-            <a:r>
-              <a:rPr lang="en-US" dirty="0">
-                <a:solidFill>
-                  <a:schemeClr val="bg1"/>
-                </a:solidFill>
-                <a:effectLst>
-                  <a:outerShdw blurRad="50800" dist="38100" dir="2700000" algn="tl" rotWithShape="0">
-                    <a:prstClr val="black">
-                      <a:alpha val="40000"/>
-                    </a:prstClr>
-                  </a:outerShdw>
-                </a:effectLst>
-                <a:latin typeface="Montserrat" pitchFamily="2" charset="77"/>
-              </a:rPr>
-              <a:t>Mass</a:t>
-            </a:r>
-          </a:p>
-          <a:p>
-            <a:pPr algn="ctr"/>
-            <a:r>
-              <a:rPr lang="en-US" dirty="0">
-                <a:solidFill>
-                  <a:schemeClr val="bg1"/>
-                </a:solidFill>
-                <a:effectLst>
-                  <a:outerShdw blurRad="50800" dist="38100" dir="2700000" algn="tl" rotWithShape="0">
-                    <a:prstClr val="black">
-                      <a:alpha val="40000"/>
-                    </a:prstClr>
-                  </a:outerShdw>
-                </a:effectLst>
-                <a:latin typeface="Montserrat" pitchFamily="2" charset="77"/>
-              </a:rPr>
-              <a:t>Radius</a:t>
-            </a:r>
-          </a:p>
-          <a:p>
-            <a:pPr algn="ctr"/>
-            <a:r>
-              <a:rPr lang="en-US" dirty="0">
-                <a:solidFill>
-                  <a:schemeClr val="bg1"/>
-                </a:solidFill>
-                <a:effectLst>
-                  <a:outerShdw blurRad="50800" dist="38100" dir="2700000" algn="tl" rotWithShape="0">
-                    <a:prstClr val="black">
-                      <a:alpha val="40000"/>
-                    </a:prstClr>
-                  </a:outerShdw>
-                </a:effectLst>
-                <a:latin typeface="Montserrat" pitchFamily="2" charset="77"/>
-              </a:rPr>
-              <a:t>[M/H]</a:t>
-            </a:r>
-          </a:p>
-          <a:p>
-            <a:pPr algn="ctr"/>
-            <a:r>
-              <a:rPr lang="en-US" dirty="0">
-                <a:solidFill>
-                  <a:schemeClr val="bg1"/>
-                </a:solidFill>
-                <a:effectLst>
-                  <a:outerShdw blurRad="50800" dist="38100" dir="2700000" algn="tl" rotWithShape="0">
-                    <a:prstClr val="black">
-                      <a:alpha val="40000"/>
-                    </a:prstClr>
-                  </a:outerShdw>
-                </a:effectLst>
-                <a:latin typeface="Montserrat" pitchFamily="2" charset="77"/>
-              </a:rPr>
-              <a:t>Log(g)</a:t>
-            </a:r>
-          </a:p>
-        </p:txBody>
-      </p:sp>
-      <p:sp>
-        <p:nvSpPr>
-          <p:cNvPr id="7" name="Rectangle 6">
+              <a:t>Grab cloud profile from VIRGA</a:t>
+            </a:r>
+          </a:p>
+        </p:txBody>
+      </p:sp>
+      <p:cxnSp>
+        <p:nvCxnSpPr>
+          <p:cNvPr id="94" name="Straight Arrow Connector 93">
             <a:extLst>
               <a:ext uri="{FF2B5EF4-FFF2-40B4-BE49-F238E27FC236}">
-                <a16:creationId xmlns:a16="http://schemas.microsoft.com/office/drawing/2014/main" id="{F98C17BD-2B56-5FE8-3565-475B424E0D88}"/>
+                <a16:creationId xmlns:a16="http://schemas.microsoft.com/office/drawing/2014/main" id="{BB1FE2E1-29C3-033B-933A-0952A307D62A}"/>
+              </a:ext>
+            </a:extLst>
+          </p:cNvPr>
+          <p:cNvCxnSpPr>
+            <a:cxnSpLocks/>
+            <a:stCxn id="70" idx="1"/>
+            <a:endCxn id="87" idx="6"/>
+          </p:cNvCxnSpPr>
+          <p:nvPr/>
+        </p:nvCxnSpPr>
+        <p:spPr>
+          <a:xfrm flipH="1">
+            <a:off x="4529629" y="7263977"/>
+            <a:ext cx="1780521" cy="1122878"/>
+          </a:xfrm>
+          <a:prstGeom prst="straightConnector1">
+            <a:avLst/>
+          </a:prstGeom>
+          <a:ln w="57150">
+            <a:solidFill>
+              <a:schemeClr val="tx1">
+                <a:lumMod val="75000"/>
+                <a:lumOff val="25000"/>
+              </a:schemeClr>
+            </a:solidFill>
+            <a:tailEnd type="triangle"/>
+          </a:ln>
+        </p:spPr>
+        <p:style>
+          <a:lnRef idx="2">
+            <a:schemeClr val="accent1"/>
+          </a:lnRef>
+          <a:fillRef idx="0">
+            <a:schemeClr val="accent1"/>
+          </a:fillRef>
+          <a:effectRef idx="1">
+            <a:schemeClr val="accent1"/>
+          </a:effectRef>
+          <a:fontRef idx="minor">
+            <a:schemeClr val="tx1"/>
+          </a:fontRef>
+        </p:style>
+      </p:cxnSp>
+      <p:sp>
+        <p:nvSpPr>
+          <p:cNvPr id="104" name="Snip Same Side Corner Rectangle 103">
+            <a:extLst>
+              <a:ext uri="{FF2B5EF4-FFF2-40B4-BE49-F238E27FC236}">
+                <a16:creationId xmlns:a16="http://schemas.microsoft.com/office/drawing/2014/main" id="{FEC95872-7316-9B7D-38D4-604473451EB1}"/>
               </a:ext>
             </a:extLst>
           </p:cNvPr>
@@ -3384,83 +5181,10 @@
         </p:nvSpPr>
         <p:spPr>
           <a:xfrm>
-            <a:off x="4587189" y="267223"/>
-            <a:ext cx="2773784" cy="425303"/>
+            <a:off x="5829898" y="8508504"/>
+            <a:ext cx="2599521" cy="1810954"/>
           </a:xfrm>
-          <a:prstGeom prst="rect">
-            <a:avLst/>
-          </a:prstGeom>
-          <a:solidFill>
-            <a:schemeClr val="bg2">
-              <a:lumMod val="50000"/>
-            </a:schemeClr>
-          </a:solidFill>
-        </p:spPr>
-        <p:style>
-          <a:lnRef idx="2">
-            <a:schemeClr val="accent1">
-              <a:shade val="15000"/>
-            </a:schemeClr>
-          </a:lnRef>
-          <a:fillRef idx="1">
-            <a:schemeClr val="accent1"/>
-          </a:fillRef>
-          <a:effectRef idx="0">
-            <a:schemeClr val="accent1"/>
-          </a:effectRef>
-          <a:fontRef idx="minor">
-            <a:schemeClr val="lt1"/>
-          </a:fontRef>
-        </p:style>
-        <p:txBody>
-          <a:bodyPr rtlCol="0" anchor="ctr"/>
-          <a:lstStyle/>
-          <a:p>
-            <a:pPr algn="ctr"/>
-            <a:r>
-              <a:rPr lang="en-US" sz="2800" dirty="0">
-                <a:effectLst>
-                  <a:outerShdw blurRad="50800" dist="38100" dir="2700000" algn="tl" rotWithShape="0">
-                    <a:prstClr val="black">
-                      <a:alpha val="40000"/>
-                    </a:prstClr>
-                  </a:outerShdw>
-                </a:effectLst>
-                <a:latin typeface="Cubano" pitchFamily="2" charset="0"/>
-              </a:rPr>
-              <a:t>inputs</a:t>
-            </a:r>
-            <a:endParaRPr lang="en-US" sz="2000" dirty="0">
-              <a:effectLst>
-                <a:outerShdw blurRad="50800" dist="38100" dir="2700000" algn="tl" rotWithShape="0">
-                  <a:prstClr val="black">
-                    <a:alpha val="40000"/>
-                  </a:prstClr>
-                </a:outerShdw>
-              </a:effectLst>
-              <a:latin typeface="Cubano" pitchFamily="2" charset="0"/>
-            </a:endParaRPr>
-          </a:p>
-        </p:txBody>
-      </p:sp>
-      <p:sp>
-        <p:nvSpPr>
-          <p:cNvPr id="8" name="Rounded Rectangle 7">
-            <a:extLst>
-              <a:ext uri="{FF2B5EF4-FFF2-40B4-BE49-F238E27FC236}">
-                <a16:creationId xmlns:a16="http://schemas.microsoft.com/office/drawing/2014/main" id="{0664C888-06AA-FC89-07C9-EA6B89D91E1B}"/>
-              </a:ext>
-            </a:extLst>
-          </p:cNvPr>
-          <p:cNvSpPr/>
-          <p:nvPr/>
-        </p:nvSpPr>
-        <p:spPr>
-          <a:xfrm>
-            <a:off x="3784002" y="2966296"/>
-            <a:ext cx="4294991" cy="1939191"/>
-          </a:xfrm>
-          <a:prstGeom prst="roundRect">
+          <a:prstGeom prst="snip2SameRect">
             <a:avLst/>
           </a:prstGeom>
           <a:solidFill>
@@ -3500,28 +5224,6 @@
             <a:pPr algn="ctr"/>
             <a:r>
               <a:rPr lang="en-US" dirty="0">
-                <a:solidFill>
-                  <a:schemeClr val="bg1"/>
-                </a:solidFill>
-                <a:effectLst>
-                  <a:outerShdw blurRad="50800" dist="38100" dir="2700000" algn="tl" rotWithShape="0">
-                    <a:prstClr val="black">
-                      <a:alpha val="40000"/>
-                    </a:prstClr>
-                  </a:outerShdw>
-                </a:effectLst>
-                <a:latin typeface="Cubano" pitchFamily="2" charset="0"/>
-              </a:rPr>
-              <a:t>Computation settings</a:t>
-            </a:r>
-          </a:p>
-          <a:p>
-            <a:pPr algn="ctr"/>
-            <a:r>
-              <a:rPr lang="en-US" dirty="0">
-                <a:solidFill>
-                  <a:schemeClr val="bg1"/>
-                </a:solidFill>
                 <a:effectLst>
                   <a:outerShdw blurRad="50800" dist="38100" dir="2700000" algn="tl" rotWithShape="0">
                     <a:prstClr val="black">
@@ -3531,147 +5233,621 @@
                 </a:effectLst>
                 <a:latin typeface="Montserrat" pitchFamily="2" charset="77"/>
               </a:rPr>
-              <a:t>K-coefficient opacities (Freedman et al. 2008)</a:t>
+              <a:t>PICASO computes cloudy reflected light albedo and contrast spectra</a:t>
             </a:r>
           </a:p>
           <a:p>
             <a:pPr algn="ctr"/>
-            <a:r>
-              <a:rPr lang="en-US" dirty="0">
-                <a:solidFill>
-                  <a:schemeClr val="bg1"/>
-                </a:solidFill>
-                <a:effectLst>
-                  <a:outerShdw blurRad="50800" dist="38100" dir="2700000" algn="tl" rotWithShape="0">
-                    <a:prstClr val="black">
-                      <a:alpha val="40000"/>
-                    </a:prstClr>
-                  </a:outerShdw>
-                </a:effectLst>
-                <a:latin typeface="Montserrat" pitchFamily="2" charset="77"/>
-              </a:rPr>
-              <a:t>Atm pressure: (10^2.5 – 10^-6)</a:t>
-            </a:r>
-          </a:p>
-          <a:p>
-            <a:pPr algn="ctr"/>
-            <a:r>
-              <a:rPr lang="en-US" dirty="0" err="1">
-                <a:solidFill>
-                  <a:schemeClr val="bg1"/>
-                </a:solidFill>
-                <a:effectLst>
-                  <a:outerShdw blurRad="50800" dist="38100" dir="2700000" algn="tl" rotWithShape="0">
-                    <a:prstClr val="black">
-                      <a:alpha val="40000"/>
-                    </a:prstClr>
-                  </a:outerShdw>
-                </a:effectLst>
-                <a:latin typeface="Montserrat" pitchFamily="2" charset="77"/>
-              </a:rPr>
-              <a:t>nLevels</a:t>
-            </a:r>
-            <a:r>
-              <a:rPr lang="en-US" dirty="0">
-                <a:solidFill>
-                  <a:schemeClr val="bg1"/>
-                </a:solidFill>
-                <a:effectLst>
-                  <a:outerShdw blurRad="50800" dist="38100" dir="2700000" algn="tl" rotWithShape="0">
-                    <a:prstClr val="black">
-                      <a:alpha val="40000"/>
-                    </a:prstClr>
-                  </a:outerShdw>
-                </a:effectLst>
-                <a:latin typeface="Montserrat" pitchFamily="2" charset="77"/>
-              </a:rPr>
-              <a:t>: 91</a:t>
-            </a:r>
-          </a:p>
-          <a:p>
-            <a:pPr algn="ctr"/>
-            <a:r>
-              <a:rPr lang="en-US" dirty="0">
-                <a:solidFill>
-                  <a:schemeClr val="bg1"/>
-                </a:solidFill>
-                <a:effectLst>
-                  <a:outerShdw blurRad="50800" dist="38100" dir="2700000" algn="tl" rotWithShape="0">
-                    <a:prstClr val="black">
-                      <a:alpha val="40000"/>
-                    </a:prstClr>
-                  </a:outerShdw>
-                </a:effectLst>
-                <a:latin typeface="Montserrat" pitchFamily="2" charset="77"/>
-              </a:rPr>
-              <a:t>N initial Conv Zones: 1</a:t>
-            </a:r>
-          </a:p>
-          <a:p>
-            <a:pPr algn="ctr"/>
-            <a:endParaRPr lang="en-US" dirty="0">
-              <a:solidFill>
-                <a:schemeClr val="bg1"/>
-              </a:solidFill>
-              <a:effectLst>
-                <a:outerShdw blurRad="50800" dist="38100" dir="2700000" algn="tl" rotWithShape="0">
-                  <a:prstClr val="black">
-                    <a:alpha val="40000"/>
-                  </a:prstClr>
-                </a:outerShdw>
-              </a:effectLst>
-              <a:latin typeface="Montserrat" pitchFamily="2" charset="77"/>
-            </a:endParaRPr>
-          </a:p>
-        </p:txBody>
-      </p:sp>
-      <p:sp>
-        <p:nvSpPr>
-          <p:cNvPr id="9" name="Rounded Rectangle 8">
+            <a:endParaRPr lang="en-US" dirty="0"/>
+          </a:p>
+        </p:txBody>
+      </p:sp>
+      <p:cxnSp>
+        <p:nvCxnSpPr>
+          <p:cNvPr id="109" name="Straight Arrow Connector 108">
             <a:extLst>
               <a:ext uri="{FF2B5EF4-FFF2-40B4-BE49-F238E27FC236}">
-                <a16:creationId xmlns:a16="http://schemas.microsoft.com/office/drawing/2014/main" id="{14B7B2E6-0CC7-43E2-1330-254537E38835}"/>
+                <a16:creationId xmlns:a16="http://schemas.microsoft.com/office/drawing/2014/main" id="{1F100E5F-4140-176C-610D-641F11798DC1}"/>
               </a:ext>
             </a:extLst>
           </p:cNvPr>
-          <p:cNvSpPr/>
+          <p:cNvCxnSpPr>
+            <a:cxnSpLocks/>
+            <a:stCxn id="87" idx="5"/>
+            <a:endCxn id="104" idx="2"/>
+          </p:cNvCxnSpPr>
           <p:nvPr/>
-        </p:nvSpPr>
+        </p:nvCxnSpPr>
         <p:spPr>
           <a:xfrm>
-            <a:off x="3442447" y="161365"/>
-            <a:ext cx="4883972" cy="5013063"/>
+            <a:off x="4179163" y="9058051"/>
+            <a:ext cx="1650735" cy="355930"/>
           </a:xfrm>
-          <a:prstGeom prst="roundRect">
+          <a:prstGeom prst="straightConnector1">
             <a:avLst/>
           </a:prstGeom>
-          <a:noFill/>
+          <a:ln w="57150">
+            <a:solidFill>
+              <a:schemeClr val="tx1">
+                <a:lumMod val="75000"/>
+                <a:lumOff val="25000"/>
+              </a:schemeClr>
+            </a:solidFill>
+            <a:tailEnd type="triangle"/>
+          </a:ln>
         </p:spPr>
         <p:style>
           <a:lnRef idx="2">
-            <a:schemeClr val="accent1">
-              <a:shade val="15000"/>
-            </a:schemeClr>
+            <a:schemeClr val="accent1"/>
           </a:lnRef>
-          <a:fillRef idx="1">
+          <a:fillRef idx="0">
             <a:schemeClr val="accent1"/>
           </a:fillRef>
-          <a:effectRef idx="0">
+          <a:effectRef idx="1">
             <a:schemeClr val="accent1"/>
           </a:effectRef>
           <a:fontRef idx="minor">
-            <a:schemeClr val="lt1"/>
+            <a:schemeClr val="tx1"/>
           </a:fontRef>
         </p:style>
-        <p:txBody>
-          <a:bodyPr rtlCol="0" anchor="ctr"/>
-          <a:lstStyle/>
-          <a:p>
-            <a:pPr algn="ctr"/>
-            <a:endParaRPr lang="en-US"/>
-          </a:p>
-        </p:txBody>
-      </p:sp>
+      </p:cxnSp>
+      <p:grpSp>
+        <p:nvGrpSpPr>
+          <p:cNvPr id="137" name="Group 136">
+            <a:extLst>
+              <a:ext uri="{FF2B5EF4-FFF2-40B4-BE49-F238E27FC236}">
+                <a16:creationId xmlns:a16="http://schemas.microsoft.com/office/drawing/2014/main" id="{39A60383-6F34-6BA2-310A-99A38304F537}"/>
+              </a:ext>
+            </a:extLst>
+          </p:cNvPr>
+          <p:cNvGrpSpPr/>
+          <p:nvPr/>
+        </p:nvGrpSpPr>
+        <p:grpSpPr>
+          <a:xfrm>
+            <a:off x="694914" y="9732251"/>
+            <a:ext cx="4883972" cy="2913102"/>
+            <a:chOff x="1788281" y="11159533"/>
+            <a:chExt cx="4883972" cy="2913102"/>
+          </a:xfrm>
+        </p:grpSpPr>
+        <p:grpSp>
+          <p:nvGrpSpPr>
+            <p:cNvPr id="112" name="Group 111">
+              <a:extLst>
+                <a:ext uri="{FF2B5EF4-FFF2-40B4-BE49-F238E27FC236}">
+                  <a16:creationId xmlns:a16="http://schemas.microsoft.com/office/drawing/2014/main" id="{3E836723-AA02-58FC-F3F5-EC923E259BA0}"/>
+                </a:ext>
+              </a:extLst>
+            </p:cNvPr>
+            <p:cNvGrpSpPr/>
+            <p:nvPr/>
+          </p:nvGrpSpPr>
+          <p:grpSpPr>
+            <a:xfrm>
+              <a:off x="1788281" y="11159533"/>
+              <a:ext cx="4883972" cy="2913102"/>
+              <a:chOff x="1978567" y="4459632"/>
+              <a:chExt cx="4883972" cy="2913102"/>
+            </a:xfrm>
+          </p:grpSpPr>
+          <p:sp>
+            <p:nvSpPr>
+              <p:cNvPr id="113" name="Rectangle 112">
+                <a:extLst>
+                  <a:ext uri="{FF2B5EF4-FFF2-40B4-BE49-F238E27FC236}">
+                    <a16:creationId xmlns:a16="http://schemas.microsoft.com/office/drawing/2014/main" id="{3FDAF9FB-9333-9763-06EC-12A16E426BF2}"/>
+                  </a:ext>
+                </a:extLst>
+              </p:cNvPr>
+              <p:cNvSpPr/>
+              <p:nvPr/>
+            </p:nvSpPr>
+            <p:spPr>
+              <a:xfrm>
+                <a:off x="2535583" y="5296244"/>
+                <a:ext cx="1757214" cy="749825"/>
+              </a:xfrm>
+              <a:prstGeom prst="rect">
+                <a:avLst/>
+              </a:prstGeom>
+              <a:solidFill>
+                <a:schemeClr val="bg1">
+                  <a:lumMod val="65000"/>
+                </a:schemeClr>
+              </a:solidFill>
+              <a:ln>
+                <a:solidFill>
+                  <a:schemeClr val="tx1">
+                    <a:lumMod val="75000"/>
+                    <a:lumOff val="25000"/>
+                  </a:schemeClr>
+                </a:solidFill>
+              </a:ln>
+            </p:spPr>
+            <p:style>
+              <a:lnRef idx="2">
+                <a:schemeClr val="accent1">
+                  <a:shade val="15000"/>
+                </a:schemeClr>
+              </a:lnRef>
+              <a:fillRef idx="1">
+                <a:schemeClr val="accent1"/>
+              </a:fillRef>
+              <a:effectRef idx="0">
+                <a:schemeClr val="accent1"/>
+              </a:effectRef>
+              <a:fontRef idx="minor">
+                <a:schemeClr val="lt1"/>
+              </a:fontRef>
+            </p:style>
+            <p:txBody>
+              <a:bodyPr rtlCol="0" anchor="ctr"/>
+              <a:lstStyle/>
+              <a:p>
+                <a:pPr algn="ctr"/>
+                <a:r>
+                  <a:rPr lang="en-US" dirty="0">
+                    <a:effectLst>
+                      <a:outerShdw blurRad="50800" dist="38100" dir="2700000" algn="tl" rotWithShape="0">
+                        <a:prstClr val="black">
+                          <a:alpha val="40000"/>
+                        </a:prstClr>
+                      </a:outerShdw>
+                    </a:effectLst>
+                    <a:latin typeface="Montserrat" pitchFamily="2" charset="77"/>
+                  </a:rPr>
+                  <a:t>Star Spectrum</a:t>
+                </a:r>
+              </a:p>
+            </p:txBody>
+          </p:sp>
+          <p:sp>
+            <p:nvSpPr>
+              <p:cNvPr id="114" name="Rectangle 113">
+                <a:extLst>
+                  <a:ext uri="{FF2B5EF4-FFF2-40B4-BE49-F238E27FC236}">
+                    <a16:creationId xmlns:a16="http://schemas.microsoft.com/office/drawing/2014/main" id="{63A07BBD-16C9-25E9-A726-DC910321AB2C}"/>
+                  </a:ext>
+                </a:extLst>
+              </p:cNvPr>
+              <p:cNvSpPr/>
+              <p:nvPr/>
+            </p:nvSpPr>
+            <p:spPr>
+              <a:xfrm>
+                <a:off x="2642054" y="4600918"/>
+                <a:ext cx="3711682" cy="425303"/>
+              </a:xfrm>
+              <a:prstGeom prst="rect">
+                <a:avLst/>
+              </a:prstGeom>
+              <a:solidFill>
+                <a:schemeClr val="bg2">
+                  <a:lumMod val="50000"/>
+                </a:schemeClr>
+              </a:solidFill>
+            </p:spPr>
+            <p:style>
+              <a:lnRef idx="2">
+                <a:schemeClr val="accent1">
+                  <a:shade val="15000"/>
+                </a:schemeClr>
+              </a:lnRef>
+              <a:fillRef idx="1">
+                <a:schemeClr val="accent1"/>
+              </a:fillRef>
+              <a:effectRef idx="0">
+                <a:schemeClr val="accent1"/>
+              </a:effectRef>
+              <a:fontRef idx="minor">
+                <a:schemeClr val="lt1"/>
+              </a:fontRef>
+            </p:style>
+            <p:txBody>
+              <a:bodyPr rtlCol="0" anchor="ctr"/>
+              <a:lstStyle/>
+              <a:p>
+                <a:pPr algn="ctr"/>
+                <a:r>
+                  <a:rPr lang="en-US" sz="2800" dirty="0">
+                    <a:effectLst>
+                      <a:outerShdw blurRad="50800" dist="38100" dir="2700000" algn="tl" rotWithShape="0">
+                        <a:prstClr val="black">
+                          <a:alpha val="40000"/>
+                        </a:prstClr>
+                      </a:outerShdw>
+                    </a:effectLst>
+                    <a:latin typeface="Cubano" pitchFamily="2" charset="0"/>
+                  </a:rPr>
+                  <a:t>spectra output</a:t>
+                </a:r>
+                <a:endParaRPr lang="en-US" sz="2000" dirty="0">
+                  <a:effectLst>
+                    <a:outerShdw blurRad="50800" dist="38100" dir="2700000" algn="tl" rotWithShape="0">
+                      <a:prstClr val="black">
+                        <a:alpha val="40000"/>
+                      </a:prstClr>
+                    </a:outerShdw>
+                  </a:effectLst>
+                  <a:latin typeface="Cubano" pitchFamily="2" charset="0"/>
+                </a:endParaRPr>
+              </a:p>
+            </p:txBody>
+          </p:sp>
+          <p:sp>
+            <p:nvSpPr>
+              <p:cNvPr id="115" name="Rounded Rectangle 114">
+                <a:extLst>
+                  <a:ext uri="{FF2B5EF4-FFF2-40B4-BE49-F238E27FC236}">
+                    <a16:creationId xmlns:a16="http://schemas.microsoft.com/office/drawing/2014/main" id="{768AD562-9EA1-4F25-A664-79FCD28B6D45}"/>
+                  </a:ext>
+                </a:extLst>
+              </p:cNvPr>
+              <p:cNvSpPr/>
+              <p:nvPr/>
+            </p:nvSpPr>
+            <p:spPr>
+              <a:xfrm>
+                <a:off x="1978567" y="4459632"/>
+                <a:ext cx="4883972" cy="2913102"/>
+              </a:xfrm>
+              <a:prstGeom prst="roundRect">
+                <a:avLst/>
+              </a:prstGeom>
+              <a:noFill/>
+            </p:spPr>
+            <p:style>
+              <a:lnRef idx="2">
+                <a:schemeClr val="accent1">
+                  <a:shade val="15000"/>
+                </a:schemeClr>
+              </a:lnRef>
+              <a:fillRef idx="1">
+                <a:schemeClr val="accent1"/>
+              </a:fillRef>
+              <a:effectRef idx="0">
+                <a:schemeClr val="accent1"/>
+              </a:effectRef>
+              <a:fontRef idx="minor">
+                <a:schemeClr val="lt1"/>
+              </a:fontRef>
+            </p:style>
+            <p:txBody>
+              <a:bodyPr rtlCol="0" anchor="ctr"/>
+              <a:lstStyle/>
+              <a:p>
+                <a:pPr algn="ctr"/>
+                <a:endParaRPr lang="en-US"/>
+              </a:p>
+            </p:txBody>
+          </p:sp>
+          <p:sp>
+            <p:nvSpPr>
+              <p:cNvPr id="116" name="Rectangle 115">
+                <a:extLst>
+                  <a:ext uri="{FF2B5EF4-FFF2-40B4-BE49-F238E27FC236}">
+                    <a16:creationId xmlns:a16="http://schemas.microsoft.com/office/drawing/2014/main" id="{7A5C9657-EB97-0691-EBC4-C49AD39ABDDB}"/>
+                  </a:ext>
+                </a:extLst>
+              </p:cNvPr>
+              <p:cNvSpPr/>
+              <p:nvPr/>
+            </p:nvSpPr>
+            <p:spPr>
+              <a:xfrm>
+                <a:off x="4458616" y="5213549"/>
+                <a:ext cx="2065282" cy="915217"/>
+              </a:xfrm>
+              <a:prstGeom prst="rect">
+                <a:avLst/>
+              </a:prstGeom>
+              <a:solidFill>
+                <a:schemeClr val="bg1">
+                  <a:lumMod val="65000"/>
+                </a:schemeClr>
+              </a:solidFill>
+              <a:ln>
+                <a:solidFill>
+                  <a:schemeClr val="tx1">
+                    <a:lumMod val="75000"/>
+                    <a:lumOff val="25000"/>
+                  </a:schemeClr>
+                </a:solidFill>
+              </a:ln>
+            </p:spPr>
+            <p:style>
+              <a:lnRef idx="2">
+                <a:schemeClr val="accent1">
+                  <a:shade val="15000"/>
+                </a:schemeClr>
+              </a:lnRef>
+              <a:fillRef idx="1">
+                <a:schemeClr val="accent1"/>
+              </a:fillRef>
+              <a:effectRef idx="0">
+                <a:schemeClr val="accent1"/>
+              </a:effectRef>
+              <a:fontRef idx="minor">
+                <a:schemeClr val="lt1"/>
+              </a:fontRef>
+            </p:style>
+            <p:txBody>
+              <a:bodyPr rtlCol="0" anchor="ctr"/>
+              <a:lstStyle/>
+              <a:p>
+                <a:pPr algn="ctr"/>
+                <a:r>
+                  <a:rPr lang="en-US" dirty="0">
+                    <a:effectLst>
+                      <a:outerShdw blurRad="50800" dist="38100" dir="2700000" algn="tl" rotWithShape="0">
+                        <a:prstClr val="black">
+                          <a:alpha val="40000"/>
+                        </a:prstClr>
+                      </a:outerShdw>
+                    </a:effectLst>
+                    <a:latin typeface="Montserrat" pitchFamily="2" charset="77"/>
+                  </a:rPr>
+                  <a:t>Geometric Albedo Spectra</a:t>
+                </a:r>
+              </a:p>
+            </p:txBody>
+          </p:sp>
+        </p:grpSp>
+        <p:sp>
+          <p:nvSpPr>
+            <p:cNvPr id="119" name="Rectangle 118">
+              <a:extLst>
+                <a:ext uri="{FF2B5EF4-FFF2-40B4-BE49-F238E27FC236}">
+                  <a16:creationId xmlns:a16="http://schemas.microsoft.com/office/drawing/2014/main" id="{C7C3B697-E564-BBC4-45C1-2A9553D318C1}"/>
+                </a:ext>
+              </a:extLst>
+            </p:cNvPr>
+            <p:cNvSpPr/>
+            <p:nvPr/>
+          </p:nvSpPr>
+          <p:spPr>
+            <a:xfrm>
+              <a:off x="2203048" y="12951694"/>
+              <a:ext cx="2065282" cy="915217"/>
+            </a:xfrm>
+            <a:prstGeom prst="rect">
+              <a:avLst/>
+            </a:prstGeom>
+            <a:solidFill>
+              <a:schemeClr val="bg1">
+                <a:lumMod val="65000"/>
+              </a:schemeClr>
+            </a:solidFill>
+            <a:ln>
+              <a:solidFill>
+                <a:schemeClr val="tx1">
+                  <a:lumMod val="75000"/>
+                  <a:lumOff val="25000"/>
+                </a:schemeClr>
+              </a:solidFill>
+            </a:ln>
+          </p:spPr>
+          <p:style>
+            <a:lnRef idx="2">
+              <a:schemeClr val="accent1">
+                <a:shade val="15000"/>
+              </a:schemeClr>
+            </a:lnRef>
+            <a:fillRef idx="1">
+              <a:schemeClr val="accent1"/>
+            </a:fillRef>
+            <a:effectRef idx="0">
+              <a:schemeClr val="accent1"/>
+            </a:effectRef>
+            <a:fontRef idx="minor">
+              <a:schemeClr val="lt1"/>
+            </a:fontRef>
+          </p:style>
+          <p:txBody>
+            <a:bodyPr rtlCol="0" anchor="ctr"/>
+            <a:lstStyle/>
+            <a:p>
+              <a:pPr algn="ctr"/>
+              <a:r>
+                <a:rPr lang="en-US" dirty="0" err="1">
+                  <a:effectLst>
+                    <a:outerShdw blurRad="50800" dist="38100" dir="2700000" algn="tl" rotWithShape="0">
+                      <a:prstClr val="black">
+                        <a:alpha val="40000"/>
+                      </a:prstClr>
+                    </a:outerShdw>
+                  </a:effectLst>
+                  <a:latin typeface="Montserrat" pitchFamily="2" charset="77"/>
+                </a:rPr>
+                <a:t>Fp</a:t>
+              </a:r>
+              <a:r>
+                <a:rPr lang="en-US" dirty="0">
+                  <a:effectLst>
+                    <a:outerShdw blurRad="50800" dist="38100" dir="2700000" algn="tl" rotWithShape="0">
+                      <a:prstClr val="black">
+                        <a:alpha val="40000"/>
+                      </a:prstClr>
+                    </a:outerShdw>
+                  </a:effectLst>
+                  <a:latin typeface="Montserrat" pitchFamily="2" charset="77"/>
+                </a:rPr>
+                <a:t>/Fs Contrast Spectra</a:t>
+              </a:r>
+            </a:p>
+          </p:txBody>
+        </p:sp>
+        <p:sp>
+          <p:nvSpPr>
+            <p:cNvPr id="120" name="Rectangle 119">
+              <a:extLst>
+                <a:ext uri="{FF2B5EF4-FFF2-40B4-BE49-F238E27FC236}">
+                  <a16:creationId xmlns:a16="http://schemas.microsoft.com/office/drawing/2014/main" id="{1806EC86-0DE6-2BD3-465F-1A5EE30AB3AE}"/>
+                </a:ext>
+              </a:extLst>
+            </p:cNvPr>
+            <p:cNvSpPr/>
+            <p:nvPr/>
+          </p:nvSpPr>
+          <p:spPr>
+            <a:xfrm>
+              <a:off x="4345672" y="12951694"/>
+              <a:ext cx="2065282" cy="915217"/>
+            </a:xfrm>
+            <a:prstGeom prst="rect">
+              <a:avLst/>
+            </a:prstGeom>
+            <a:solidFill>
+              <a:schemeClr val="bg1">
+                <a:lumMod val="65000"/>
+              </a:schemeClr>
+            </a:solidFill>
+            <a:ln>
+              <a:solidFill>
+                <a:schemeClr val="tx1">
+                  <a:lumMod val="75000"/>
+                  <a:lumOff val="25000"/>
+                </a:schemeClr>
+              </a:solidFill>
+            </a:ln>
+          </p:spPr>
+          <p:style>
+            <a:lnRef idx="2">
+              <a:schemeClr val="accent1">
+                <a:shade val="15000"/>
+              </a:schemeClr>
+            </a:lnRef>
+            <a:fillRef idx="1">
+              <a:schemeClr val="accent1"/>
+            </a:fillRef>
+            <a:effectRef idx="0">
+              <a:schemeClr val="accent1"/>
+            </a:effectRef>
+            <a:fontRef idx="minor">
+              <a:schemeClr val="lt1"/>
+            </a:fontRef>
+          </p:style>
+          <p:txBody>
+            <a:bodyPr rtlCol="0" anchor="ctr"/>
+            <a:lstStyle/>
+            <a:p>
+              <a:pPr algn="ctr"/>
+              <a:r>
+                <a:rPr lang="en-US" dirty="0">
+                  <a:effectLst>
+                    <a:outerShdw blurRad="50800" dist="38100" dir="2700000" algn="tl" rotWithShape="0">
+                      <a:prstClr val="black">
+                        <a:alpha val="40000"/>
+                      </a:prstClr>
+                    </a:outerShdw>
+                  </a:effectLst>
+                  <a:latin typeface="Montserrat" pitchFamily="2" charset="77"/>
+                </a:rPr>
+                <a:t>Planet Spectra</a:t>
+              </a:r>
+            </a:p>
+          </p:txBody>
+        </p:sp>
+      </p:grpSp>
+      <p:cxnSp>
+        <p:nvCxnSpPr>
+          <p:cNvPr id="121" name="Straight Arrow Connector 120">
+            <a:extLst>
+              <a:ext uri="{FF2B5EF4-FFF2-40B4-BE49-F238E27FC236}">
+                <a16:creationId xmlns:a16="http://schemas.microsoft.com/office/drawing/2014/main" id="{5CB4FB9C-FB5C-B273-27BB-9782E59BBC4A}"/>
+              </a:ext>
+            </a:extLst>
+          </p:cNvPr>
+          <p:cNvCxnSpPr>
+            <a:cxnSpLocks/>
+            <a:stCxn id="104" idx="1"/>
+            <a:endCxn id="115" idx="3"/>
+          </p:cNvCxnSpPr>
+          <p:nvPr/>
+        </p:nvCxnSpPr>
+        <p:spPr>
+          <a:xfrm flipH="1">
+            <a:off x="5578886" y="10319458"/>
+            <a:ext cx="1550773" cy="869344"/>
+          </a:xfrm>
+          <a:prstGeom prst="straightConnector1">
+            <a:avLst/>
+          </a:prstGeom>
+          <a:ln w="57150">
+            <a:solidFill>
+              <a:schemeClr val="tx1">
+                <a:lumMod val="75000"/>
+                <a:lumOff val="25000"/>
+              </a:schemeClr>
+            </a:solidFill>
+            <a:tailEnd type="triangle"/>
+          </a:ln>
+        </p:spPr>
+        <p:style>
+          <a:lnRef idx="2">
+            <a:schemeClr val="accent1"/>
+          </a:lnRef>
+          <a:fillRef idx="0">
+            <a:schemeClr val="accent1"/>
+          </a:fillRef>
+          <a:effectRef idx="1">
+            <a:schemeClr val="accent1"/>
+          </a:effectRef>
+          <a:fontRef idx="minor">
+            <a:schemeClr val="tx1"/>
+          </a:fontRef>
+        </p:style>
+      </p:cxnSp>
+      <p:cxnSp>
+        <p:nvCxnSpPr>
+          <p:cNvPr id="125" name="Straight Arrow Connector 124">
+            <a:extLst>
+              <a:ext uri="{FF2B5EF4-FFF2-40B4-BE49-F238E27FC236}">
+                <a16:creationId xmlns:a16="http://schemas.microsoft.com/office/drawing/2014/main" id="{282D78C7-EF19-851B-98B6-BE408EEFDD43}"/>
+              </a:ext>
+            </a:extLst>
+          </p:cNvPr>
+          <p:cNvCxnSpPr>
+            <a:cxnSpLocks/>
+            <a:stCxn id="76" idx="1"/>
+            <a:endCxn id="115" idx="3"/>
+          </p:cNvCxnSpPr>
+          <p:nvPr/>
+        </p:nvCxnSpPr>
+        <p:spPr>
+          <a:xfrm flipH="1">
+            <a:off x="5578886" y="10241547"/>
+            <a:ext cx="5062023" cy="947255"/>
+          </a:xfrm>
+          <a:prstGeom prst="straightConnector1">
+            <a:avLst/>
+          </a:prstGeom>
+          <a:ln w="57150">
+            <a:solidFill>
+              <a:schemeClr val="tx1">
+                <a:lumMod val="75000"/>
+                <a:lumOff val="25000"/>
+              </a:schemeClr>
+            </a:solidFill>
+            <a:tailEnd type="triangle"/>
+          </a:ln>
+        </p:spPr>
+        <p:style>
+          <a:lnRef idx="2">
+            <a:schemeClr val="accent1"/>
+          </a:lnRef>
+          <a:fillRef idx="0">
+            <a:schemeClr val="accent1"/>
+          </a:fillRef>
+          <a:effectRef idx="1">
+            <a:schemeClr val="accent1"/>
+          </a:effectRef>
+          <a:fontRef idx="minor">
+            <a:schemeClr val="tx1"/>
+          </a:fontRef>
+        </p:style>
+      </p:cxnSp>
     </p:spTree>
     <p:extLst>
       <p:ext uri="{BB962C8B-B14F-4D97-AF65-F5344CB8AC3E}">

--- a/docs/source/images/Computation-Diagram.pptx
+++ b/docs/source/images/Computation-Diagram.pptx
@@ -2,12 +2,12 @@
 <file path=ppt/presentation.xml><?xml version="1.0" encoding="utf-8"?>
 <p:presentation xmlns:a="http://schemas.openxmlformats.org/drawingml/2006/main" xmlns:r="http://schemas.openxmlformats.org/officeDocument/2006/relationships" xmlns:p="http://schemas.openxmlformats.org/presentationml/2006/main" saveSubsetFonts="1" autoCompressPictures="0">
   <p:sldMasterIdLst>
-    <p:sldMasterId id="2147483660" r:id="rId1"/>
+    <p:sldMasterId id="2147483732" r:id="rId1"/>
   </p:sldMasterIdLst>
   <p:sldIdLst>
     <p:sldId id="256" r:id="rId2"/>
   </p:sldIdLst>
-  <p:sldSz cx="12192000" cy="18288000"/>
+  <p:sldSz cx="41148000" cy="13716000"/>
   <p:notesSz cx="6858000" cy="9144000"/>
   <p:defaultTextStyle>
     <a:defPPr>
@@ -141,15 +141,15 @@
         </p:nvSpPr>
         <p:spPr>
           <a:xfrm>
-            <a:off x="914400" y="2992968"/>
-            <a:ext cx="10363200" cy="6366933"/>
+            <a:off x="5143500" y="2244726"/>
+            <a:ext cx="30861000" cy="4775200"/>
           </a:xfrm>
         </p:spPr>
         <p:txBody>
           <a:bodyPr anchor="b"/>
           <a:lstStyle>
             <a:lvl1pPr algn="ctr">
-              <a:defRPr sz="8000"/>
+              <a:defRPr sz="12000"/>
             </a:lvl1pPr>
           </a:lstStyle>
           <a:p>
@@ -173,8 +173,8 @@
         </p:nvSpPr>
         <p:spPr>
           <a:xfrm>
-            <a:off x="1524000" y="9605435"/>
-            <a:ext cx="9144000" cy="4415365"/>
+            <a:off x="5143500" y="7204076"/>
+            <a:ext cx="30861000" cy="3311524"/>
           </a:xfrm>
         </p:spPr>
         <p:txBody>
@@ -182,39 +182,39 @@
           <a:lstStyle>
             <a:lvl1pPr marL="0" indent="0" algn="ctr">
               <a:buNone/>
+              <a:defRPr sz="4800"/>
+            </a:lvl1pPr>
+            <a:lvl2pPr marL="914400" indent="0" algn="ctr">
+              <a:buNone/>
+              <a:defRPr sz="4000"/>
+            </a:lvl2pPr>
+            <a:lvl3pPr marL="1828800" indent="0" algn="ctr">
+              <a:buNone/>
+              <a:defRPr sz="3600"/>
+            </a:lvl3pPr>
+            <a:lvl4pPr marL="2743200" indent="0" algn="ctr">
+              <a:buNone/>
               <a:defRPr sz="3200"/>
-            </a:lvl1pPr>
-            <a:lvl2pPr marL="609585" indent="0" algn="ctr">
+            </a:lvl4pPr>
+            <a:lvl5pPr marL="3657600" indent="0" algn="ctr">
               <a:buNone/>
-              <a:defRPr sz="2667"/>
-            </a:lvl2pPr>
-            <a:lvl3pPr marL="1219170" indent="0" algn="ctr">
+              <a:defRPr sz="3200"/>
+            </a:lvl5pPr>
+            <a:lvl6pPr marL="4572000" indent="0" algn="ctr">
               <a:buNone/>
-              <a:defRPr sz="2400"/>
-            </a:lvl3pPr>
-            <a:lvl4pPr marL="1828754" indent="0" algn="ctr">
+              <a:defRPr sz="3200"/>
+            </a:lvl6pPr>
+            <a:lvl7pPr marL="5486400" indent="0" algn="ctr">
               <a:buNone/>
-              <a:defRPr sz="2133"/>
-            </a:lvl4pPr>
-            <a:lvl5pPr marL="2438339" indent="0" algn="ctr">
+              <a:defRPr sz="3200"/>
+            </a:lvl7pPr>
+            <a:lvl8pPr marL="6400800" indent="0" algn="ctr">
               <a:buNone/>
-              <a:defRPr sz="2133"/>
-            </a:lvl5pPr>
-            <a:lvl6pPr marL="3047924" indent="0" algn="ctr">
+              <a:defRPr sz="3200"/>
+            </a:lvl8pPr>
+            <a:lvl9pPr marL="7315200" indent="0" algn="ctr">
               <a:buNone/>
-              <a:defRPr sz="2133"/>
-            </a:lvl6pPr>
-            <a:lvl7pPr marL="3657509" indent="0" algn="ctr">
-              <a:buNone/>
-              <a:defRPr sz="2133"/>
-            </a:lvl7pPr>
-            <a:lvl8pPr marL="4267093" indent="0" algn="ctr">
-              <a:buNone/>
-              <a:defRPr sz="2133"/>
-            </a:lvl8pPr>
-            <a:lvl9pPr marL="4876678" indent="0" algn="ctr">
-              <a:buNone/>
-              <a:defRPr sz="2133"/>
+              <a:defRPr sz="3200"/>
             </a:lvl9pPr>
           </a:lstStyle>
           <a:p>
@@ -294,7 +294,7 @@
     </p:spTree>
     <p:extLst>
       <p:ext uri="{BB962C8B-B14F-4D97-AF65-F5344CB8AC3E}">
-        <p14:creationId xmlns:p14="http://schemas.microsoft.com/office/powerpoint/2010/main" val="2894795404"/>
+        <p14:creationId xmlns:p14="http://schemas.microsoft.com/office/powerpoint/2010/main" val="2700673103"/>
       </p:ext>
     </p:extLst>
   </p:cSld>
@@ -464,7 +464,7 @@
     </p:spTree>
     <p:extLst>
       <p:ext uri="{BB962C8B-B14F-4D97-AF65-F5344CB8AC3E}">
-        <p14:creationId xmlns:p14="http://schemas.microsoft.com/office/powerpoint/2010/main" val="2505490429"/>
+        <p14:creationId xmlns:p14="http://schemas.microsoft.com/office/powerpoint/2010/main" val="2732768824"/>
       </p:ext>
     </p:extLst>
   </p:cSld>
@@ -503,8 +503,8 @@
         </p:nvSpPr>
         <p:spPr>
           <a:xfrm>
-            <a:off x="8724901" y="973666"/>
-            <a:ext cx="2628900" cy="15498235"/>
+            <a:off x="29446537" y="730250"/>
+            <a:ext cx="8872538" cy="11623676"/>
           </a:xfrm>
         </p:spPr>
         <p:txBody>
@@ -531,8 +531,8 @@
         </p:nvSpPr>
         <p:spPr>
           <a:xfrm>
-            <a:off x="838201" y="973666"/>
-            <a:ext cx="7734300" cy="15498235"/>
+            <a:off x="2828925" y="730250"/>
+            <a:ext cx="26103263" cy="11623676"/>
           </a:xfrm>
         </p:spPr>
         <p:txBody>
@@ -644,7 +644,7 @@
     </p:spTree>
     <p:extLst>
       <p:ext uri="{BB962C8B-B14F-4D97-AF65-F5344CB8AC3E}">
-        <p14:creationId xmlns:p14="http://schemas.microsoft.com/office/powerpoint/2010/main" val="1092385299"/>
+        <p14:creationId xmlns:p14="http://schemas.microsoft.com/office/powerpoint/2010/main" val="135690274"/>
       </p:ext>
     </p:extLst>
   </p:cSld>
@@ -814,7 +814,7 @@
     </p:spTree>
     <p:extLst>
       <p:ext uri="{BB962C8B-B14F-4D97-AF65-F5344CB8AC3E}">
-        <p14:creationId xmlns:p14="http://schemas.microsoft.com/office/powerpoint/2010/main" val="2472853309"/>
+        <p14:creationId xmlns:p14="http://schemas.microsoft.com/office/powerpoint/2010/main" val="3533220572"/>
       </p:ext>
     </p:extLst>
   </p:cSld>
@@ -853,15 +853,15 @@
         </p:nvSpPr>
         <p:spPr>
           <a:xfrm>
-            <a:off x="831851" y="4559305"/>
-            <a:ext cx="10515600" cy="7607299"/>
+            <a:off x="2807494" y="3419477"/>
+            <a:ext cx="35490150" cy="5705474"/>
           </a:xfrm>
         </p:spPr>
         <p:txBody>
           <a:bodyPr anchor="b"/>
           <a:lstStyle>
             <a:lvl1pPr>
-              <a:defRPr sz="8000"/>
+              <a:defRPr sz="12000"/>
             </a:lvl1pPr>
           </a:lstStyle>
           <a:p>
@@ -885,14 +885,44 @@
         </p:nvSpPr>
         <p:spPr>
           <a:xfrm>
-            <a:off x="831851" y="12238572"/>
-            <a:ext cx="10515600" cy="4000499"/>
+            <a:off x="2807494" y="9178927"/>
+            <a:ext cx="35490150" cy="3000374"/>
           </a:xfrm>
         </p:spPr>
         <p:txBody>
           <a:bodyPr/>
           <a:lstStyle>
             <a:lvl1pPr marL="0" indent="0">
+              <a:buNone/>
+              <a:defRPr sz="4800">
+                <a:solidFill>
+                  <a:schemeClr val="tx1">
+                    <a:tint val="82000"/>
+                  </a:schemeClr>
+                </a:solidFill>
+              </a:defRPr>
+            </a:lvl1pPr>
+            <a:lvl2pPr marL="914400" indent="0">
+              <a:buNone/>
+              <a:defRPr sz="4000">
+                <a:solidFill>
+                  <a:schemeClr val="tx1">
+                    <a:tint val="82000"/>
+                  </a:schemeClr>
+                </a:solidFill>
+              </a:defRPr>
+            </a:lvl2pPr>
+            <a:lvl3pPr marL="1828800" indent="0">
+              <a:buNone/>
+              <a:defRPr sz="3600">
+                <a:solidFill>
+                  <a:schemeClr val="tx1">
+                    <a:tint val="82000"/>
+                  </a:schemeClr>
+                </a:solidFill>
+              </a:defRPr>
+            </a:lvl3pPr>
+            <a:lvl4pPr marL="2743200" indent="0">
               <a:buNone/>
               <a:defRPr sz="3200">
                 <a:solidFill>
@@ -901,40 +931,10 @@
                   </a:schemeClr>
                 </a:solidFill>
               </a:defRPr>
-            </a:lvl1pPr>
-            <a:lvl2pPr marL="609585" indent="0">
+            </a:lvl4pPr>
+            <a:lvl5pPr marL="3657600" indent="0">
               <a:buNone/>
-              <a:defRPr sz="2667">
-                <a:solidFill>
-                  <a:schemeClr val="tx1">
-                    <a:tint val="82000"/>
-                  </a:schemeClr>
-                </a:solidFill>
-              </a:defRPr>
-            </a:lvl2pPr>
-            <a:lvl3pPr marL="1219170" indent="0">
-              <a:buNone/>
-              <a:defRPr sz="2400">
-                <a:solidFill>
-                  <a:schemeClr val="tx1">
-                    <a:tint val="82000"/>
-                  </a:schemeClr>
-                </a:solidFill>
-              </a:defRPr>
-            </a:lvl3pPr>
-            <a:lvl4pPr marL="1828754" indent="0">
-              <a:buNone/>
-              <a:defRPr sz="2133">
-                <a:solidFill>
-                  <a:schemeClr val="tx1">
-                    <a:tint val="82000"/>
-                  </a:schemeClr>
-                </a:solidFill>
-              </a:defRPr>
-            </a:lvl4pPr>
-            <a:lvl5pPr marL="2438339" indent="0">
-              <a:buNone/>
-              <a:defRPr sz="2133">
+              <a:defRPr sz="3200">
                 <a:solidFill>
                   <a:schemeClr val="tx1">
                     <a:tint val="82000"/>
@@ -942,9 +942,9 @@
                 </a:solidFill>
               </a:defRPr>
             </a:lvl5pPr>
-            <a:lvl6pPr marL="3047924" indent="0">
+            <a:lvl6pPr marL="4572000" indent="0">
               <a:buNone/>
-              <a:defRPr sz="2133">
+              <a:defRPr sz="3200">
                 <a:solidFill>
                   <a:schemeClr val="tx1">
                     <a:tint val="82000"/>
@@ -952,9 +952,9 @@
                 </a:solidFill>
               </a:defRPr>
             </a:lvl6pPr>
-            <a:lvl7pPr marL="3657509" indent="0">
+            <a:lvl7pPr marL="5486400" indent="0">
               <a:buNone/>
-              <a:defRPr sz="2133">
+              <a:defRPr sz="3200">
                 <a:solidFill>
                   <a:schemeClr val="tx1">
                     <a:tint val="82000"/>
@@ -962,9 +962,9 @@
                 </a:solidFill>
               </a:defRPr>
             </a:lvl7pPr>
-            <a:lvl8pPr marL="4267093" indent="0">
+            <a:lvl8pPr marL="6400800" indent="0">
               <a:buNone/>
-              <a:defRPr sz="2133">
+              <a:defRPr sz="3200">
                 <a:solidFill>
                   <a:schemeClr val="tx1">
                     <a:tint val="82000"/>
@@ -972,9 +972,9 @@
                 </a:solidFill>
               </a:defRPr>
             </a:lvl8pPr>
-            <a:lvl9pPr marL="4876678" indent="0">
+            <a:lvl9pPr marL="7315200" indent="0">
               <a:buNone/>
-              <a:defRPr sz="2133">
+              <a:defRPr sz="3200">
                 <a:solidFill>
                   <a:schemeClr val="tx1">
                     <a:tint val="82000"/>
@@ -1060,7 +1060,7 @@
     </p:spTree>
     <p:extLst>
       <p:ext uri="{BB962C8B-B14F-4D97-AF65-F5344CB8AC3E}">
-        <p14:creationId xmlns:p14="http://schemas.microsoft.com/office/powerpoint/2010/main" val="314573261"/>
+        <p14:creationId xmlns:p14="http://schemas.microsoft.com/office/powerpoint/2010/main" val="3917871397"/>
       </p:ext>
     </p:extLst>
   </p:cSld>
@@ -1122,8 +1122,8 @@
         </p:nvSpPr>
         <p:spPr>
           <a:xfrm>
-            <a:off x="838200" y="4868333"/>
-            <a:ext cx="5181600" cy="11603568"/>
+            <a:off x="2828925" y="3651250"/>
+            <a:ext cx="17487900" cy="8702676"/>
           </a:xfrm>
         </p:spPr>
         <p:txBody>
@@ -1179,8 +1179,8 @@
         </p:nvSpPr>
         <p:spPr>
           <a:xfrm>
-            <a:off x="6172200" y="4868333"/>
-            <a:ext cx="5181600" cy="11603568"/>
+            <a:off x="20831175" y="3651250"/>
+            <a:ext cx="17487900" cy="8702676"/>
           </a:xfrm>
         </p:spPr>
         <p:txBody>
@@ -1292,7 +1292,7 @@
     </p:spTree>
     <p:extLst>
       <p:ext uri="{BB962C8B-B14F-4D97-AF65-F5344CB8AC3E}">
-        <p14:creationId xmlns:p14="http://schemas.microsoft.com/office/powerpoint/2010/main" val="4000845312"/>
+        <p14:creationId xmlns:p14="http://schemas.microsoft.com/office/powerpoint/2010/main" val="449056206"/>
       </p:ext>
     </p:extLst>
   </p:cSld>
@@ -1331,8 +1331,8 @@
         </p:nvSpPr>
         <p:spPr>
           <a:xfrm>
-            <a:off x="839788" y="973670"/>
-            <a:ext cx="10515600" cy="3534835"/>
+            <a:off x="2834284" y="730251"/>
+            <a:ext cx="35490150" cy="2651126"/>
           </a:xfrm>
         </p:spPr>
         <p:txBody>
@@ -1359,8 +1359,8 @@
         </p:nvSpPr>
         <p:spPr>
           <a:xfrm>
-            <a:off x="839789" y="4483101"/>
-            <a:ext cx="5157787" cy="2197099"/>
+            <a:off x="2834286" y="3362326"/>
+            <a:ext cx="17407531" cy="1647824"/>
           </a:xfrm>
         </p:spPr>
         <p:txBody>
@@ -1368,39 +1368,39 @@
           <a:lstStyle>
             <a:lvl1pPr marL="0" indent="0">
               <a:buNone/>
+              <a:defRPr sz="4800" b="1"/>
+            </a:lvl1pPr>
+            <a:lvl2pPr marL="914400" indent="0">
+              <a:buNone/>
+              <a:defRPr sz="4000" b="1"/>
+            </a:lvl2pPr>
+            <a:lvl3pPr marL="1828800" indent="0">
+              <a:buNone/>
+              <a:defRPr sz="3600" b="1"/>
+            </a:lvl3pPr>
+            <a:lvl4pPr marL="2743200" indent="0">
+              <a:buNone/>
               <a:defRPr sz="3200" b="1"/>
-            </a:lvl1pPr>
-            <a:lvl2pPr marL="609585" indent="0">
+            </a:lvl4pPr>
+            <a:lvl5pPr marL="3657600" indent="0">
               <a:buNone/>
-              <a:defRPr sz="2667" b="1"/>
-            </a:lvl2pPr>
-            <a:lvl3pPr marL="1219170" indent="0">
+              <a:defRPr sz="3200" b="1"/>
+            </a:lvl5pPr>
+            <a:lvl6pPr marL="4572000" indent="0">
               <a:buNone/>
-              <a:defRPr sz="2400" b="1"/>
-            </a:lvl3pPr>
-            <a:lvl4pPr marL="1828754" indent="0">
+              <a:defRPr sz="3200" b="1"/>
+            </a:lvl6pPr>
+            <a:lvl7pPr marL="5486400" indent="0">
               <a:buNone/>
-              <a:defRPr sz="2133" b="1"/>
-            </a:lvl4pPr>
-            <a:lvl5pPr marL="2438339" indent="0">
+              <a:defRPr sz="3200" b="1"/>
+            </a:lvl7pPr>
+            <a:lvl8pPr marL="6400800" indent="0">
               <a:buNone/>
-              <a:defRPr sz="2133" b="1"/>
-            </a:lvl5pPr>
-            <a:lvl6pPr marL="3047924" indent="0">
+              <a:defRPr sz="3200" b="1"/>
+            </a:lvl8pPr>
+            <a:lvl9pPr marL="7315200" indent="0">
               <a:buNone/>
-              <a:defRPr sz="2133" b="1"/>
-            </a:lvl6pPr>
-            <a:lvl7pPr marL="3657509" indent="0">
-              <a:buNone/>
-              <a:defRPr sz="2133" b="1"/>
-            </a:lvl7pPr>
-            <a:lvl8pPr marL="4267093" indent="0">
-              <a:buNone/>
-              <a:defRPr sz="2133" b="1"/>
-            </a:lvl8pPr>
-            <a:lvl9pPr marL="4876678" indent="0">
-              <a:buNone/>
-              <a:defRPr sz="2133" b="1"/>
+              <a:defRPr sz="3200" b="1"/>
             </a:lvl9pPr>
           </a:lstStyle>
           <a:p>
@@ -1424,8 +1424,8 @@
         </p:nvSpPr>
         <p:spPr>
           <a:xfrm>
-            <a:off x="839789" y="6680200"/>
-            <a:ext cx="5157787" cy="9825568"/>
+            <a:off x="2834286" y="5010150"/>
+            <a:ext cx="17407531" cy="7369176"/>
           </a:xfrm>
         </p:spPr>
         <p:txBody>
@@ -1481,8 +1481,8 @@
         </p:nvSpPr>
         <p:spPr>
           <a:xfrm>
-            <a:off x="6172201" y="4483101"/>
-            <a:ext cx="5183188" cy="2197099"/>
+            <a:off x="20831175" y="3362326"/>
+            <a:ext cx="17493260" cy="1647824"/>
           </a:xfrm>
         </p:spPr>
         <p:txBody>
@@ -1490,39 +1490,39 @@
           <a:lstStyle>
             <a:lvl1pPr marL="0" indent="0">
               <a:buNone/>
+              <a:defRPr sz="4800" b="1"/>
+            </a:lvl1pPr>
+            <a:lvl2pPr marL="914400" indent="0">
+              <a:buNone/>
+              <a:defRPr sz="4000" b="1"/>
+            </a:lvl2pPr>
+            <a:lvl3pPr marL="1828800" indent="0">
+              <a:buNone/>
+              <a:defRPr sz="3600" b="1"/>
+            </a:lvl3pPr>
+            <a:lvl4pPr marL="2743200" indent="0">
+              <a:buNone/>
               <a:defRPr sz="3200" b="1"/>
-            </a:lvl1pPr>
-            <a:lvl2pPr marL="609585" indent="0">
+            </a:lvl4pPr>
+            <a:lvl5pPr marL="3657600" indent="0">
               <a:buNone/>
-              <a:defRPr sz="2667" b="1"/>
-            </a:lvl2pPr>
-            <a:lvl3pPr marL="1219170" indent="0">
+              <a:defRPr sz="3200" b="1"/>
+            </a:lvl5pPr>
+            <a:lvl6pPr marL="4572000" indent="0">
               <a:buNone/>
-              <a:defRPr sz="2400" b="1"/>
-            </a:lvl3pPr>
-            <a:lvl4pPr marL="1828754" indent="0">
+              <a:defRPr sz="3200" b="1"/>
+            </a:lvl6pPr>
+            <a:lvl7pPr marL="5486400" indent="0">
               <a:buNone/>
-              <a:defRPr sz="2133" b="1"/>
-            </a:lvl4pPr>
-            <a:lvl5pPr marL="2438339" indent="0">
+              <a:defRPr sz="3200" b="1"/>
+            </a:lvl7pPr>
+            <a:lvl8pPr marL="6400800" indent="0">
               <a:buNone/>
-              <a:defRPr sz="2133" b="1"/>
-            </a:lvl5pPr>
-            <a:lvl6pPr marL="3047924" indent="0">
+              <a:defRPr sz="3200" b="1"/>
+            </a:lvl8pPr>
+            <a:lvl9pPr marL="7315200" indent="0">
               <a:buNone/>
-              <a:defRPr sz="2133" b="1"/>
-            </a:lvl6pPr>
-            <a:lvl7pPr marL="3657509" indent="0">
-              <a:buNone/>
-              <a:defRPr sz="2133" b="1"/>
-            </a:lvl7pPr>
-            <a:lvl8pPr marL="4267093" indent="0">
-              <a:buNone/>
-              <a:defRPr sz="2133" b="1"/>
-            </a:lvl8pPr>
-            <a:lvl9pPr marL="4876678" indent="0">
-              <a:buNone/>
-              <a:defRPr sz="2133" b="1"/>
+              <a:defRPr sz="3200" b="1"/>
             </a:lvl9pPr>
           </a:lstStyle>
           <a:p>
@@ -1546,8 +1546,8 @@
         </p:nvSpPr>
         <p:spPr>
           <a:xfrm>
-            <a:off x="6172201" y="6680200"/>
-            <a:ext cx="5183188" cy="9825568"/>
+            <a:off x="20831175" y="5010150"/>
+            <a:ext cx="17493260" cy="7369176"/>
           </a:xfrm>
         </p:spPr>
         <p:txBody>
@@ -1659,7 +1659,7 @@
     </p:spTree>
     <p:extLst>
       <p:ext uri="{BB962C8B-B14F-4D97-AF65-F5344CB8AC3E}">
-        <p14:creationId xmlns:p14="http://schemas.microsoft.com/office/powerpoint/2010/main" val="1776784295"/>
+        <p14:creationId xmlns:p14="http://schemas.microsoft.com/office/powerpoint/2010/main" val="4197666590"/>
       </p:ext>
     </p:extLst>
   </p:cSld>
@@ -1777,7 +1777,7 @@
     </p:spTree>
     <p:extLst>
       <p:ext uri="{BB962C8B-B14F-4D97-AF65-F5344CB8AC3E}">
-        <p14:creationId xmlns:p14="http://schemas.microsoft.com/office/powerpoint/2010/main" val="3319428419"/>
+        <p14:creationId xmlns:p14="http://schemas.microsoft.com/office/powerpoint/2010/main" val="3376864227"/>
       </p:ext>
     </p:extLst>
   </p:cSld>
@@ -1872,7 +1872,7 @@
     </p:spTree>
     <p:extLst>
       <p:ext uri="{BB962C8B-B14F-4D97-AF65-F5344CB8AC3E}">
-        <p14:creationId xmlns:p14="http://schemas.microsoft.com/office/powerpoint/2010/main" val="4170958865"/>
+        <p14:creationId xmlns:p14="http://schemas.microsoft.com/office/powerpoint/2010/main" val="664582761"/>
       </p:ext>
     </p:extLst>
   </p:cSld>
@@ -1911,15 +1911,15 @@
         </p:nvSpPr>
         <p:spPr>
           <a:xfrm>
-            <a:off x="839788" y="1219200"/>
-            <a:ext cx="3932237" cy="4267200"/>
+            <a:off x="2834286" y="914400"/>
+            <a:ext cx="13271300" cy="3200400"/>
           </a:xfrm>
         </p:spPr>
         <p:txBody>
           <a:bodyPr anchor="b"/>
           <a:lstStyle>
             <a:lvl1pPr>
-              <a:defRPr sz="4267"/>
+              <a:defRPr sz="6400"/>
             </a:lvl1pPr>
           </a:lstStyle>
           <a:p>
@@ -1943,39 +1943,39 @@
         </p:nvSpPr>
         <p:spPr>
           <a:xfrm>
-            <a:off x="5183188" y="2633137"/>
-            <a:ext cx="6172200" cy="12996333"/>
+            <a:off x="17493259" y="1974851"/>
+            <a:ext cx="20831175" cy="9747250"/>
           </a:xfrm>
         </p:spPr>
         <p:txBody>
           <a:bodyPr/>
           <a:lstStyle>
             <a:lvl1pPr>
-              <a:defRPr sz="4267"/>
+              <a:defRPr sz="6400"/>
             </a:lvl1pPr>
             <a:lvl2pPr>
-              <a:defRPr sz="3733"/>
+              <a:defRPr sz="5600"/>
             </a:lvl2pPr>
             <a:lvl3pPr>
-              <a:defRPr sz="3200"/>
+              <a:defRPr sz="4800"/>
             </a:lvl3pPr>
             <a:lvl4pPr>
-              <a:defRPr sz="2667"/>
+              <a:defRPr sz="4000"/>
             </a:lvl4pPr>
             <a:lvl5pPr>
-              <a:defRPr sz="2667"/>
+              <a:defRPr sz="4000"/>
             </a:lvl5pPr>
             <a:lvl6pPr>
-              <a:defRPr sz="2667"/>
+              <a:defRPr sz="4000"/>
             </a:lvl6pPr>
             <a:lvl7pPr>
-              <a:defRPr sz="2667"/>
+              <a:defRPr sz="4000"/>
             </a:lvl7pPr>
             <a:lvl8pPr>
-              <a:defRPr sz="2667"/>
+              <a:defRPr sz="4000"/>
             </a:lvl8pPr>
             <a:lvl9pPr>
-              <a:defRPr sz="2667"/>
+              <a:defRPr sz="4000"/>
             </a:lvl9pPr>
           </a:lstStyle>
           <a:p>
@@ -2028,8 +2028,8 @@
         </p:nvSpPr>
         <p:spPr>
           <a:xfrm>
-            <a:off x="839788" y="5486400"/>
-            <a:ext cx="3932237" cy="10164235"/>
+            <a:off x="2834286" y="4114800"/>
+            <a:ext cx="13271300" cy="7623176"/>
           </a:xfrm>
         </p:spPr>
         <p:txBody>
@@ -2037,39 +2037,39 @@
           <a:lstStyle>
             <a:lvl1pPr marL="0" indent="0">
               <a:buNone/>
-              <a:defRPr sz="2133"/>
+              <a:defRPr sz="3200"/>
             </a:lvl1pPr>
-            <a:lvl2pPr marL="609585" indent="0">
+            <a:lvl2pPr marL="914400" indent="0">
               <a:buNone/>
-              <a:defRPr sz="1867"/>
+              <a:defRPr sz="2800"/>
             </a:lvl2pPr>
-            <a:lvl3pPr marL="1219170" indent="0">
+            <a:lvl3pPr marL="1828800" indent="0">
               <a:buNone/>
-              <a:defRPr sz="1600"/>
+              <a:defRPr sz="2400"/>
             </a:lvl3pPr>
-            <a:lvl4pPr marL="1828754" indent="0">
+            <a:lvl4pPr marL="2743200" indent="0">
               <a:buNone/>
-              <a:defRPr sz="1333"/>
+              <a:defRPr sz="2000"/>
             </a:lvl4pPr>
-            <a:lvl5pPr marL="2438339" indent="0">
+            <a:lvl5pPr marL="3657600" indent="0">
               <a:buNone/>
-              <a:defRPr sz="1333"/>
+              <a:defRPr sz="2000"/>
             </a:lvl5pPr>
-            <a:lvl6pPr marL="3047924" indent="0">
+            <a:lvl6pPr marL="4572000" indent="0">
               <a:buNone/>
-              <a:defRPr sz="1333"/>
+              <a:defRPr sz="2000"/>
             </a:lvl6pPr>
-            <a:lvl7pPr marL="3657509" indent="0">
+            <a:lvl7pPr marL="5486400" indent="0">
               <a:buNone/>
-              <a:defRPr sz="1333"/>
+              <a:defRPr sz="2000"/>
             </a:lvl7pPr>
-            <a:lvl8pPr marL="4267093" indent="0">
+            <a:lvl8pPr marL="6400800" indent="0">
               <a:buNone/>
-              <a:defRPr sz="1333"/>
+              <a:defRPr sz="2000"/>
             </a:lvl8pPr>
-            <a:lvl9pPr marL="4876678" indent="0">
+            <a:lvl9pPr marL="7315200" indent="0">
               <a:buNone/>
-              <a:defRPr sz="1333"/>
+              <a:defRPr sz="2000"/>
             </a:lvl9pPr>
           </a:lstStyle>
           <a:p>
@@ -2149,7 +2149,7 @@
     </p:spTree>
     <p:extLst>
       <p:ext uri="{BB962C8B-B14F-4D97-AF65-F5344CB8AC3E}">
-        <p14:creationId xmlns:p14="http://schemas.microsoft.com/office/powerpoint/2010/main" val="715216595"/>
+        <p14:creationId xmlns:p14="http://schemas.microsoft.com/office/powerpoint/2010/main" val="3331450552"/>
       </p:ext>
     </p:extLst>
   </p:cSld>
@@ -2188,15 +2188,15 @@
         </p:nvSpPr>
         <p:spPr>
           <a:xfrm>
-            <a:off x="839788" y="1219200"/>
-            <a:ext cx="3932237" cy="4267200"/>
+            <a:off x="2834286" y="914400"/>
+            <a:ext cx="13271300" cy="3200400"/>
           </a:xfrm>
         </p:spPr>
         <p:txBody>
           <a:bodyPr anchor="b"/>
           <a:lstStyle>
             <a:lvl1pPr>
-              <a:defRPr sz="4267"/>
+              <a:defRPr sz="6400"/>
             </a:lvl1pPr>
           </a:lstStyle>
           <a:p>
@@ -2220,8 +2220,8 @@
         </p:nvSpPr>
         <p:spPr>
           <a:xfrm>
-            <a:off x="5183188" y="2633137"/>
-            <a:ext cx="6172200" cy="12996333"/>
+            <a:off x="17493259" y="1974851"/>
+            <a:ext cx="20831175" cy="9747250"/>
           </a:xfrm>
         </p:spPr>
         <p:txBody>
@@ -2229,39 +2229,39 @@
           <a:lstStyle>
             <a:lvl1pPr marL="0" indent="0">
               <a:buNone/>
-              <a:defRPr sz="4267"/>
+              <a:defRPr sz="6400"/>
             </a:lvl1pPr>
-            <a:lvl2pPr marL="609585" indent="0">
+            <a:lvl2pPr marL="914400" indent="0">
               <a:buNone/>
-              <a:defRPr sz="3733"/>
+              <a:defRPr sz="5600"/>
             </a:lvl2pPr>
-            <a:lvl3pPr marL="1219170" indent="0">
+            <a:lvl3pPr marL="1828800" indent="0">
               <a:buNone/>
-              <a:defRPr sz="3200"/>
+              <a:defRPr sz="4800"/>
             </a:lvl3pPr>
-            <a:lvl4pPr marL="1828754" indent="0">
+            <a:lvl4pPr marL="2743200" indent="0">
               <a:buNone/>
-              <a:defRPr sz="2667"/>
+              <a:defRPr sz="4000"/>
             </a:lvl4pPr>
-            <a:lvl5pPr marL="2438339" indent="0">
+            <a:lvl5pPr marL="3657600" indent="0">
               <a:buNone/>
-              <a:defRPr sz="2667"/>
+              <a:defRPr sz="4000"/>
             </a:lvl5pPr>
-            <a:lvl6pPr marL="3047924" indent="0">
+            <a:lvl6pPr marL="4572000" indent="0">
               <a:buNone/>
-              <a:defRPr sz="2667"/>
+              <a:defRPr sz="4000"/>
             </a:lvl6pPr>
-            <a:lvl7pPr marL="3657509" indent="0">
+            <a:lvl7pPr marL="5486400" indent="0">
               <a:buNone/>
-              <a:defRPr sz="2667"/>
+              <a:defRPr sz="4000"/>
             </a:lvl7pPr>
-            <a:lvl8pPr marL="4267093" indent="0">
+            <a:lvl8pPr marL="6400800" indent="0">
               <a:buNone/>
-              <a:defRPr sz="2667"/>
+              <a:defRPr sz="4000"/>
             </a:lvl8pPr>
-            <a:lvl9pPr marL="4876678" indent="0">
+            <a:lvl9pPr marL="7315200" indent="0">
               <a:buNone/>
-              <a:defRPr sz="2667"/>
+              <a:defRPr sz="4000"/>
             </a:lvl9pPr>
           </a:lstStyle>
           <a:p>
@@ -2285,8 +2285,8 @@
         </p:nvSpPr>
         <p:spPr>
           <a:xfrm>
-            <a:off x="839788" y="5486400"/>
-            <a:ext cx="3932237" cy="10164235"/>
+            <a:off x="2834286" y="4114800"/>
+            <a:ext cx="13271300" cy="7623176"/>
           </a:xfrm>
         </p:spPr>
         <p:txBody>
@@ -2294,39 +2294,39 @@
           <a:lstStyle>
             <a:lvl1pPr marL="0" indent="0">
               <a:buNone/>
-              <a:defRPr sz="2133"/>
+              <a:defRPr sz="3200"/>
             </a:lvl1pPr>
-            <a:lvl2pPr marL="609585" indent="0">
+            <a:lvl2pPr marL="914400" indent="0">
               <a:buNone/>
-              <a:defRPr sz="1867"/>
+              <a:defRPr sz="2800"/>
             </a:lvl2pPr>
-            <a:lvl3pPr marL="1219170" indent="0">
+            <a:lvl3pPr marL="1828800" indent="0">
               <a:buNone/>
-              <a:defRPr sz="1600"/>
+              <a:defRPr sz="2400"/>
             </a:lvl3pPr>
-            <a:lvl4pPr marL="1828754" indent="0">
+            <a:lvl4pPr marL="2743200" indent="0">
               <a:buNone/>
-              <a:defRPr sz="1333"/>
+              <a:defRPr sz="2000"/>
             </a:lvl4pPr>
-            <a:lvl5pPr marL="2438339" indent="0">
+            <a:lvl5pPr marL="3657600" indent="0">
               <a:buNone/>
-              <a:defRPr sz="1333"/>
+              <a:defRPr sz="2000"/>
             </a:lvl5pPr>
-            <a:lvl6pPr marL="3047924" indent="0">
+            <a:lvl6pPr marL="4572000" indent="0">
               <a:buNone/>
-              <a:defRPr sz="1333"/>
+              <a:defRPr sz="2000"/>
             </a:lvl6pPr>
-            <a:lvl7pPr marL="3657509" indent="0">
+            <a:lvl7pPr marL="5486400" indent="0">
               <a:buNone/>
-              <a:defRPr sz="1333"/>
+              <a:defRPr sz="2000"/>
             </a:lvl7pPr>
-            <a:lvl8pPr marL="4267093" indent="0">
+            <a:lvl8pPr marL="6400800" indent="0">
               <a:buNone/>
-              <a:defRPr sz="1333"/>
+              <a:defRPr sz="2000"/>
             </a:lvl8pPr>
-            <a:lvl9pPr marL="4876678" indent="0">
+            <a:lvl9pPr marL="7315200" indent="0">
               <a:buNone/>
-              <a:defRPr sz="1333"/>
+              <a:defRPr sz="2000"/>
             </a:lvl9pPr>
           </a:lstStyle>
           <a:p>
@@ -2406,7 +2406,7 @@
     </p:spTree>
     <p:extLst>
       <p:ext uri="{BB962C8B-B14F-4D97-AF65-F5344CB8AC3E}">
-        <p14:creationId xmlns:p14="http://schemas.microsoft.com/office/powerpoint/2010/main" val="14895257"/>
+        <p14:creationId xmlns:p14="http://schemas.microsoft.com/office/powerpoint/2010/main" val="2164276949"/>
       </p:ext>
     </p:extLst>
   </p:cSld>
@@ -2450,8 +2450,8 @@
         </p:nvSpPr>
         <p:spPr>
           <a:xfrm>
-            <a:off x="838200" y="973670"/>
-            <a:ext cx="10515600" cy="3534835"/>
+            <a:off x="2828925" y="730251"/>
+            <a:ext cx="35490150" cy="2651126"/>
           </a:xfrm>
           <a:prstGeom prst="rect">
             <a:avLst/>
@@ -2483,8 +2483,8 @@
         </p:nvSpPr>
         <p:spPr>
           <a:xfrm>
-            <a:off x="838200" y="4868333"/>
-            <a:ext cx="10515600" cy="11603568"/>
+            <a:off x="2828925" y="3651250"/>
+            <a:ext cx="35490150" cy="8702676"/>
           </a:xfrm>
           <a:prstGeom prst="rect">
             <a:avLst/>
@@ -2545,8 +2545,8 @@
         </p:nvSpPr>
         <p:spPr>
           <a:xfrm>
-            <a:off x="838200" y="16950271"/>
-            <a:ext cx="2743200" cy="973667"/>
+            <a:off x="2828925" y="12712701"/>
+            <a:ext cx="9258300" cy="730250"/>
           </a:xfrm>
           <a:prstGeom prst="rect">
             <a:avLst/>
@@ -2556,7 +2556,7 @@
           <a:bodyPr vert="horz" lIns="91440" tIns="45720" rIns="91440" bIns="45720" rtlCol="0" anchor="ctr"/>
           <a:lstStyle>
             <a:lvl1pPr algn="l">
-              <a:defRPr sz="1600">
+              <a:defRPr sz="2400">
                 <a:solidFill>
                   <a:schemeClr val="tx1">
                     <a:tint val="82000"/>
@@ -2586,8 +2586,8 @@
         </p:nvSpPr>
         <p:spPr>
           <a:xfrm>
-            <a:off x="4038600" y="16950271"/>
-            <a:ext cx="4114800" cy="973667"/>
+            <a:off x="13630275" y="12712701"/>
+            <a:ext cx="13887450" cy="730250"/>
           </a:xfrm>
           <a:prstGeom prst="rect">
             <a:avLst/>
@@ -2597,7 +2597,7 @@
           <a:bodyPr vert="horz" lIns="91440" tIns="45720" rIns="91440" bIns="45720" rtlCol="0" anchor="ctr"/>
           <a:lstStyle>
             <a:lvl1pPr algn="ctr">
-              <a:defRPr sz="1600">
+              <a:defRPr sz="2400">
                 <a:solidFill>
                   <a:schemeClr val="tx1">
                     <a:tint val="82000"/>
@@ -2623,8 +2623,8 @@
         </p:nvSpPr>
         <p:spPr>
           <a:xfrm>
-            <a:off x="8610600" y="16950271"/>
-            <a:ext cx="2743200" cy="973667"/>
+            <a:off x="29060775" y="12712701"/>
+            <a:ext cx="9258300" cy="730250"/>
           </a:xfrm>
           <a:prstGeom prst="rect">
             <a:avLst/>
@@ -2634,7 +2634,7 @@
           <a:bodyPr vert="horz" lIns="91440" tIns="45720" rIns="91440" bIns="45720" rtlCol="0" anchor="ctr"/>
           <a:lstStyle>
             <a:lvl1pPr algn="r">
-              <a:defRPr sz="1600">
+              <a:defRPr sz="2400">
                 <a:solidFill>
                   <a:schemeClr val="tx1">
                     <a:tint val="82000"/>
@@ -2655,27 +2655,27 @@
     </p:spTree>
     <p:extLst>
       <p:ext uri="{BB962C8B-B14F-4D97-AF65-F5344CB8AC3E}">
-        <p14:creationId xmlns:p14="http://schemas.microsoft.com/office/powerpoint/2010/main" val="591406575"/>
+        <p14:creationId xmlns:p14="http://schemas.microsoft.com/office/powerpoint/2010/main" val="2013407588"/>
       </p:ext>
     </p:extLst>
   </p:cSld>
   <p:clrMap bg1="lt1" tx1="dk1" bg2="lt2" tx2="dk2" accent1="accent1" accent2="accent2" accent3="accent3" accent4="accent4" accent5="accent5" accent6="accent6" hlink="hlink" folHlink="folHlink"/>
   <p:sldLayoutIdLst>
-    <p:sldLayoutId id="2147483661" r:id="rId1"/>
-    <p:sldLayoutId id="2147483662" r:id="rId2"/>
-    <p:sldLayoutId id="2147483663" r:id="rId3"/>
-    <p:sldLayoutId id="2147483664" r:id="rId4"/>
-    <p:sldLayoutId id="2147483665" r:id="rId5"/>
-    <p:sldLayoutId id="2147483666" r:id="rId6"/>
-    <p:sldLayoutId id="2147483667" r:id="rId7"/>
-    <p:sldLayoutId id="2147483668" r:id="rId8"/>
-    <p:sldLayoutId id="2147483669" r:id="rId9"/>
-    <p:sldLayoutId id="2147483670" r:id="rId10"/>
-    <p:sldLayoutId id="2147483671" r:id="rId11"/>
+    <p:sldLayoutId id="2147483733" r:id="rId1"/>
+    <p:sldLayoutId id="2147483734" r:id="rId2"/>
+    <p:sldLayoutId id="2147483735" r:id="rId3"/>
+    <p:sldLayoutId id="2147483736" r:id="rId4"/>
+    <p:sldLayoutId id="2147483737" r:id="rId5"/>
+    <p:sldLayoutId id="2147483738" r:id="rId6"/>
+    <p:sldLayoutId id="2147483739" r:id="rId7"/>
+    <p:sldLayoutId id="2147483740" r:id="rId8"/>
+    <p:sldLayoutId id="2147483741" r:id="rId9"/>
+    <p:sldLayoutId id="2147483742" r:id="rId10"/>
+    <p:sldLayoutId id="2147483743" r:id="rId11"/>
   </p:sldLayoutIdLst>
   <p:txStyles>
     <p:titleStyle>
-      <a:lvl1pPr algn="l" defTabSz="1219170" rtl="0" eaLnBrk="1" latinLnBrk="0" hangingPunct="1">
+      <a:lvl1pPr algn="l" defTabSz="1828800" rtl="0" eaLnBrk="1" latinLnBrk="0" hangingPunct="1">
         <a:lnSpc>
           <a:spcPct val="90000"/>
         </a:lnSpc>
@@ -2683,7 +2683,7 @@
           <a:spcPct val="0"/>
         </a:spcBef>
         <a:buNone/>
-        <a:defRPr sz="5867" kern="1200">
+        <a:defRPr sz="8800" kern="1200">
           <a:solidFill>
             <a:schemeClr val="tx1"/>
           </a:solidFill>
@@ -2694,16 +2694,16 @@
       </a:lvl1pPr>
     </p:titleStyle>
     <p:bodyStyle>
-      <a:lvl1pPr marL="304792" indent="-304792" algn="l" defTabSz="1219170" rtl="0" eaLnBrk="1" latinLnBrk="0" hangingPunct="1">
+      <a:lvl1pPr marL="457200" indent="-457200" algn="l" defTabSz="1828800" rtl="0" eaLnBrk="1" latinLnBrk="0" hangingPunct="1">
         <a:lnSpc>
           <a:spcPct val="90000"/>
         </a:lnSpc>
         <a:spcBef>
-          <a:spcPts val="1333"/>
+          <a:spcPts val="2000"/>
         </a:spcBef>
         <a:buFont typeface="Arial" panose="020B0604020202020204" pitchFamily="34" charset="0"/>
         <a:buChar char="•"/>
-        <a:defRPr sz="3733" kern="1200">
+        <a:defRPr sz="5600" kern="1200">
           <a:solidFill>
             <a:schemeClr val="tx1"/>
           </a:solidFill>
@@ -2712,16 +2712,16 @@
           <a:cs typeface="+mn-cs"/>
         </a:defRPr>
       </a:lvl1pPr>
-      <a:lvl2pPr marL="914377" indent="-304792" algn="l" defTabSz="1219170" rtl="0" eaLnBrk="1" latinLnBrk="0" hangingPunct="1">
+      <a:lvl2pPr marL="1371600" indent="-457200" algn="l" defTabSz="1828800" rtl="0" eaLnBrk="1" latinLnBrk="0" hangingPunct="1">
         <a:lnSpc>
           <a:spcPct val="90000"/>
         </a:lnSpc>
         <a:spcBef>
-          <a:spcPts val="667"/>
+          <a:spcPts val="1000"/>
         </a:spcBef>
         <a:buFont typeface="Arial" panose="020B0604020202020204" pitchFamily="34" charset="0"/>
         <a:buChar char="•"/>
-        <a:defRPr sz="3200" kern="1200">
+        <a:defRPr sz="4800" kern="1200">
           <a:solidFill>
             <a:schemeClr val="tx1"/>
           </a:solidFill>
@@ -2730,16 +2730,16 @@
           <a:cs typeface="+mn-cs"/>
         </a:defRPr>
       </a:lvl2pPr>
-      <a:lvl3pPr marL="1523962" indent="-304792" algn="l" defTabSz="1219170" rtl="0" eaLnBrk="1" latinLnBrk="0" hangingPunct="1">
+      <a:lvl3pPr marL="2286000" indent="-457200" algn="l" defTabSz="1828800" rtl="0" eaLnBrk="1" latinLnBrk="0" hangingPunct="1">
         <a:lnSpc>
           <a:spcPct val="90000"/>
         </a:lnSpc>
         <a:spcBef>
-          <a:spcPts val="667"/>
+          <a:spcPts val="1000"/>
         </a:spcBef>
         <a:buFont typeface="Arial" panose="020B0604020202020204" pitchFamily="34" charset="0"/>
         <a:buChar char="•"/>
-        <a:defRPr sz="2667" kern="1200">
+        <a:defRPr sz="4000" kern="1200">
           <a:solidFill>
             <a:schemeClr val="tx1"/>
           </a:solidFill>
@@ -2748,16 +2748,16 @@
           <a:cs typeface="+mn-cs"/>
         </a:defRPr>
       </a:lvl3pPr>
-      <a:lvl4pPr marL="2133547" indent="-304792" algn="l" defTabSz="1219170" rtl="0" eaLnBrk="1" latinLnBrk="0" hangingPunct="1">
+      <a:lvl4pPr marL="3200400" indent="-457200" algn="l" defTabSz="1828800" rtl="0" eaLnBrk="1" latinLnBrk="0" hangingPunct="1">
         <a:lnSpc>
           <a:spcPct val="90000"/>
         </a:lnSpc>
         <a:spcBef>
-          <a:spcPts val="667"/>
+          <a:spcPts val="1000"/>
         </a:spcBef>
         <a:buFont typeface="Arial" panose="020B0604020202020204" pitchFamily="34" charset="0"/>
         <a:buChar char="•"/>
-        <a:defRPr sz="2400" kern="1200">
+        <a:defRPr sz="3600" kern="1200">
           <a:solidFill>
             <a:schemeClr val="tx1"/>
           </a:solidFill>
@@ -2766,16 +2766,16 @@
           <a:cs typeface="+mn-cs"/>
         </a:defRPr>
       </a:lvl4pPr>
-      <a:lvl5pPr marL="2743131" indent="-304792" algn="l" defTabSz="1219170" rtl="0" eaLnBrk="1" latinLnBrk="0" hangingPunct="1">
+      <a:lvl5pPr marL="4114800" indent="-457200" algn="l" defTabSz="1828800" rtl="0" eaLnBrk="1" latinLnBrk="0" hangingPunct="1">
         <a:lnSpc>
           <a:spcPct val="90000"/>
         </a:lnSpc>
         <a:spcBef>
-          <a:spcPts val="667"/>
+          <a:spcPts val="1000"/>
         </a:spcBef>
         <a:buFont typeface="Arial" panose="020B0604020202020204" pitchFamily="34" charset="0"/>
         <a:buChar char="•"/>
-        <a:defRPr sz="2400" kern="1200">
+        <a:defRPr sz="3600" kern="1200">
           <a:solidFill>
             <a:schemeClr val="tx1"/>
           </a:solidFill>
@@ -2784,16 +2784,16 @@
           <a:cs typeface="+mn-cs"/>
         </a:defRPr>
       </a:lvl5pPr>
-      <a:lvl6pPr marL="3352716" indent="-304792" algn="l" defTabSz="1219170" rtl="0" eaLnBrk="1" latinLnBrk="0" hangingPunct="1">
+      <a:lvl6pPr marL="5029200" indent="-457200" algn="l" defTabSz="1828800" rtl="0" eaLnBrk="1" latinLnBrk="0" hangingPunct="1">
         <a:lnSpc>
           <a:spcPct val="90000"/>
         </a:lnSpc>
         <a:spcBef>
-          <a:spcPts val="667"/>
+          <a:spcPts val="1000"/>
         </a:spcBef>
         <a:buFont typeface="Arial" panose="020B0604020202020204" pitchFamily="34" charset="0"/>
         <a:buChar char="•"/>
-        <a:defRPr sz="2400" kern="1200">
+        <a:defRPr sz="3600" kern="1200">
           <a:solidFill>
             <a:schemeClr val="tx1"/>
           </a:solidFill>
@@ -2802,16 +2802,16 @@
           <a:cs typeface="+mn-cs"/>
         </a:defRPr>
       </a:lvl6pPr>
-      <a:lvl7pPr marL="3962301" indent="-304792" algn="l" defTabSz="1219170" rtl="0" eaLnBrk="1" latinLnBrk="0" hangingPunct="1">
+      <a:lvl7pPr marL="5943600" indent="-457200" algn="l" defTabSz="1828800" rtl="0" eaLnBrk="1" latinLnBrk="0" hangingPunct="1">
         <a:lnSpc>
           <a:spcPct val="90000"/>
         </a:lnSpc>
         <a:spcBef>
-          <a:spcPts val="667"/>
+          <a:spcPts val="1000"/>
         </a:spcBef>
         <a:buFont typeface="Arial" panose="020B0604020202020204" pitchFamily="34" charset="0"/>
         <a:buChar char="•"/>
-        <a:defRPr sz="2400" kern="1200">
+        <a:defRPr sz="3600" kern="1200">
           <a:solidFill>
             <a:schemeClr val="tx1"/>
           </a:solidFill>
@@ -2820,16 +2820,16 @@
           <a:cs typeface="+mn-cs"/>
         </a:defRPr>
       </a:lvl7pPr>
-      <a:lvl8pPr marL="4571886" indent="-304792" algn="l" defTabSz="1219170" rtl="0" eaLnBrk="1" latinLnBrk="0" hangingPunct="1">
+      <a:lvl8pPr marL="6858000" indent="-457200" algn="l" defTabSz="1828800" rtl="0" eaLnBrk="1" latinLnBrk="0" hangingPunct="1">
         <a:lnSpc>
           <a:spcPct val="90000"/>
         </a:lnSpc>
         <a:spcBef>
-          <a:spcPts val="667"/>
+          <a:spcPts val="1000"/>
         </a:spcBef>
         <a:buFont typeface="Arial" panose="020B0604020202020204" pitchFamily="34" charset="0"/>
         <a:buChar char="•"/>
-        <a:defRPr sz="2400" kern="1200">
+        <a:defRPr sz="3600" kern="1200">
           <a:solidFill>
             <a:schemeClr val="tx1"/>
           </a:solidFill>
@@ -2838,16 +2838,16 @@
           <a:cs typeface="+mn-cs"/>
         </a:defRPr>
       </a:lvl8pPr>
-      <a:lvl9pPr marL="5181470" indent="-304792" algn="l" defTabSz="1219170" rtl="0" eaLnBrk="1" latinLnBrk="0" hangingPunct="1">
+      <a:lvl9pPr marL="7772400" indent="-457200" algn="l" defTabSz="1828800" rtl="0" eaLnBrk="1" latinLnBrk="0" hangingPunct="1">
         <a:lnSpc>
           <a:spcPct val="90000"/>
         </a:lnSpc>
         <a:spcBef>
-          <a:spcPts val="667"/>
+          <a:spcPts val="1000"/>
         </a:spcBef>
         <a:buFont typeface="Arial" panose="020B0604020202020204" pitchFamily="34" charset="0"/>
         <a:buChar char="•"/>
-        <a:defRPr sz="2400" kern="1200">
+        <a:defRPr sz="3600" kern="1200">
           <a:solidFill>
             <a:schemeClr val="tx1"/>
           </a:solidFill>
@@ -2861,8 +2861,8 @@
       <a:defPPr>
         <a:defRPr lang="en-US"/>
       </a:defPPr>
-      <a:lvl1pPr marL="0" algn="l" defTabSz="1219170" rtl="0" eaLnBrk="1" latinLnBrk="0" hangingPunct="1">
-        <a:defRPr sz="2400" kern="1200">
+      <a:lvl1pPr marL="0" algn="l" defTabSz="1828800" rtl="0" eaLnBrk="1" latinLnBrk="0" hangingPunct="1">
+        <a:defRPr sz="3600" kern="1200">
           <a:solidFill>
             <a:schemeClr val="tx1"/>
           </a:solidFill>
@@ -2871,8 +2871,8 @@
           <a:cs typeface="+mn-cs"/>
         </a:defRPr>
       </a:lvl1pPr>
-      <a:lvl2pPr marL="609585" algn="l" defTabSz="1219170" rtl="0" eaLnBrk="1" latinLnBrk="0" hangingPunct="1">
-        <a:defRPr sz="2400" kern="1200">
+      <a:lvl2pPr marL="914400" algn="l" defTabSz="1828800" rtl="0" eaLnBrk="1" latinLnBrk="0" hangingPunct="1">
+        <a:defRPr sz="3600" kern="1200">
           <a:solidFill>
             <a:schemeClr val="tx1"/>
           </a:solidFill>
@@ -2881,8 +2881,8 @@
           <a:cs typeface="+mn-cs"/>
         </a:defRPr>
       </a:lvl2pPr>
-      <a:lvl3pPr marL="1219170" algn="l" defTabSz="1219170" rtl="0" eaLnBrk="1" latinLnBrk="0" hangingPunct="1">
-        <a:defRPr sz="2400" kern="1200">
+      <a:lvl3pPr marL="1828800" algn="l" defTabSz="1828800" rtl="0" eaLnBrk="1" latinLnBrk="0" hangingPunct="1">
+        <a:defRPr sz="3600" kern="1200">
           <a:solidFill>
             <a:schemeClr val="tx1"/>
           </a:solidFill>
@@ -2891,8 +2891,8 @@
           <a:cs typeface="+mn-cs"/>
         </a:defRPr>
       </a:lvl3pPr>
-      <a:lvl4pPr marL="1828754" algn="l" defTabSz="1219170" rtl="0" eaLnBrk="1" latinLnBrk="0" hangingPunct="1">
-        <a:defRPr sz="2400" kern="1200">
+      <a:lvl4pPr marL="2743200" algn="l" defTabSz="1828800" rtl="0" eaLnBrk="1" latinLnBrk="0" hangingPunct="1">
+        <a:defRPr sz="3600" kern="1200">
           <a:solidFill>
             <a:schemeClr val="tx1"/>
           </a:solidFill>
@@ -2901,8 +2901,8 @@
           <a:cs typeface="+mn-cs"/>
         </a:defRPr>
       </a:lvl4pPr>
-      <a:lvl5pPr marL="2438339" algn="l" defTabSz="1219170" rtl="0" eaLnBrk="1" latinLnBrk="0" hangingPunct="1">
-        <a:defRPr sz="2400" kern="1200">
+      <a:lvl5pPr marL="3657600" algn="l" defTabSz="1828800" rtl="0" eaLnBrk="1" latinLnBrk="0" hangingPunct="1">
+        <a:defRPr sz="3600" kern="1200">
           <a:solidFill>
             <a:schemeClr val="tx1"/>
           </a:solidFill>
@@ -2911,8 +2911,8 @@
           <a:cs typeface="+mn-cs"/>
         </a:defRPr>
       </a:lvl5pPr>
-      <a:lvl6pPr marL="3047924" algn="l" defTabSz="1219170" rtl="0" eaLnBrk="1" latinLnBrk="0" hangingPunct="1">
-        <a:defRPr sz="2400" kern="1200">
+      <a:lvl6pPr marL="4572000" algn="l" defTabSz="1828800" rtl="0" eaLnBrk="1" latinLnBrk="0" hangingPunct="1">
+        <a:defRPr sz="3600" kern="1200">
           <a:solidFill>
             <a:schemeClr val="tx1"/>
           </a:solidFill>
@@ -2921,8 +2921,8 @@
           <a:cs typeface="+mn-cs"/>
         </a:defRPr>
       </a:lvl6pPr>
-      <a:lvl7pPr marL="3657509" algn="l" defTabSz="1219170" rtl="0" eaLnBrk="1" latinLnBrk="0" hangingPunct="1">
-        <a:defRPr sz="2400" kern="1200">
+      <a:lvl7pPr marL="5486400" algn="l" defTabSz="1828800" rtl="0" eaLnBrk="1" latinLnBrk="0" hangingPunct="1">
+        <a:defRPr sz="3600" kern="1200">
           <a:solidFill>
             <a:schemeClr val="tx1"/>
           </a:solidFill>
@@ -2931,8 +2931,8 @@
           <a:cs typeface="+mn-cs"/>
         </a:defRPr>
       </a:lvl7pPr>
-      <a:lvl8pPr marL="4267093" algn="l" defTabSz="1219170" rtl="0" eaLnBrk="1" latinLnBrk="0" hangingPunct="1">
-        <a:defRPr sz="2400" kern="1200">
+      <a:lvl8pPr marL="6400800" algn="l" defTabSz="1828800" rtl="0" eaLnBrk="1" latinLnBrk="0" hangingPunct="1">
+        <a:defRPr sz="3600" kern="1200">
           <a:solidFill>
             <a:schemeClr val="tx1"/>
           </a:solidFill>
@@ -2941,8 +2941,8 @@
           <a:cs typeface="+mn-cs"/>
         </a:defRPr>
       </a:lvl8pPr>
-      <a:lvl9pPr marL="4876678" algn="l" defTabSz="1219170" rtl="0" eaLnBrk="1" latinLnBrk="0" hangingPunct="1">
-        <a:defRPr sz="2400" kern="1200">
+      <a:lvl9pPr marL="7315200" algn="l" defTabSz="1828800" rtl="0" eaLnBrk="1" latinLnBrk="0" hangingPunct="1">
+        <a:defRPr sz="3600" kern="1200">
           <a:solidFill>
             <a:schemeClr val="tx1"/>
           </a:solidFill>
@@ -2973,6 +2973,573 @@
           <a:chExt cx="0" cy="0"/>
         </a:xfrm>
       </p:grpSpPr>
+      <p:sp>
+        <p:nvSpPr>
+          <p:cNvPr id="151" name="Rectangle 150">
+            <a:extLst>
+              <a:ext uri="{FF2B5EF4-FFF2-40B4-BE49-F238E27FC236}">
+                <a16:creationId xmlns:a16="http://schemas.microsoft.com/office/drawing/2014/main" id="{414A3C74-3101-C94A-8E95-716124100D0F}"/>
+              </a:ext>
+            </a:extLst>
+          </p:cNvPr>
+          <p:cNvSpPr/>
+          <p:nvPr/>
+        </p:nvSpPr>
+        <p:spPr>
+          <a:xfrm>
+            <a:off x="21789600" y="922022"/>
+            <a:ext cx="17988847" cy="5449575"/>
+          </a:xfrm>
+          <a:prstGeom prst="rect">
+            <a:avLst/>
+          </a:prstGeom>
+          <a:solidFill>
+            <a:schemeClr val="accent2">
+              <a:lumMod val="20000"/>
+              <a:lumOff val="80000"/>
+            </a:schemeClr>
+          </a:solidFill>
+          <a:ln>
+            <a:solidFill>
+              <a:schemeClr val="tx1">
+                <a:lumMod val="75000"/>
+                <a:lumOff val="25000"/>
+              </a:schemeClr>
+            </a:solidFill>
+          </a:ln>
+        </p:spPr>
+        <p:style>
+          <a:lnRef idx="2">
+            <a:schemeClr val="accent1">
+              <a:shade val="15000"/>
+            </a:schemeClr>
+          </a:lnRef>
+          <a:fillRef idx="1">
+            <a:schemeClr val="accent1"/>
+          </a:fillRef>
+          <a:effectRef idx="0">
+            <a:schemeClr val="accent1"/>
+          </a:effectRef>
+          <a:fontRef idx="minor">
+            <a:schemeClr val="lt1"/>
+          </a:fontRef>
+        </p:style>
+        <p:txBody>
+          <a:bodyPr rtlCol="0" anchor="ctr"/>
+          <a:lstStyle/>
+          <a:p>
+            <a:pPr algn="ctr"/>
+            <a:endParaRPr lang="en-US"/>
+          </a:p>
+        </p:txBody>
+      </p:sp>
+      <p:sp>
+        <p:nvSpPr>
+          <p:cNvPr id="115" name="Rounded Rectangle 114">
+            <a:extLst>
+              <a:ext uri="{FF2B5EF4-FFF2-40B4-BE49-F238E27FC236}">
+                <a16:creationId xmlns:a16="http://schemas.microsoft.com/office/drawing/2014/main" id="{768AD562-9EA1-4F25-A664-79FCD28B6D45}"/>
+              </a:ext>
+            </a:extLst>
+          </p:cNvPr>
+          <p:cNvSpPr/>
+          <p:nvPr/>
+        </p:nvSpPr>
+        <p:spPr>
+          <a:xfrm>
+            <a:off x="11264140" y="6919884"/>
+            <a:ext cx="7758753" cy="5203939"/>
+          </a:xfrm>
+          <a:prstGeom prst="roundRect">
+            <a:avLst/>
+          </a:prstGeom>
+          <a:solidFill>
+            <a:schemeClr val="tx2">
+              <a:lumMod val="10000"/>
+              <a:lumOff val="90000"/>
+            </a:schemeClr>
+          </a:solidFill>
+        </p:spPr>
+        <p:style>
+          <a:lnRef idx="2">
+            <a:schemeClr val="accent1">
+              <a:shade val="15000"/>
+            </a:schemeClr>
+          </a:lnRef>
+          <a:fillRef idx="1">
+            <a:schemeClr val="accent1"/>
+          </a:fillRef>
+          <a:effectRef idx="0">
+            <a:schemeClr val="accent1"/>
+          </a:effectRef>
+          <a:fontRef idx="minor">
+            <a:schemeClr val="lt1"/>
+          </a:fontRef>
+        </p:style>
+        <p:txBody>
+          <a:bodyPr rtlCol="0" anchor="ctr"/>
+          <a:lstStyle/>
+          <a:p>
+            <a:pPr algn="ctr"/>
+            <a:endParaRPr lang="en-US" sz="3600"/>
+          </a:p>
+        </p:txBody>
+      </p:sp>
+      <p:sp>
+        <p:nvSpPr>
+          <p:cNvPr id="113" name="Rectangle 112">
+            <a:extLst>
+              <a:ext uri="{FF2B5EF4-FFF2-40B4-BE49-F238E27FC236}">
+                <a16:creationId xmlns:a16="http://schemas.microsoft.com/office/drawing/2014/main" id="{3FDAF9FB-9333-9763-06EC-12A16E426BF2}"/>
+              </a:ext>
+            </a:extLst>
+          </p:cNvPr>
+          <p:cNvSpPr/>
+          <p:nvPr/>
+        </p:nvSpPr>
+        <p:spPr>
+          <a:xfrm>
+            <a:off x="11970605" y="8352921"/>
+            <a:ext cx="3172910" cy="1339481"/>
+          </a:xfrm>
+          <a:prstGeom prst="rect">
+            <a:avLst/>
+          </a:prstGeom>
+          <a:solidFill>
+            <a:schemeClr val="bg1">
+              <a:lumMod val="65000"/>
+            </a:schemeClr>
+          </a:solidFill>
+          <a:ln>
+            <a:solidFill>
+              <a:schemeClr val="tx1">
+                <a:lumMod val="75000"/>
+                <a:lumOff val="25000"/>
+              </a:schemeClr>
+            </a:solidFill>
+          </a:ln>
+        </p:spPr>
+        <p:style>
+          <a:lnRef idx="2">
+            <a:schemeClr val="accent1">
+              <a:shade val="15000"/>
+            </a:schemeClr>
+          </a:lnRef>
+          <a:fillRef idx="1">
+            <a:schemeClr val="accent1"/>
+          </a:fillRef>
+          <a:effectRef idx="0">
+            <a:schemeClr val="accent1"/>
+          </a:effectRef>
+          <a:fontRef idx="minor">
+            <a:schemeClr val="lt1"/>
+          </a:fontRef>
+        </p:style>
+        <p:txBody>
+          <a:bodyPr rtlCol="0" anchor="ctr"/>
+          <a:lstStyle/>
+          <a:p>
+            <a:pPr algn="ctr"/>
+            <a:r>
+              <a:rPr lang="en-US" sz="3600" dirty="0">
+                <a:effectLst>
+                  <a:outerShdw blurRad="50800" dist="38100" dir="2700000" algn="tl" rotWithShape="0">
+                    <a:prstClr val="black">
+                      <a:alpha val="40000"/>
+                    </a:prstClr>
+                  </a:outerShdw>
+                </a:effectLst>
+                <a:latin typeface="Montserrat" pitchFamily="2" charset="77"/>
+              </a:rPr>
+              <a:t>Star Spectrum</a:t>
+            </a:r>
+          </a:p>
+        </p:txBody>
+      </p:sp>
+      <p:sp>
+        <p:nvSpPr>
+          <p:cNvPr id="116" name="Rectangle 115">
+            <a:extLst>
+              <a:ext uri="{FF2B5EF4-FFF2-40B4-BE49-F238E27FC236}">
+                <a16:creationId xmlns:a16="http://schemas.microsoft.com/office/drawing/2014/main" id="{7A5C9657-EB97-0691-EBC4-C49AD39ABDDB}"/>
+              </a:ext>
+            </a:extLst>
+          </p:cNvPr>
+          <p:cNvSpPr/>
+          <p:nvPr/>
+        </p:nvSpPr>
+        <p:spPr>
+          <a:xfrm>
+            <a:off x="15407621" y="8230268"/>
+            <a:ext cx="3280939" cy="1634935"/>
+          </a:xfrm>
+          <a:prstGeom prst="rect">
+            <a:avLst/>
+          </a:prstGeom>
+          <a:solidFill>
+            <a:schemeClr val="bg1">
+              <a:lumMod val="65000"/>
+            </a:schemeClr>
+          </a:solidFill>
+          <a:ln>
+            <a:solidFill>
+              <a:schemeClr val="tx1">
+                <a:lumMod val="75000"/>
+                <a:lumOff val="25000"/>
+              </a:schemeClr>
+            </a:solidFill>
+          </a:ln>
+        </p:spPr>
+        <p:style>
+          <a:lnRef idx="2">
+            <a:schemeClr val="accent1">
+              <a:shade val="15000"/>
+            </a:schemeClr>
+          </a:lnRef>
+          <a:fillRef idx="1">
+            <a:schemeClr val="accent1"/>
+          </a:fillRef>
+          <a:effectRef idx="0">
+            <a:schemeClr val="accent1"/>
+          </a:effectRef>
+          <a:fontRef idx="minor">
+            <a:schemeClr val="lt1"/>
+          </a:fontRef>
+        </p:style>
+        <p:txBody>
+          <a:bodyPr rtlCol="0" anchor="ctr"/>
+          <a:lstStyle/>
+          <a:p>
+            <a:pPr algn="ctr"/>
+            <a:r>
+              <a:rPr lang="en-US" sz="3600" dirty="0">
+                <a:effectLst>
+                  <a:outerShdw blurRad="50800" dist="38100" dir="2700000" algn="tl" rotWithShape="0">
+                    <a:prstClr val="black">
+                      <a:alpha val="40000"/>
+                    </a:prstClr>
+                  </a:outerShdw>
+                </a:effectLst>
+                <a:latin typeface="Montserrat" pitchFamily="2" charset="77"/>
+              </a:rPr>
+              <a:t>Geometric Albedo Spectra</a:t>
+            </a:r>
+          </a:p>
+        </p:txBody>
+      </p:sp>
+      <p:cxnSp>
+        <p:nvCxnSpPr>
+          <p:cNvPr id="226" name="Straight Arrow Connector 225">
+            <a:extLst>
+              <a:ext uri="{FF2B5EF4-FFF2-40B4-BE49-F238E27FC236}">
+                <a16:creationId xmlns:a16="http://schemas.microsoft.com/office/drawing/2014/main" id="{C831653B-784B-1F41-2512-71CDD4FF3D8F}"/>
+              </a:ext>
+            </a:extLst>
+          </p:cNvPr>
+          <p:cNvCxnSpPr>
+            <a:cxnSpLocks/>
+            <a:stCxn id="3" idx="4"/>
+            <a:endCxn id="113" idx="0"/>
+          </p:cNvCxnSpPr>
+          <p:nvPr/>
+        </p:nvCxnSpPr>
+        <p:spPr>
+          <a:xfrm>
+            <a:off x="13384372" y="3642431"/>
+            <a:ext cx="172688" cy="4710490"/>
+          </a:xfrm>
+          <a:prstGeom prst="straightConnector1">
+            <a:avLst/>
+          </a:prstGeom>
+          <a:ln w="57150">
+            <a:solidFill>
+              <a:schemeClr val="tx1">
+                <a:lumMod val="75000"/>
+                <a:lumOff val="25000"/>
+              </a:schemeClr>
+            </a:solidFill>
+            <a:tailEnd type="triangle"/>
+          </a:ln>
+        </p:spPr>
+        <p:style>
+          <a:lnRef idx="2">
+            <a:schemeClr val="accent1"/>
+          </a:lnRef>
+          <a:fillRef idx="0">
+            <a:schemeClr val="accent1"/>
+          </a:fillRef>
+          <a:effectRef idx="1">
+            <a:schemeClr val="accent1"/>
+          </a:effectRef>
+          <a:fontRef idx="minor">
+            <a:schemeClr val="tx1"/>
+          </a:fontRef>
+        </p:style>
+      </p:cxnSp>
+      <p:sp>
+        <p:nvSpPr>
+          <p:cNvPr id="119" name="Rectangle 118">
+            <a:extLst>
+              <a:ext uri="{FF2B5EF4-FFF2-40B4-BE49-F238E27FC236}">
+                <a16:creationId xmlns:a16="http://schemas.microsoft.com/office/drawing/2014/main" id="{C7C3B697-E564-BBC4-45C1-2A9553D318C1}"/>
+              </a:ext>
+            </a:extLst>
+          </p:cNvPr>
+          <p:cNvSpPr/>
+          <p:nvPr/>
+        </p:nvSpPr>
+        <p:spPr>
+          <a:xfrm>
+            <a:off x="11923045" y="10121384"/>
+            <a:ext cx="3280939" cy="1634935"/>
+          </a:xfrm>
+          <a:prstGeom prst="rect">
+            <a:avLst/>
+          </a:prstGeom>
+          <a:solidFill>
+            <a:schemeClr val="bg1">
+              <a:lumMod val="65000"/>
+            </a:schemeClr>
+          </a:solidFill>
+          <a:ln>
+            <a:solidFill>
+              <a:schemeClr val="tx1">
+                <a:lumMod val="75000"/>
+                <a:lumOff val="25000"/>
+              </a:schemeClr>
+            </a:solidFill>
+          </a:ln>
+        </p:spPr>
+        <p:style>
+          <a:lnRef idx="2">
+            <a:schemeClr val="accent1">
+              <a:shade val="15000"/>
+            </a:schemeClr>
+          </a:lnRef>
+          <a:fillRef idx="1">
+            <a:schemeClr val="accent1"/>
+          </a:fillRef>
+          <a:effectRef idx="0">
+            <a:schemeClr val="accent1"/>
+          </a:effectRef>
+          <a:fontRef idx="minor">
+            <a:schemeClr val="lt1"/>
+          </a:fontRef>
+        </p:style>
+        <p:txBody>
+          <a:bodyPr rtlCol="0" anchor="ctr"/>
+          <a:lstStyle/>
+          <a:p>
+            <a:pPr algn="ctr"/>
+            <a:r>
+              <a:rPr lang="en-US" sz="3600" dirty="0" err="1">
+                <a:effectLst>
+                  <a:outerShdw blurRad="50800" dist="38100" dir="2700000" algn="tl" rotWithShape="0">
+                    <a:prstClr val="black">
+                      <a:alpha val="40000"/>
+                    </a:prstClr>
+                  </a:outerShdw>
+                </a:effectLst>
+                <a:latin typeface="Montserrat" pitchFamily="2" charset="77"/>
+              </a:rPr>
+              <a:t>Fp</a:t>
+            </a:r>
+            <a:r>
+              <a:rPr lang="en-US" sz="3600" dirty="0">
+                <a:effectLst>
+                  <a:outerShdw blurRad="50800" dist="38100" dir="2700000" algn="tl" rotWithShape="0">
+                    <a:prstClr val="black">
+                      <a:alpha val="40000"/>
+                    </a:prstClr>
+                  </a:outerShdw>
+                </a:effectLst>
+                <a:latin typeface="Montserrat" pitchFamily="2" charset="77"/>
+              </a:rPr>
+              <a:t>/Fs Contrast Spectra</a:t>
+            </a:r>
+          </a:p>
+        </p:txBody>
+      </p:sp>
+      <p:sp>
+        <p:nvSpPr>
+          <p:cNvPr id="120" name="Rectangle 119">
+            <a:extLst>
+              <a:ext uri="{FF2B5EF4-FFF2-40B4-BE49-F238E27FC236}">
+                <a16:creationId xmlns:a16="http://schemas.microsoft.com/office/drawing/2014/main" id="{1806EC86-0DE6-2BD3-465F-1A5EE30AB3AE}"/>
+              </a:ext>
+            </a:extLst>
+          </p:cNvPr>
+          <p:cNvSpPr/>
+          <p:nvPr/>
+        </p:nvSpPr>
+        <p:spPr>
+          <a:xfrm>
+            <a:off x="15326851" y="10121384"/>
+            <a:ext cx="3280939" cy="1634935"/>
+          </a:xfrm>
+          <a:prstGeom prst="rect">
+            <a:avLst/>
+          </a:prstGeom>
+          <a:solidFill>
+            <a:schemeClr val="bg1">
+              <a:lumMod val="65000"/>
+            </a:schemeClr>
+          </a:solidFill>
+          <a:ln>
+            <a:solidFill>
+              <a:schemeClr val="tx1">
+                <a:lumMod val="75000"/>
+                <a:lumOff val="25000"/>
+              </a:schemeClr>
+            </a:solidFill>
+          </a:ln>
+        </p:spPr>
+        <p:style>
+          <a:lnRef idx="2">
+            <a:schemeClr val="accent1">
+              <a:shade val="15000"/>
+            </a:schemeClr>
+          </a:lnRef>
+          <a:fillRef idx="1">
+            <a:schemeClr val="accent1"/>
+          </a:fillRef>
+          <a:effectRef idx="0">
+            <a:schemeClr val="accent1"/>
+          </a:effectRef>
+          <a:fontRef idx="minor">
+            <a:schemeClr val="lt1"/>
+          </a:fontRef>
+        </p:style>
+        <p:txBody>
+          <a:bodyPr rtlCol="0" anchor="ctr"/>
+          <a:lstStyle/>
+          <a:p>
+            <a:pPr algn="ctr"/>
+            <a:r>
+              <a:rPr lang="en-US" sz="3600" dirty="0">
+                <a:effectLst>
+                  <a:outerShdw blurRad="50800" dist="38100" dir="2700000" algn="tl" rotWithShape="0">
+                    <a:prstClr val="black">
+                      <a:alpha val="40000"/>
+                    </a:prstClr>
+                  </a:outerShdw>
+                </a:effectLst>
+                <a:latin typeface="Montserrat" pitchFamily="2" charset="77"/>
+              </a:rPr>
+              <a:t>Planet Spectra</a:t>
+            </a:r>
+          </a:p>
+        </p:txBody>
+      </p:sp>
+      <p:sp>
+        <p:nvSpPr>
+          <p:cNvPr id="152" name="Rectangle 151">
+            <a:extLst>
+              <a:ext uri="{FF2B5EF4-FFF2-40B4-BE49-F238E27FC236}">
+                <a16:creationId xmlns:a16="http://schemas.microsoft.com/office/drawing/2014/main" id="{5C20E7BB-1C03-DA8C-E232-E983BB469C01}"/>
+              </a:ext>
+            </a:extLst>
+          </p:cNvPr>
+          <p:cNvSpPr/>
+          <p:nvPr/>
+        </p:nvSpPr>
+        <p:spPr>
+          <a:xfrm>
+            <a:off x="20513918" y="6752450"/>
+            <a:ext cx="14038695" cy="5449575"/>
+          </a:xfrm>
+          <a:prstGeom prst="rect">
+            <a:avLst/>
+          </a:prstGeom>
+          <a:solidFill>
+            <a:schemeClr val="accent5">
+              <a:lumMod val="20000"/>
+              <a:lumOff val="80000"/>
+            </a:schemeClr>
+          </a:solidFill>
+          <a:ln>
+            <a:solidFill>
+              <a:schemeClr val="tx1">
+                <a:lumMod val="75000"/>
+                <a:lumOff val="25000"/>
+              </a:schemeClr>
+            </a:solidFill>
+          </a:ln>
+        </p:spPr>
+        <p:style>
+          <a:lnRef idx="2">
+            <a:schemeClr val="accent1">
+              <a:shade val="15000"/>
+            </a:schemeClr>
+          </a:lnRef>
+          <a:fillRef idx="1">
+            <a:schemeClr val="accent1"/>
+          </a:fillRef>
+          <a:effectRef idx="0">
+            <a:schemeClr val="accent1"/>
+          </a:effectRef>
+          <a:fontRef idx="minor">
+            <a:schemeClr val="lt1"/>
+          </a:fontRef>
+        </p:style>
+        <p:txBody>
+          <a:bodyPr rtlCol="0" anchor="ctr"/>
+          <a:lstStyle/>
+          <a:p>
+            <a:pPr algn="ctr"/>
+            <a:endParaRPr lang="en-US"/>
+          </a:p>
+        </p:txBody>
+      </p:sp>
+      <p:cxnSp>
+        <p:nvCxnSpPr>
+          <p:cNvPr id="24" name="Straight Arrow Connector 23">
+            <a:extLst>
+              <a:ext uri="{FF2B5EF4-FFF2-40B4-BE49-F238E27FC236}">
+                <a16:creationId xmlns:a16="http://schemas.microsoft.com/office/drawing/2014/main" id="{D0D62F7B-9CD1-6C91-4D48-F854B9D14A3A}"/>
+              </a:ext>
+            </a:extLst>
+          </p:cNvPr>
+          <p:cNvCxnSpPr>
+            <a:cxnSpLocks/>
+            <a:stCxn id="3" idx="6"/>
+            <a:endCxn id="53" idx="2"/>
+          </p:cNvCxnSpPr>
+          <p:nvPr/>
+        </p:nvCxnSpPr>
+        <p:spPr>
+          <a:xfrm>
+            <a:off x="15707814" y="2269823"/>
+            <a:ext cx="6762326" cy="595186"/>
+          </a:xfrm>
+          <a:prstGeom prst="straightConnector1">
+            <a:avLst/>
+          </a:prstGeom>
+          <a:ln w="57150">
+            <a:solidFill>
+              <a:schemeClr val="tx1">
+                <a:lumMod val="75000"/>
+                <a:lumOff val="25000"/>
+              </a:schemeClr>
+            </a:solidFill>
+            <a:tailEnd type="triangle"/>
+          </a:ln>
+        </p:spPr>
+        <p:style>
+          <a:lnRef idx="2">
+            <a:schemeClr val="accent1"/>
+          </a:lnRef>
+          <a:fillRef idx="0">
+            <a:schemeClr val="accent1"/>
+          </a:fillRef>
+          <a:effectRef idx="1">
+            <a:schemeClr val="accent1"/>
+          </a:effectRef>
+          <a:fontRef idx="minor">
+            <a:schemeClr val="tx1"/>
+          </a:fontRef>
+        </p:style>
+      </p:cxnSp>
       <p:grpSp>
         <p:nvGrpSpPr>
           <p:cNvPr id="5" name="Group 4">
@@ -2987,12 +3554,64 @@
         </p:nvGrpSpPr>
         <p:grpSpPr>
           <a:xfrm>
-            <a:off x="483347" y="593164"/>
-            <a:ext cx="4883972" cy="6620435"/>
+            <a:off x="512748" y="481848"/>
+            <a:ext cx="9407522" cy="12752303"/>
             <a:chOff x="3442447" y="161364"/>
             <a:chExt cx="4883972" cy="6620435"/>
           </a:xfrm>
         </p:grpSpPr>
+        <p:sp>
+          <p:nvSpPr>
+            <p:cNvPr id="9" name="Rounded Rectangle 8">
+              <a:extLst>
+                <a:ext uri="{FF2B5EF4-FFF2-40B4-BE49-F238E27FC236}">
+                  <a16:creationId xmlns:a16="http://schemas.microsoft.com/office/drawing/2014/main" id="{14B7B2E6-0CC7-43E2-1330-254537E38835}"/>
+                </a:ext>
+              </a:extLst>
+            </p:cNvPr>
+            <p:cNvSpPr/>
+            <p:nvPr/>
+          </p:nvSpPr>
+          <p:spPr>
+            <a:xfrm>
+              <a:off x="3442447" y="161364"/>
+              <a:ext cx="4883972" cy="6620435"/>
+            </a:xfrm>
+            <a:prstGeom prst="roundRect">
+              <a:avLst/>
+            </a:prstGeom>
+            <a:solidFill>
+              <a:schemeClr val="tx2">
+                <a:lumMod val="10000"/>
+                <a:lumOff val="90000"/>
+              </a:schemeClr>
+            </a:solidFill>
+          </p:spPr>
+          <p:style>
+            <a:lnRef idx="2">
+              <a:schemeClr val="accent1">
+                <a:shade val="15000"/>
+              </a:schemeClr>
+            </a:lnRef>
+            <a:fillRef idx="1">
+              <a:schemeClr val="accent1"/>
+            </a:fillRef>
+            <a:effectRef idx="0">
+              <a:schemeClr val="accent1"/>
+            </a:effectRef>
+            <a:fontRef idx="minor">
+              <a:schemeClr val="lt1"/>
+            </a:fontRef>
+          </p:style>
+          <p:txBody>
+            <a:bodyPr rtlCol="0" anchor="ctr"/>
+            <a:lstStyle/>
+            <a:p>
+              <a:pPr algn="ctr"/>
+              <a:endParaRPr lang="en-US" sz="3600" dirty="0"/>
+            </a:p>
+          </p:txBody>
+        </p:sp>
         <p:sp>
           <p:nvSpPr>
             <p:cNvPr id="4" name="Rounded Rectangle 3">
@@ -3049,7 +3668,7 @@
             <a:p>
               <a:pPr algn="ctr"/>
               <a:r>
-                <a:rPr lang="en-US" dirty="0">
+                <a:rPr lang="en-US" sz="3600" dirty="0">
                   <a:solidFill>
                     <a:schemeClr val="bg1"/>
                   </a:solidFill>
@@ -3068,7 +3687,7 @@
             <a:p>
               <a:pPr algn="ctr"/>
               <a:r>
-                <a:rPr lang="en-US" dirty="0">
+                <a:rPr lang="en-US" sz="3600" dirty="0">
                   <a:solidFill>
                     <a:schemeClr val="bg1"/>
                   </a:solidFill>
@@ -3087,7 +3706,7 @@
             <a:p>
               <a:pPr algn="ctr"/>
               <a:r>
-                <a:rPr lang="en-US" dirty="0">
+                <a:rPr lang="en-US" sz="3600" dirty="0">
                   <a:solidFill>
                     <a:schemeClr val="bg1"/>
                   </a:solidFill>
@@ -3106,7 +3725,7 @@
             <a:p>
               <a:pPr algn="ctr"/>
               <a:r>
-                <a:rPr lang="en-US" dirty="0">
+                <a:rPr lang="en-US" sz="3600" dirty="0">
                   <a:solidFill>
                     <a:schemeClr val="bg1"/>
                   </a:solidFill>
@@ -3125,7 +3744,7 @@
             <a:p>
               <a:pPr algn="ctr"/>
               <a:r>
-                <a:rPr lang="en-US" dirty="0">
+                <a:rPr lang="en-US" sz="3600" dirty="0">
                   <a:solidFill>
                     <a:schemeClr val="bg1"/>
                   </a:solidFill>
@@ -3144,7 +3763,7 @@
             <a:p>
               <a:pPr algn="ctr"/>
               <a:r>
-                <a:rPr lang="en-US" dirty="0" err="1">
+                <a:rPr lang="en-US" sz="3600" dirty="0" err="1">
                   <a:solidFill>
                     <a:schemeClr val="bg1"/>
                   </a:solidFill>
@@ -3160,7 +3779,7 @@
                 <a:t>T</a:t>
               </a:r>
               <a:r>
-                <a:rPr lang="en-US" baseline="-25000" dirty="0" err="1">
+                <a:rPr lang="en-US" sz="3600" baseline="-25000" dirty="0" err="1">
                   <a:solidFill>
                     <a:schemeClr val="bg1"/>
                   </a:solidFill>
@@ -3175,7 +3794,7 @@
                 </a:rPr>
                 <a:t>eq</a:t>
               </a:r>
-              <a:endParaRPr lang="en-US" baseline="-25000" dirty="0">
+              <a:endParaRPr lang="en-US" sz="3600" baseline="-25000" dirty="0">
                 <a:solidFill>
                   <a:schemeClr val="bg1"/>
                 </a:solidFill>
@@ -3192,7 +3811,7 @@
             <a:p>
               <a:pPr algn="ctr"/>
               <a:r>
-                <a:rPr lang="en-US" dirty="0">
+                <a:rPr lang="en-US" sz="3600" dirty="0">
                   <a:solidFill>
                     <a:schemeClr val="bg1"/>
                   </a:solidFill>
@@ -3266,7 +3885,7 @@
             <a:p>
               <a:pPr algn="ctr"/>
               <a:r>
-                <a:rPr lang="en-US" dirty="0">
+                <a:rPr lang="en-US" sz="3600" dirty="0">
                   <a:solidFill>
                     <a:schemeClr val="bg1"/>
                   </a:solidFill>
@@ -3285,7 +3904,7 @@
             <a:p>
               <a:pPr algn="ctr"/>
               <a:r>
-                <a:rPr lang="en-US" dirty="0">
+                <a:rPr lang="en-US" sz="3600" dirty="0">
                   <a:solidFill>
                     <a:schemeClr val="bg1"/>
                   </a:solidFill>
@@ -3301,7 +3920,7 @@
                 <a:t>T</a:t>
               </a:r>
               <a:r>
-                <a:rPr lang="en-US" baseline="-25000" dirty="0">
+                <a:rPr lang="en-US" sz="3600" baseline="-25000" dirty="0">
                   <a:solidFill>
                     <a:schemeClr val="bg1"/>
                   </a:solidFill>
@@ -3320,7 +3939,7 @@
             <a:p>
               <a:pPr algn="ctr"/>
               <a:r>
-                <a:rPr lang="en-US" dirty="0">
+                <a:rPr lang="en-US" sz="3600" dirty="0">
                   <a:solidFill>
                     <a:schemeClr val="bg1"/>
                   </a:solidFill>
@@ -3339,7 +3958,7 @@
             <a:p>
               <a:pPr algn="ctr"/>
               <a:r>
-                <a:rPr lang="en-US" dirty="0">
+                <a:rPr lang="en-US" sz="3600" dirty="0">
                   <a:solidFill>
                     <a:schemeClr val="bg1"/>
                   </a:solidFill>
@@ -3358,7 +3977,7 @@
             <a:p>
               <a:pPr algn="ctr"/>
               <a:r>
-                <a:rPr lang="en-US" dirty="0">
+                <a:rPr lang="en-US" sz="3600" dirty="0">
                   <a:solidFill>
                     <a:schemeClr val="bg1"/>
                   </a:solidFill>
@@ -3377,7 +3996,7 @@
             <a:p>
               <a:pPr algn="ctr"/>
               <a:r>
-                <a:rPr lang="en-US" dirty="0">
+                <a:rPr lang="en-US" sz="3600" dirty="0">
                   <a:solidFill>
                     <a:schemeClr val="bg1"/>
                   </a:solidFill>
@@ -3443,7 +4062,7 @@
             <a:p>
               <a:pPr algn="ctr"/>
               <a:r>
-                <a:rPr lang="en-US" sz="2800" dirty="0">
+                <a:rPr lang="en-US" sz="5400" dirty="0">
                   <a:effectLst>
                     <a:outerShdw blurRad="50800" dist="38100" dir="2700000" algn="tl" rotWithShape="0">
                       <a:prstClr val="black">
@@ -3455,7 +4074,7 @@
                 </a:rPr>
                 <a:t>inputs</a:t>
               </a:r>
-              <a:endParaRPr lang="en-US" sz="2000" dirty="0">
+              <a:endParaRPr lang="en-US" sz="4000" dirty="0">
                 <a:effectLst>
                   <a:outerShdw blurRad="50800" dist="38100" dir="2700000" algn="tl" rotWithShape="0">
                     <a:prstClr val="black">
@@ -3524,7 +4143,7 @@
             <a:p>
               <a:pPr algn="ctr"/>
               <a:r>
-                <a:rPr lang="en-US" dirty="0">
+                <a:rPr lang="en-US" sz="3600" dirty="0">
                   <a:solidFill>
                     <a:schemeClr val="bg1"/>
                   </a:solidFill>
@@ -3543,7 +4162,7 @@
             <a:p>
               <a:pPr algn="ctr"/>
               <a:r>
-                <a:rPr lang="en-US" dirty="0">
+                <a:rPr lang="en-US" sz="3600" dirty="0">
                   <a:solidFill>
                     <a:schemeClr val="bg1"/>
                   </a:solidFill>
@@ -3562,7 +4181,7 @@
             <a:p>
               <a:pPr algn="ctr"/>
               <a:r>
-                <a:rPr lang="en-US" dirty="0">
+                <a:rPr lang="en-US" sz="3600" dirty="0">
                   <a:solidFill>
                     <a:schemeClr val="bg1"/>
                   </a:solidFill>
@@ -3578,7 +4197,7 @@
                 <a:t>Atm pressure: (10</a:t>
               </a:r>
               <a:r>
-                <a:rPr lang="en-US" baseline="30000" dirty="0">
+                <a:rPr lang="en-US" sz="3600" baseline="30000" dirty="0">
                   <a:solidFill>
                     <a:schemeClr val="bg1"/>
                   </a:solidFill>
@@ -3594,7 +4213,7 @@
                 <a:t>2.5</a:t>
               </a:r>
               <a:r>
-                <a:rPr lang="en-US" dirty="0">
+                <a:rPr lang="en-US" sz="3600" dirty="0">
                   <a:solidFill>
                     <a:schemeClr val="bg1"/>
                   </a:solidFill>
@@ -3610,7 +4229,7 @@
                 <a:t> – 10</a:t>
               </a:r>
               <a:r>
-                <a:rPr lang="en-US" baseline="30000" dirty="0">
+                <a:rPr lang="en-US" sz="3600" baseline="30000" dirty="0">
                   <a:solidFill>
                     <a:schemeClr val="bg1"/>
                   </a:solidFill>
@@ -3626,7 +4245,7 @@
                 <a:t>-6</a:t>
               </a:r>
               <a:r>
-                <a:rPr lang="en-US" dirty="0">
+                <a:rPr lang="en-US" sz="3600" dirty="0">
                   <a:solidFill>
                     <a:schemeClr val="bg1"/>
                   </a:solidFill>
@@ -3645,7 +4264,7 @@
             <a:p>
               <a:pPr algn="ctr"/>
               <a:r>
-                <a:rPr lang="en-US" dirty="0">
+                <a:rPr lang="en-US" sz="3600" dirty="0">
                   <a:solidFill>
                     <a:schemeClr val="bg1"/>
                   </a:solidFill>
@@ -3664,7 +4283,7 @@
             <a:p>
               <a:pPr algn="ctr"/>
               <a:r>
-                <a:rPr lang="en-US" dirty="0">
+                <a:rPr lang="en-US" sz="3600" dirty="0">
                   <a:solidFill>
                     <a:schemeClr val="bg1"/>
                   </a:solidFill>
@@ -3683,7 +4302,7 @@
             <a:p>
               <a:pPr algn="ctr"/>
               <a:r>
-                <a:rPr lang="en-US" dirty="0">
+                <a:rPr lang="en-US" sz="3600" dirty="0">
                   <a:solidFill>
                     <a:schemeClr val="bg1"/>
                   </a:solidFill>
@@ -3702,7 +4321,7 @@
             <a:p>
               <a:pPr algn="ctr"/>
               <a:r>
-                <a:rPr lang="en-US" dirty="0">
+                <a:rPr lang="en-US" sz="3600" dirty="0">
                   <a:solidFill>
                     <a:schemeClr val="bg1"/>
                   </a:solidFill>
@@ -3715,12 +4334,12 @@
                   </a:effectLst>
                   <a:latin typeface="Montserrat" pitchFamily="2" charset="77"/>
                 </a:rPr>
-                <a:t>Heat redistribution factor: 0.5</a:t>
+                <a:t>Stellar contribution factor: 0.5</a:t>
               </a:r>
             </a:p>
             <a:p>
               <a:pPr algn="ctr"/>
-              <a:endParaRPr lang="en-US" dirty="0">
+              <a:endParaRPr lang="en-US" sz="3600" dirty="0">
                 <a:solidFill>
                   <a:schemeClr val="bg1"/>
                 </a:solidFill>
@@ -3736,53 +4355,6 @@
             </a:p>
           </p:txBody>
         </p:sp>
-        <p:sp>
-          <p:nvSpPr>
-            <p:cNvPr id="9" name="Rounded Rectangle 8">
-              <a:extLst>
-                <a:ext uri="{FF2B5EF4-FFF2-40B4-BE49-F238E27FC236}">
-                  <a16:creationId xmlns:a16="http://schemas.microsoft.com/office/drawing/2014/main" id="{14B7B2E6-0CC7-43E2-1330-254537E38835}"/>
-                </a:ext>
-              </a:extLst>
-            </p:cNvPr>
-            <p:cNvSpPr/>
-            <p:nvPr/>
-          </p:nvSpPr>
-          <p:spPr>
-            <a:xfrm>
-              <a:off x="3442447" y="161364"/>
-              <a:ext cx="4883972" cy="6620435"/>
-            </a:xfrm>
-            <a:prstGeom prst="roundRect">
-              <a:avLst/>
-            </a:prstGeom>
-            <a:noFill/>
-          </p:spPr>
-          <p:style>
-            <a:lnRef idx="2">
-              <a:schemeClr val="accent1">
-                <a:shade val="15000"/>
-              </a:schemeClr>
-            </a:lnRef>
-            <a:fillRef idx="1">
-              <a:schemeClr val="accent1"/>
-            </a:fillRef>
-            <a:effectRef idx="0">
-              <a:schemeClr val="accent1"/>
-            </a:effectRef>
-            <a:fontRef idx="minor">
-              <a:schemeClr val="lt1"/>
-            </a:fontRef>
-          </p:style>
-          <p:txBody>
-            <a:bodyPr rtlCol="0" anchor="ctr"/>
-            <a:lstStyle/>
-            <a:p>
-              <a:pPr algn="ctr"/>
-              <a:endParaRPr lang="en-US"/>
-            </a:p>
-          </p:txBody>
-        </p:sp>
       </p:grpSp>
       <p:sp>
         <p:nvSpPr>
@@ -3798,8 +4370,8 @@
         </p:nvSpPr>
         <p:spPr>
           <a:xfrm>
-            <a:off x="5829898" y="356123"/>
-            <a:ext cx="2065282" cy="1220096"/>
+            <a:off x="11060929" y="897215"/>
+            <a:ext cx="4646885" cy="2745216"/>
           </a:xfrm>
           <a:prstGeom prst="ellipse">
             <a:avLst/>
@@ -3840,7 +4412,7 @@
           <a:p>
             <a:pPr algn="ctr"/>
             <a:r>
-              <a:rPr lang="en-US" sz="2000" dirty="0">
+              <a:rPr lang="en-US" sz="3600" dirty="0">
                 <a:effectLst>
                   <a:outerShdw blurRad="50800" dist="38100" dir="2700000" algn="tl" rotWithShape="0">
                     <a:prstClr val="black">
@@ -3873,8 +4445,8 @@
         </p:nvCxnSpPr>
         <p:spPr>
           <a:xfrm flipV="1">
-            <a:off x="5119893" y="966171"/>
-            <a:ext cx="710005" cy="1295040"/>
+            <a:off x="9443677" y="2269823"/>
+            <a:ext cx="1617252" cy="1425022"/>
           </a:xfrm>
           <a:prstGeom prst="straightConnector1">
             <a:avLst/>
@@ -3918,8 +4490,8 @@
         </p:nvSpPr>
         <p:spPr>
           <a:xfrm>
-            <a:off x="5938974" y="1725843"/>
-            <a:ext cx="2065282" cy="2006600"/>
+            <a:off x="15803636" y="1523412"/>
+            <a:ext cx="5603502" cy="4514850"/>
           </a:xfrm>
           <a:prstGeom prst="ellipse">
             <a:avLst/>
@@ -3960,7 +4532,7 @@
           <a:p>
             <a:pPr algn="ctr"/>
             <a:r>
-              <a:rPr lang="en-US" sz="2000" dirty="0">
+              <a:rPr lang="en-US" sz="3600" dirty="0">
                 <a:effectLst>
                   <a:outerShdw blurRad="50800" dist="38100" dir="2700000" algn="tl" rotWithShape="0">
                     <a:prstClr val="black">
@@ -3976,7 +4548,7 @@
           <a:p>
             <a:pPr algn="ctr"/>
             <a:r>
-              <a:rPr lang="en-US" sz="2000" dirty="0">
+              <a:rPr lang="en-US" sz="3600" dirty="0">
                 <a:effectLst>
                   <a:outerShdw blurRad="50800" dist="38100" dir="2700000" algn="tl" rotWithShape="0">
                     <a:prstClr val="black">
@@ -3986,7 +4558,33 @@
                 </a:effectLst>
                 <a:latin typeface="Montserrat" pitchFamily="2" charset="77"/>
               </a:rPr>
-              <a:t>(Guillot et al. 2010)</a:t>
+              <a:t>(Guillot et al. 2010 </a:t>
+            </a:r>
+            <a:r>
+              <a:rPr lang="en-US" sz="3600" dirty="0" err="1">
+                <a:effectLst>
+                  <a:outerShdw blurRad="50800" dist="38100" dir="2700000" algn="tl" rotWithShape="0">
+                    <a:prstClr val="black">
+                      <a:alpha val="40000"/>
+                    </a:prstClr>
+                  </a:outerShdw>
+                </a:effectLst>
+                <a:latin typeface="Montserrat" pitchFamily="2" charset="77"/>
+              </a:rPr>
+              <a:t>eqn</a:t>
+            </a:r>
+            <a:r>
+              <a:rPr lang="en-US" sz="3600" dirty="0">
+                <a:effectLst>
+                  <a:outerShdw blurRad="50800" dist="38100" dir="2700000" algn="tl" rotWithShape="0">
+                    <a:prstClr val="black">
+                      <a:alpha val="40000"/>
+                    </a:prstClr>
+                  </a:outerShdw>
+                </a:effectLst>
+                <a:latin typeface="Montserrat" pitchFamily="2" charset="77"/>
+              </a:rPr>
+              <a:t> 29)</a:t>
             </a:r>
           </a:p>
         </p:txBody>
@@ -4009,8 +4607,8 @@
         </p:nvCxnSpPr>
         <p:spPr>
           <a:xfrm flipV="1">
-            <a:off x="5367319" y="2729143"/>
-            <a:ext cx="571655" cy="1174239"/>
+            <a:off x="9920270" y="3780837"/>
+            <a:ext cx="5883366" cy="3077163"/>
           </a:xfrm>
           <a:prstGeom prst="straightConnector1">
             <a:avLst/>
@@ -4040,103 +4638,6 @@
           </a:fontRef>
         </p:style>
       </p:cxnSp>
-      <p:cxnSp>
-        <p:nvCxnSpPr>
-          <p:cNvPr id="24" name="Straight Arrow Connector 23">
-            <a:extLst>
-              <a:ext uri="{FF2B5EF4-FFF2-40B4-BE49-F238E27FC236}">
-                <a16:creationId xmlns:a16="http://schemas.microsoft.com/office/drawing/2014/main" id="{D0D62F7B-9CD1-6C91-4D48-F854B9D14A3A}"/>
-              </a:ext>
-            </a:extLst>
-          </p:cNvPr>
-          <p:cNvCxnSpPr>
-            <a:cxnSpLocks/>
-            <a:stCxn id="3" idx="6"/>
-            <a:endCxn id="53" idx="2"/>
-          </p:cNvCxnSpPr>
-          <p:nvPr/>
-        </p:nvCxnSpPr>
-        <p:spPr>
-          <a:xfrm>
-            <a:off x="7895180" y="966171"/>
-            <a:ext cx="994783" cy="1647999"/>
-          </a:xfrm>
-          <a:prstGeom prst="straightConnector1">
-            <a:avLst/>
-          </a:prstGeom>
-          <a:ln w="57150">
-            <a:solidFill>
-              <a:schemeClr val="tx1">
-                <a:lumMod val="75000"/>
-                <a:lumOff val="25000"/>
-              </a:schemeClr>
-            </a:solidFill>
-            <a:tailEnd type="triangle"/>
-          </a:ln>
-        </p:spPr>
-        <p:style>
-          <a:lnRef idx="2">
-            <a:schemeClr val="accent1"/>
-          </a:lnRef>
-          <a:fillRef idx="0">
-            <a:schemeClr val="accent1"/>
-          </a:fillRef>
-          <a:effectRef idx="1">
-            <a:schemeClr val="accent1"/>
-          </a:effectRef>
-          <a:fontRef idx="minor">
-            <a:schemeClr val="tx1"/>
-          </a:fontRef>
-        </p:style>
-      </p:cxnSp>
-      <p:sp>
-        <p:nvSpPr>
-          <p:cNvPr id="40" name="TextBox 39">
-            <a:extLst>
-              <a:ext uri="{FF2B5EF4-FFF2-40B4-BE49-F238E27FC236}">
-                <a16:creationId xmlns:a16="http://schemas.microsoft.com/office/drawing/2014/main" id="{16F4A9E0-992F-5874-88C3-3AF69C7F3E85}"/>
-              </a:ext>
-            </a:extLst>
-          </p:cNvPr>
-          <p:cNvSpPr txBox="1"/>
-          <p:nvPr/>
-        </p:nvSpPr>
-        <p:spPr>
-          <a:xfrm>
-            <a:off x="7569200" y="159368"/>
-            <a:ext cx="4699000" cy="369332"/>
-          </a:xfrm>
-          <a:prstGeom prst="rect">
-            <a:avLst/>
-          </a:prstGeom>
-          <a:noFill/>
-        </p:spPr>
-        <p:txBody>
-          <a:bodyPr wrap="square">
-            <a:spAutoFit/>
-          </a:bodyPr>
-          <a:lstStyle/>
-          <a:p>
-            <a:r>
-              <a:rPr lang="en-US" dirty="0"/>
-              <a:t>https://</a:t>
-            </a:r>
-            <a:r>
-              <a:rPr lang="en-US" dirty="0" err="1"/>
-              <a:t>natashabatalha.github.io</a:t>
-            </a:r>
-            <a:r>
-              <a:rPr lang="en-US" dirty="0"/>
-              <a:t>/</a:t>
-            </a:r>
-            <a:r>
-              <a:rPr lang="en-US" dirty="0" err="1"/>
-              <a:t>picaso_dev</a:t>
-            </a:r>
-            <a:endParaRPr lang="en-US" dirty="0"/>
-          </a:p>
-        </p:txBody>
-      </p:sp>
       <p:cxnSp>
         <p:nvCxnSpPr>
           <p:cNvPr id="41" name="Straight Arrow Connector 40">
@@ -4155,8 +4656,8 @@
         </p:nvCxnSpPr>
         <p:spPr>
           <a:xfrm flipV="1">
-            <a:off x="8004256" y="2614170"/>
-            <a:ext cx="885707" cy="114973"/>
+            <a:off x="21407138" y="2865009"/>
+            <a:ext cx="1063002" cy="915828"/>
           </a:xfrm>
           <a:prstGeom prst="straightConnector1">
             <a:avLst/>
@@ -4186,46 +4687,6 @@
           </a:fontRef>
         </p:style>
       </p:cxnSp>
-      <p:sp>
-        <p:nvSpPr>
-          <p:cNvPr id="49" name="TextBox 48">
-            <a:extLst>
-              <a:ext uri="{FF2B5EF4-FFF2-40B4-BE49-F238E27FC236}">
-                <a16:creationId xmlns:a16="http://schemas.microsoft.com/office/drawing/2014/main" id="{9BEF366D-5A68-DAAC-35AF-E8FAE05EF939}"/>
-              </a:ext>
-            </a:extLst>
-          </p:cNvPr>
-          <p:cNvSpPr txBox="1"/>
-          <p:nvPr/>
-        </p:nvSpPr>
-        <p:spPr>
-          <a:xfrm>
-            <a:off x="8609853" y="453215"/>
-            <a:ext cx="3145733" cy="369332"/>
-          </a:xfrm>
-          <a:prstGeom prst="rect">
-            <a:avLst/>
-          </a:prstGeom>
-          <a:noFill/>
-        </p:spPr>
-        <p:txBody>
-          <a:bodyPr wrap="none" rtlCol="0">
-            <a:spAutoFit/>
-          </a:bodyPr>
-          <a:lstStyle/>
-          <a:p>
-            <a:r>
-              <a:rPr lang="en-US" dirty="0"/>
-              <a:t>For how PICASO treats RT </a:t>
-            </a:r>
-            <a:r>
-              <a:rPr lang="en-US" dirty="0" err="1"/>
-              <a:t>eqn</a:t>
-            </a:r>
-            <a:endParaRPr lang="en-US" dirty="0"/>
-          </a:p>
-        </p:txBody>
-      </p:sp>
       <p:cxnSp>
         <p:nvCxnSpPr>
           <p:cNvPr id="50" name="Straight Arrow Connector 49">
@@ -4237,15 +4698,13 @@
           </p:cNvPr>
           <p:cNvCxnSpPr>
             <a:cxnSpLocks/>
-            <a:stCxn id="53" idx="1"/>
-            <a:endCxn id="66" idx="0"/>
           </p:cNvCxnSpPr>
           <p:nvPr/>
         </p:nvCxnSpPr>
         <p:spPr>
-          <a:xfrm flipH="1">
-            <a:off x="8359521" y="3700020"/>
-            <a:ext cx="1963254" cy="566558"/>
+          <a:xfrm>
+            <a:off x="28707000" y="2922930"/>
+            <a:ext cx="1435501" cy="310500"/>
           </a:xfrm>
           <a:prstGeom prst="straightConnector1">
             <a:avLst/>
@@ -4289,8 +4748,8 @@
         </p:nvSpPr>
         <p:spPr>
           <a:xfrm>
-            <a:off x="8889963" y="1528320"/>
-            <a:ext cx="2865623" cy="2171700"/>
+            <a:off x="22470140" y="1047633"/>
+            <a:ext cx="6236860" cy="3634751"/>
           </a:xfrm>
           <a:prstGeom prst="snip2SameRect">
             <a:avLst/>
@@ -4331,7 +4790,7 @@
           <a:p>
             <a:pPr algn="ctr"/>
             <a:r>
-              <a:rPr lang="en-US" dirty="0">
+              <a:rPr lang="en-US" sz="3600" dirty="0">
                 <a:effectLst>
                   <a:outerShdw blurRad="50800" dist="38100" dir="2700000" algn="tl" rotWithShape="0">
                     <a:prstClr val="black">
@@ -4346,7 +4805,7 @@
           </a:p>
           <a:p>
             <a:pPr algn="ctr"/>
-            <a:endParaRPr lang="en-US" dirty="0"/>
+            <a:endParaRPr lang="en-US" sz="4050" dirty="0"/>
           </a:p>
         </p:txBody>
       </p:sp>
@@ -4364,10 +4823,10 @@
         </p:nvGrpSpPr>
         <p:grpSpPr>
           <a:xfrm>
-            <a:off x="5917535" y="4266578"/>
-            <a:ext cx="4883972" cy="3947769"/>
-            <a:chOff x="1978567" y="4459631"/>
-            <a:chExt cx="4883972" cy="3947769"/>
+            <a:off x="30085024" y="1196051"/>
+            <a:ext cx="9407523" cy="4542684"/>
+            <a:chOff x="2356509" y="4459632"/>
+            <a:chExt cx="4181121" cy="2523852"/>
           </a:xfrm>
         </p:grpSpPr>
         <p:sp>
@@ -4384,7 +4843,7 @@
           </p:nvSpPr>
           <p:spPr>
             <a:xfrm>
-              <a:off x="2392083" y="5484676"/>
+              <a:off x="2546403" y="5139163"/>
               <a:ext cx="1757214" cy="749825"/>
             </a:xfrm>
             <a:prstGeom prst="rect">
@@ -4426,7 +4885,7 @@
             <a:p>
               <a:pPr algn="ctr"/>
               <a:r>
-                <a:rPr lang="en-US" dirty="0">
+                <a:rPr lang="en-US" sz="3600" dirty="0">
                   <a:effectLst>
                     <a:outerShdw blurRad="50800" dist="38100" dir="2700000" algn="tl" rotWithShape="0">
                       <a:prstClr val="black">
@@ -4455,8 +4914,8 @@
           </p:nvSpPr>
           <p:spPr>
             <a:xfrm>
-              <a:off x="2642054" y="4600918"/>
-              <a:ext cx="3711682" cy="425303"/>
+              <a:off x="3011185" y="4562638"/>
+              <a:ext cx="3141755" cy="419490"/>
             </a:xfrm>
             <a:prstGeom prst="rect">
               <a:avLst/>
@@ -4489,7 +4948,7 @@
             <a:p>
               <a:pPr algn="ctr"/>
               <a:r>
-                <a:rPr lang="en-US" sz="2800" dirty="0">
+                <a:rPr lang="en-US" sz="5400" dirty="0">
                   <a:effectLst>
                     <a:outerShdw blurRad="50800" dist="38100" dir="2700000" algn="tl" rotWithShape="0">
                       <a:prstClr val="black">
@@ -4499,9 +4958,9 @@
                   </a:effectLst>
                   <a:latin typeface="Cubano" pitchFamily="2" charset="0"/>
                 </a:rPr>
-                <a:t>Climate outputs</a:t>
+                <a:t>outputs</a:t>
               </a:r>
-              <a:endParaRPr lang="en-US" sz="2000" dirty="0">
+              <a:endParaRPr lang="en-US" sz="4000" dirty="0">
                 <a:effectLst>
                   <a:outerShdw blurRad="50800" dist="38100" dir="2700000" algn="tl" rotWithShape="0">
                     <a:prstClr val="black">
@@ -4528,8 +4987,8 @@
           </p:nvSpPr>
           <p:spPr>
             <a:xfrm>
-              <a:off x="1978567" y="4459631"/>
-              <a:ext cx="4883972" cy="3947769"/>
+              <a:off x="2356509" y="4459632"/>
+              <a:ext cx="4181121" cy="2523852"/>
             </a:xfrm>
             <a:prstGeom prst="roundRect">
               <a:avLst/>
@@ -4557,7 +5016,7 @@
             <a:lstStyle/>
             <a:p>
               <a:pPr algn="ctr"/>
-              <a:endParaRPr lang="en-US"/>
+              <a:endParaRPr lang="en-US" sz="3200"/>
             </a:p>
           </p:txBody>
         </p:sp>
@@ -4575,8 +5034,8 @@
           </p:nvSpPr>
           <p:spPr>
             <a:xfrm>
-              <a:off x="4458616" y="5213549"/>
-              <a:ext cx="2065282" cy="1389403"/>
+              <a:off x="4434150" y="5083619"/>
+              <a:ext cx="2065282" cy="872899"/>
             </a:xfrm>
             <a:prstGeom prst="rect">
               <a:avLst/>
@@ -4617,7 +5076,7 @@
             <a:p>
               <a:pPr algn="ctr"/>
               <a:r>
-                <a:rPr lang="en-US" dirty="0">
+                <a:rPr lang="en-US" sz="3600" dirty="0">
                   <a:effectLst>
                     <a:outerShdw blurRad="50800" dist="38100" dir="2700000" algn="tl" rotWithShape="0">
                       <a:prstClr val="black">
@@ -4627,7 +5086,7 @@
                   </a:effectLst>
                   <a:latin typeface="Montserrat" pitchFamily="2" charset="77"/>
                 </a:rPr>
-                <a:t>Molecular abundances as a function of pressure</a:t>
+                <a:t>Chemical structure (mol abundances)</a:t>
               </a:r>
             </a:p>
           </p:txBody>
@@ -4646,8 +5105,8 @@
           </p:nvSpPr>
           <p:spPr>
             <a:xfrm>
-              <a:off x="2371182" y="6790280"/>
-              <a:ext cx="2535385" cy="1333500"/>
+              <a:off x="3211981" y="6087714"/>
+              <a:ext cx="2535385" cy="749825"/>
             </a:xfrm>
             <a:prstGeom prst="rect">
               <a:avLst/>
@@ -4688,7 +5147,7 @@
             <a:p>
               <a:pPr algn="ctr"/>
               <a:r>
-                <a:rPr lang="en-US" dirty="0">
+                <a:rPr lang="en-US" sz="3600" dirty="0">
                   <a:effectLst>
                     <a:outerShdw blurRad="50800" dist="38100" dir="2700000" algn="tl" rotWithShape="0">
                       <a:prstClr val="black">
@@ -4698,61 +5157,12 @@
                   </a:effectLst>
                   <a:latin typeface="Montserrat" pitchFamily="2" charset="77"/>
                 </a:rPr>
-                <a:t>Prediction of what cloud species will condense where</a:t>
+                <a:t>Energy transport in atm</a:t>
               </a:r>
             </a:p>
           </p:txBody>
         </p:sp>
       </p:grpSp>
-      <p:cxnSp>
-        <p:nvCxnSpPr>
-          <p:cNvPr id="73" name="Straight Arrow Connector 72">
-            <a:extLst>
-              <a:ext uri="{FF2B5EF4-FFF2-40B4-BE49-F238E27FC236}">
-                <a16:creationId xmlns:a16="http://schemas.microsoft.com/office/drawing/2014/main" id="{A3B853B9-467C-50D8-D4FA-88B137688FAA}"/>
-              </a:ext>
-            </a:extLst>
-          </p:cNvPr>
-          <p:cNvCxnSpPr>
-            <a:cxnSpLocks/>
-            <a:stCxn id="82" idx="2"/>
-            <a:endCxn id="87" idx="0"/>
-          </p:cNvCxnSpPr>
-          <p:nvPr/>
-        </p:nvCxnSpPr>
-        <p:spPr>
-          <a:xfrm>
-            <a:off x="2972397" y="6894022"/>
-            <a:ext cx="360665" cy="543618"/>
-          </a:xfrm>
-          <a:prstGeom prst="straightConnector1">
-            <a:avLst/>
-          </a:prstGeom>
-          <a:ln w="57150">
-            <a:solidFill>
-              <a:schemeClr val="tx1">
-                <a:lumMod val="75000"/>
-                <a:lumOff val="25000"/>
-              </a:schemeClr>
-            </a:solidFill>
-            <a:tailEnd type="triangle"/>
-          </a:ln>
-        </p:spPr>
-        <p:style>
-          <a:lnRef idx="2">
-            <a:schemeClr val="accent1"/>
-          </a:lnRef>
-          <a:fillRef idx="0">
-            <a:schemeClr val="accent1"/>
-          </a:fillRef>
-          <a:effectRef idx="1">
-            <a:schemeClr val="accent1"/>
-          </a:effectRef>
-          <a:fontRef idx="minor">
-            <a:schemeClr val="tx1"/>
-          </a:fontRef>
-        </p:style>
-      </p:cxnSp>
       <p:sp>
         <p:nvSpPr>
           <p:cNvPr id="76" name="Snip Same Side Corner Rectangle 75">
@@ -4767,8 +5177,8 @@
         </p:nvSpPr>
         <p:spPr>
           <a:xfrm>
-            <a:off x="9341148" y="8430593"/>
-            <a:ext cx="2599521" cy="1810954"/>
+            <a:off x="28243186" y="7494425"/>
+            <a:ext cx="5848923" cy="4074647"/>
           </a:xfrm>
           <a:prstGeom prst="snip2SameRect">
             <a:avLst/>
@@ -4809,7 +5219,7 @@
           <a:p>
             <a:pPr algn="ctr"/>
             <a:r>
-              <a:rPr lang="en-US" dirty="0">
+              <a:rPr lang="en-US" sz="3600" dirty="0">
                 <a:effectLst>
                   <a:outerShdw blurRad="50800" dist="38100" dir="2700000" algn="tl" rotWithShape="0">
                     <a:prstClr val="black">
@@ -4824,59 +5234,10 @@
           </a:p>
           <a:p>
             <a:pPr algn="ctr"/>
-            <a:endParaRPr lang="en-US" dirty="0"/>
-          </a:p>
-        </p:txBody>
-      </p:sp>
-      <p:cxnSp>
-        <p:nvCxnSpPr>
-          <p:cNvPr id="77" name="Straight Arrow Connector 76">
-            <a:extLst>
-              <a:ext uri="{FF2B5EF4-FFF2-40B4-BE49-F238E27FC236}">
-                <a16:creationId xmlns:a16="http://schemas.microsoft.com/office/drawing/2014/main" id="{0F42077B-441D-0B9D-D7CE-3BB17FA026D7}"/>
-              </a:ext>
-            </a:extLst>
-          </p:cNvPr>
-          <p:cNvCxnSpPr>
-            <a:cxnSpLocks/>
-            <a:stCxn id="66" idx="2"/>
-            <a:endCxn id="76" idx="3"/>
-          </p:cNvCxnSpPr>
-          <p:nvPr/>
-        </p:nvCxnSpPr>
-        <p:spPr>
-          <a:xfrm>
-            <a:off x="8359521" y="8214347"/>
-            <a:ext cx="2281388" cy="216246"/>
-          </a:xfrm>
-          <a:prstGeom prst="straightConnector1">
-            <a:avLst/>
-          </a:prstGeom>
-          <a:ln w="57150">
-            <a:solidFill>
-              <a:schemeClr val="tx1">
-                <a:lumMod val="75000"/>
-                <a:lumOff val="25000"/>
-              </a:schemeClr>
-            </a:solidFill>
-            <a:tailEnd type="triangle"/>
-          </a:ln>
-        </p:spPr>
-        <p:style>
-          <a:lnRef idx="2">
-            <a:schemeClr val="accent1"/>
-          </a:lnRef>
-          <a:fillRef idx="0">
-            <a:schemeClr val="accent1"/>
-          </a:fillRef>
-          <a:effectRef idx="1">
-            <a:schemeClr val="accent1"/>
-          </a:effectRef>
-          <a:fontRef idx="minor">
-            <a:schemeClr val="tx1"/>
-          </a:fontRef>
-        </p:style>
-      </p:cxnSp>
+            <a:endParaRPr lang="en-US" sz="3600" dirty="0"/>
+          </a:p>
+        </p:txBody>
+      </p:sp>
       <p:sp>
         <p:nvSpPr>
           <p:cNvPr id="82" name="Rounded Rectangle 81">
@@ -4891,8 +5252,8 @@
         </p:nvSpPr>
         <p:spPr>
           <a:xfrm>
-            <a:off x="803685" y="6073934"/>
-            <a:ext cx="4337424" cy="820088"/>
+            <a:off x="1056537" y="11066069"/>
+            <a:ext cx="8354760" cy="1579656"/>
           </a:xfrm>
           <a:prstGeom prst="roundRect">
             <a:avLst/>
@@ -4933,7 +5294,7 @@
           <a:p>
             <a:pPr algn="ctr"/>
             <a:r>
-              <a:rPr lang="en-US" dirty="0">
+              <a:rPr lang="en-US" sz="3600" dirty="0">
                 <a:solidFill>
                   <a:schemeClr val="bg1"/>
                 </a:solidFill>
@@ -4952,7 +5313,7 @@
           <a:p>
             <a:pPr algn="ctr"/>
             <a:r>
-              <a:rPr lang="en-US" dirty="0">
+              <a:rPr lang="en-US" sz="3600" dirty="0">
                 <a:solidFill>
                   <a:schemeClr val="bg1"/>
                 </a:solidFill>
@@ -4968,7 +5329,7 @@
               <a:t>Sedimentation Efficiency </a:t>
             </a:r>
             <a:r>
-              <a:rPr lang="en-US" dirty="0" err="1">
+              <a:rPr lang="en-US" sz="3600" dirty="0" err="1">
                 <a:solidFill>
                   <a:schemeClr val="bg1"/>
                 </a:solidFill>
@@ -4983,7 +5344,7 @@
               </a:rPr>
               <a:t>f_sed</a:t>
             </a:r>
-            <a:endParaRPr lang="en-US" dirty="0">
+            <a:endParaRPr lang="en-US" sz="3600" dirty="0">
               <a:solidFill>
                 <a:schemeClr val="bg1"/>
               </a:solidFill>
@@ -5000,7 +5361,7 @@
           <a:p>
             <a:pPr algn="ctr"/>
             <a:r>
-              <a:rPr lang="en-US" dirty="0">
+              <a:rPr lang="en-US" sz="3600" dirty="0">
                 <a:solidFill>
                   <a:schemeClr val="bg1"/>
                 </a:solidFill>
@@ -5016,7 +5377,7 @@
               <a:t>Vertical mixing strength </a:t>
             </a:r>
             <a:r>
-              <a:rPr lang="en-US" dirty="0" err="1">
+              <a:rPr lang="en-US" sz="3600" dirty="0" err="1">
                 <a:solidFill>
                   <a:schemeClr val="bg1"/>
                 </a:solidFill>
@@ -5031,7 +5392,7 @@
               </a:rPr>
               <a:t>Kzz</a:t>
             </a:r>
-            <a:endParaRPr lang="en-US" dirty="0">
+            <a:endParaRPr lang="en-US" sz="3600" dirty="0">
               <a:solidFill>
                 <a:schemeClr val="bg1"/>
               </a:solidFill>
@@ -5061,8 +5422,8 @@
         </p:nvSpPr>
         <p:spPr>
           <a:xfrm>
-            <a:off x="2136495" y="7437640"/>
-            <a:ext cx="2393134" cy="1898430"/>
+            <a:off x="35092519" y="6954002"/>
+            <a:ext cx="4181432" cy="3707096"/>
           </a:xfrm>
           <a:prstGeom prst="ellipse">
             <a:avLst/>
@@ -5103,7 +5464,7 @@
           <a:p>
             <a:pPr algn="ctr"/>
             <a:r>
-              <a:rPr lang="en-US" sz="2000" dirty="0">
+              <a:rPr lang="en-US" sz="3600" dirty="0">
                 <a:effectLst>
                   <a:outerShdw blurRad="50800" dist="38100" dir="2700000" algn="tl" rotWithShape="0">
                     <a:prstClr val="black">
@@ -5118,55 +5479,6 @@
           </a:p>
         </p:txBody>
       </p:sp>
-      <p:cxnSp>
-        <p:nvCxnSpPr>
-          <p:cNvPr id="94" name="Straight Arrow Connector 93">
-            <a:extLst>
-              <a:ext uri="{FF2B5EF4-FFF2-40B4-BE49-F238E27FC236}">
-                <a16:creationId xmlns:a16="http://schemas.microsoft.com/office/drawing/2014/main" id="{BB1FE2E1-29C3-033B-933A-0952A307D62A}"/>
-              </a:ext>
-            </a:extLst>
-          </p:cNvPr>
-          <p:cNvCxnSpPr>
-            <a:cxnSpLocks/>
-            <a:stCxn id="70" idx="1"/>
-            <a:endCxn id="87" idx="6"/>
-          </p:cNvCxnSpPr>
-          <p:nvPr/>
-        </p:nvCxnSpPr>
-        <p:spPr>
-          <a:xfrm flipH="1">
-            <a:off x="4529629" y="7263977"/>
-            <a:ext cx="1780521" cy="1122878"/>
-          </a:xfrm>
-          <a:prstGeom prst="straightConnector1">
-            <a:avLst/>
-          </a:prstGeom>
-          <a:ln w="57150">
-            <a:solidFill>
-              <a:schemeClr val="tx1">
-                <a:lumMod val="75000"/>
-                <a:lumOff val="25000"/>
-              </a:schemeClr>
-            </a:solidFill>
-            <a:tailEnd type="triangle"/>
-          </a:ln>
-        </p:spPr>
-        <p:style>
-          <a:lnRef idx="2">
-            <a:schemeClr val="accent1"/>
-          </a:lnRef>
-          <a:fillRef idx="0">
-            <a:schemeClr val="accent1"/>
-          </a:fillRef>
-          <a:effectRef idx="1">
-            <a:schemeClr val="accent1"/>
-          </a:effectRef>
-          <a:fontRef idx="minor">
-            <a:schemeClr val="tx1"/>
-          </a:fontRef>
-        </p:style>
-      </p:cxnSp>
       <p:sp>
         <p:nvSpPr>
           <p:cNvPr id="104" name="Snip Same Side Corner Rectangle 103">
@@ -5181,8 +5493,8 @@
         </p:nvSpPr>
         <p:spPr>
           <a:xfrm>
-            <a:off x="5829898" y="8508504"/>
-            <a:ext cx="2599521" cy="1810954"/>
+            <a:off x="21237215" y="7494424"/>
+            <a:ext cx="5848923" cy="4074647"/>
           </a:xfrm>
           <a:prstGeom prst="snip2SameRect">
             <a:avLst/>
@@ -5223,7 +5535,7 @@
           <a:p>
             <a:pPr algn="ctr"/>
             <a:r>
-              <a:rPr lang="en-US" dirty="0">
+              <a:rPr lang="en-US" sz="3600" dirty="0">
                 <a:effectLst>
                   <a:outerShdw blurRad="50800" dist="38100" dir="2700000" algn="tl" rotWithShape="0">
                     <a:prstClr val="black">
@@ -5238,30 +5550,413 @@
           </a:p>
           <a:p>
             <a:pPr algn="ctr"/>
-            <a:endParaRPr lang="en-US" dirty="0"/>
+            <a:endParaRPr lang="en-US" sz="3600" dirty="0"/>
+          </a:p>
+        </p:txBody>
+      </p:sp>
+      <p:sp>
+        <p:nvSpPr>
+          <p:cNvPr id="140" name="TextBox 139">
+            <a:extLst>
+              <a:ext uri="{FF2B5EF4-FFF2-40B4-BE49-F238E27FC236}">
+                <a16:creationId xmlns:a16="http://schemas.microsoft.com/office/drawing/2014/main" id="{836F82C9-C9D4-28D1-8AF1-DB924EF0F5E4}"/>
+              </a:ext>
+            </a:extLst>
+          </p:cNvPr>
+          <p:cNvSpPr txBox="1"/>
+          <p:nvPr/>
+        </p:nvSpPr>
+        <p:spPr>
+          <a:xfrm>
+            <a:off x="21755383" y="4778738"/>
+            <a:ext cx="7935121" cy="1338828"/>
+          </a:xfrm>
+          <a:prstGeom prst="rect">
+            <a:avLst/>
+          </a:prstGeom>
+          <a:noFill/>
+        </p:spPr>
+        <p:txBody>
+          <a:bodyPr wrap="none" rtlCol="0">
+            <a:spAutoFit/>
+          </a:bodyPr>
+          <a:lstStyle/>
+          <a:p>
+            <a:pPr algn="ctr"/>
+            <a:r>
+              <a:rPr lang="en-US" sz="4050" dirty="0"/>
+              <a:t>See Mukherjee et al. 2022 Fig1 for</a:t>
+            </a:r>
+          </a:p>
+          <a:p>
+            <a:pPr algn="ctr"/>
+            <a:r>
+              <a:rPr lang="en-US" sz="4050" dirty="0"/>
+              <a:t>Climate solving diagram</a:t>
+            </a:r>
+          </a:p>
+        </p:txBody>
+      </p:sp>
+      <p:sp>
+        <p:nvSpPr>
+          <p:cNvPr id="178" name="Rectangle 177">
+            <a:extLst>
+              <a:ext uri="{FF2B5EF4-FFF2-40B4-BE49-F238E27FC236}">
+                <a16:creationId xmlns:a16="http://schemas.microsoft.com/office/drawing/2014/main" id="{A64F9232-1C2E-3081-BC46-4329E8CB1648}"/>
+              </a:ext>
+            </a:extLst>
+          </p:cNvPr>
+          <p:cNvSpPr/>
+          <p:nvPr/>
+        </p:nvSpPr>
+        <p:spPr>
+          <a:xfrm>
+            <a:off x="26588343" y="129984"/>
+            <a:ext cx="9158608" cy="725798"/>
+          </a:xfrm>
+          <a:prstGeom prst="rect">
+            <a:avLst/>
+          </a:prstGeom>
+          <a:solidFill>
+            <a:schemeClr val="bg2">
+              <a:lumMod val="50000"/>
+            </a:schemeClr>
+          </a:solidFill>
+        </p:spPr>
+        <p:style>
+          <a:lnRef idx="2">
+            <a:schemeClr val="accent1">
+              <a:shade val="15000"/>
+            </a:schemeClr>
+          </a:lnRef>
+          <a:fillRef idx="1">
+            <a:schemeClr val="accent1"/>
+          </a:fillRef>
+          <a:effectRef idx="0">
+            <a:schemeClr val="accent1"/>
+          </a:effectRef>
+          <a:fontRef idx="minor">
+            <a:schemeClr val="lt1"/>
+          </a:fontRef>
+        </p:style>
+        <p:txBody>
+          <a:bodyPr rtlCol="0" anchor="ctr"/>
+          <a:lstStyle/>
+          <a:p>
+            <a:pPr algn="ctr"/>
+            <a:r>
+              <a:rPr lang="en-US" sz="5400" dirty="0">
+                <a:effectLst>
+                  <a:outerShdw blurRad="50800" dist="38100" dir="2700000" algn="tl" rotWithShape="0">
+                    <a:prstClr val="black">
+                      <a:alpha val="40000"/>
+                    </a:prstClr>
+                  </a:outerShdw>
+                </a:effectLst>
+                <a:latin typeface="Cubano" pitchFamily="2" charset="0"/>
+              </a:rPr>
+              <a:t>Climate calculation step</a:t>
+            </a:r>
+            <a:endParaRPr lang="en-US" sz="4000" dirty="0">
+              <a:effectLst>
+                <a:outerShdw blurRad="50800" dist="38100" dir="2700000" algn="tl" rotWithShape="0">
+                  <a:prstClr val="black">
+                    <a:alpha val="40000"/>
+                  </a:prstClr>
+                </a:outerShdw>
+              </a:effectLst>
+              <a:latin typeface="Cubano" pitchFamily="2" charset="0"/>
+            </a:endParaRPr>
           </a:p>
         </p:txBody>
       </p:sp>
       <p:cxnSp>
         <p:nvCxnSpPr>
-          <p:cNvPr id="109" name="Straight Arrow Connector 108">
+          <p:cNvPr id="193" name="Elbow Connector 192">
             <a:extLst>
               <a:ext uri="{FF2B5EF4-FFF2-40B4-BE49-F238E27FC236}">
-                <a16:creationId xmlns:a16="http://schemas.microsoft.com/office/drawing/2014/main" id="{1F100E5F-4140-176C-610D-641F11798DC1}"/>
+                <a16:creationId xmlns:a16="http://schemas.microsoft.com/office/drawing/2014/main" id="{04E0848E-FBA3-B6B7-E308-097B48DB9DCC}"/>
               </a:ext>
             </a:extLst>
           </p:cNvPr>
           <p:cNvCxnSpPr>
             <a:cxnSpLocks/>
-            <a:stCxn id="87" idx="5"/>
-            <a:endCxn id="104" idx="2"/>
+            <a:stCxn id="82" idx="2"/>
           </p:cNvCxnSpPr>
           <p:nvPr/>
         </p:nvCxnSpPr>
         <p:spPr>
+          <a:xfrm rot="5400000" flipH="1" flipV="1">
+            <a:off x="20326372" y="-4402755"/>
+            <a:ext cx="1956025" cy="32140936"/>
+          </a:xfrm>
+          <a:prstGeom prst="bentConnector4">
+            <a:avLst>
+              <a:gd name="adj1" fmla="val -11687"/>
+              <a:gd name="adj2" fmla="val 99986"/>
+            </a:avLst>
+          </a:prstGeom>
+          <a:ln w="57150">
+            <a:solidFill>
+              <a:schemeClr val="tx1">
+                <a:lumMod val="75000"/>
+                <a:lumOff val="25000"/>
+              </a:schemeClr>
+            </a:solidFill>
+            <a:tailEnd type="triangle"/>
+          </a:ln>
+        </p:spPr>
+        <p:style>
+          <a:lnRef idx="2">
+            <a:schemeClr val="accent1"/>
+          </a:lnRef>
+          <a:fillRef idx="0">
+            <a:schemeClr val="accent1"/>
+          </a:fillRef>
+          <a:effectRef idx="1">
+            <a:schemeClr val="accent1"/>
+          </a:effectRef>
+          <a:fontRef idx="minor">
+            <a:schemeClr val="tx1"/>
+          </a:fontRef>
+        </p:style>
+      </p:cxnSp>
+      <p:cxnSp>
+        <p:nvCxnSpPr>
+          <p:cNvPr id="200" name="Elbow Connector 199">
+            <a:extLst>
+              <a:ext uri="{FF2B5EF4-FFF2-40B4-BE49-F238E27FC236}">
+                <a16:creationId xmlns:a16="http://schemas.microsoft.com/office/drawing/2014/main" id="{5857B0F2-A4EF-2904-9898-23C36C544F1F}"/>
+              </a:ext>
+            </a:extLst>
+          </p:cNvPr>
+          <p:cNvCxnSpPr>
+            <a:cxnSpLocks/>
+            <a:stCxn id="66" idx="3"/>
+            <a:endCxn id="87" idx="6"/>
+          </p:cNvCxnSpPr>
+          <p:nvPr/>
+        </p:nvCxnSpPr>
+        <p:spPr>
+          <a:xfrm flipH="1">
+            <a:off x="39273951" y="3467393"/>
+            <a:ext cx="218596" cy="5340157"/>
+          </a:xfrm>
+          <a:prstGeom prst="bentConnector3">
+            <a:avLst>
+              <a:gd name="adj1" fmla="val -104576"/>
+            </a:avLst>
+          </a:prstGeom>
+          <a:ln w="57150">
+            <a:solidFill>
+              <a:schemeClr val="tx1">
+                <a:lumMod val="75000"/>
+                <a:lumOff val="25000"/>
+              </a:schemeClr>
+            </a:solidFill>
+            <a:tailEnd type="triangle"/>
+          </a:ln>
+        </p:spPr>
+        <p:style>
+          <a:lnRef idx="2">
+            <a:schemeClr val="accent1"/>
+          </a:lnRef>
+          <a:fillRef idx="0">
+            <a:schemeClr val="accent1"/>
+          </a:fillRef>
+          <a:effectRef idx="1">
+            <a:schemeClr val="accent1"/>
+          </a:effectRef>
+          <a:fontRef idx="minor">
+            <a:schemeClr val="tx1"/>
+          </a:fontRef>
+        </p:style>
+      </p:cxnSp>
+      <p:cxnSp>
+        <p:nvCxnSpPr>
+          <p:cNvPr id="209" name="Elbow Connector 208">
+            <a:extLst>
+              <a:ext uri="{FF2B5EF4-FFF2-40B4-BE49-F238E27FC236}">
+                <a16:creationId xmlns:a16="http://schemas.microsoft.com/office/drawing/2014/main" id="{1511BCD8-CE29-5F7C-86A1-7227FAAB0FB7}"/>
+              </a:ext>
+            </a:extLst>
+          </p:cNvPr>
+          <p:cNvCxnSpPr>
+            <a:cxnSpLocks/>
+            <a:stCxn id="70" idx="2"/>
+            <a:endCxn id="76" idx="0"/>
+          </p:cNvCxnSpPr>
+          <p:nvPr/>
+        </p:nvCxnSpPr>
+        <p:spPr>
+          <a:xfrm rot="5400000">
+            <a:off x="32449277" y="7118881"/>
+            <a:ext cx="4055700" cy="770036"/>
+          </a:xfrm>
+          <a:prstGeom prst="bentConnector2">
+            <a:avLst/>
+          </a:prstGeom>
+          <a:ln w="57150">
+            <a:solidFill>
+              <a:schemeClr val="tx1">
+                <a:lumMod val="75000"/>
+                <a:lumOff val="25000"/>
+              </a:schemeClr>
+            </a:solidFill>
+            <a:tailEnd type="triangle"/>
+          </a:ln>
+        </p:spPr>
+        <p:style>
+          <a:lnRef idx="2">
+            <a:schemeClr val="accent1"/>
+          </a:lnRef>
+          <a:fillRef idx="0">
+            <a:schemeClr val="accent1"/>
+          </a:fillRef>
+          <a:effectRef idx="1">
+            <a:schemeClr val="accent1"/>
+          </a:effectRef>
+          <a:fontRef idx="minor">
+            <a:schemeClr val="tx1"/>
+          </a:fontRef>
+        </p:style>
+      </p:cxnSp>
+      <p:sp>
+        <p:nvSpPr>
+          <p:cNvPr id="224" name="Rectangle 223">
+            <a:extLst>
+              <a:ext uri="{FF2B5EF4-FFF2-40B4-BE49-F238E27FC236}">
+                <a16:creationId xmlns:a16="http://schemas.microsoft.com/office/drawing/2014/main" id="{1F47D4F1-9BFF-2D16-2511-505BC5183128}"/>
+              </a:ext>
+            </a:extLst>
+          </p:cNvPr>
+          <p:cNvSpPr/>
+          <p:nvPr/>
+        </p:nvSpPr>
+        <p:spPr>
           <a:xfrm>
-            <a:off x="4179163" y="9058051"/>
-            <a:ext cx="1650735" cy="355930"/>
+            <a:off x="22221686" y="6506432"/>
+            <a:ext cx="11024937" cy="757997"/>
+          </a:xfrm>
+          <a:prstGeom prst="rect">
+            <a:avLst/>
+          </a:prstGeom>
+          <a:solidFill>
+            <a:schemeClr val="bg2">
+              <a:lumMod val="50000"/>
+            </a:schemeClr>
+          </a:solidFill>
+        </p:spPr>
+        <p:style>
+          <a:lnRef idx="2">
+            <a:schemeClr val="accent1">
+              <a:shade val="15000"/>
+            </a:schemeClr>
+          </a:lnRef>
+          <a:fillRef idx="1">
+            <a:schemeClr val="accent1"/>
+          </a:fillRef>
+          <a:effectRef idx="0">
+            <a:schemeClr val="accent1"/>
+          </a:effectRef>
+          <a:fontRef idx="minor">
+            <a:schemeClr val="lt1"/>
+          </a:fontRef>
+        </p:style>
+        <p:txBody>
+          <a:bodyPr rtlCol="0" anchor="ctr"/>
+          <a:lstStyle/>
+          <a:p>
+            <a:pPr algn="ctr"/>
+            <a:r>
+              <a:rPr lang="en-US" sz="5400" dirty="0">
+                <a:effectLst>
+                  <a:outerShdw blurRad="50800" dist="38100" dir="2700000" algn="tl" rotWithShape="0">
+                    <a:prstClr val="black">
+                      <a:alpha val="40000"/>
+                    </a:prstClr>
+                  </a:outerShdw>
+                </a:effectLst>
+                <a:latin typeface="Cubano" pitchFamily="2" charset="0"/>
+              </a:rPr>
+              <a:t>Spectrum computation step</a:t>
+            </a:r>
+            <a:endParaRPr lang="en-US" sz="4000" dirty="0">
+              <a:effectLst>
+                <a:outerShdw blurRad="50800" dist="38100" dir="2700000" algn="tl" rotWithShape="0">
+                  <a:prstClr val="black">
+                    <a:alpha val="40000"/>
+                  </a:prstClr>
+                </a:outerShdw>
+              </a:effectLst>
+              <a:latin typeface="Cubano" pitchFamily="2" charset="0"/>
+            </a:endParaRPr>
+          </a:p>
+        </p:txBody>
+      </p:sp>
+      <p:sp>
+        <p:nvSpPr>
+          <p:cNvPr id="225" name="TextBox 224">
+            <a:extLst>
+              <a:ext uri="{FF2B5EF4-FFF2-40B4-BE49-F238E27FC236}">
+                <a16:creationId xmlns:a16="http://schemas.microsoft.com/office/drawing/2014/main" id="{BE86166F-A696-10D2-B418-A4E86A769348}"/>
+              </a:ext>
+            </a:extLst>
+          </p:cNvPr>
+          <p:cNvSpPr txBox="1"/>
+          <p:nvPr/>
+        </p:nvSpPr>
+        <p:spPr>
+          <a:xfrm>
+            <a:off x="37600838" y="10524765"/>
+            <a:ext cx="3547162" cy="3208571"/>
+          </a:xfrm>
+          <a:prstGeom prst="rect">
+            <a:avLst/>
+          </a:prstGeom>
+          <a:noFill/>
+        </p:spPr>
+        <p:txBody>
+          <a:bodyPr wrap="square" rtlCol="0">
+            <a:spAutoFit/>
+          </a:bodyPr>
+          <a:lstStyle/>
+          <a:p>
+            <a:pPr algn="ctr"/>
+            <a:r>
+              <a:rPr lang="en-US" sz="4050" dirty="0"/>
+              <a:t>See Batalha et al. 2025 for</a:t>
+            </a:r>
+          </a:p>
+          <a:p>
+            <a:pPr algn="ctr"/>
+            <a:r>
+              <a:rPr lang="en-US" sz="4050" dirty="0"/>
+              <a:t>how Virga computes cloud profile</a:t>
+            </a:r>
+          </a:p>
+        </p:txBody>
+      </p:sp>
+      <p:cxnSp>
+        <p:nvCxnSpPr>
+          <p:cNvPr id="233" name="Straight Arrow Connector 232">
+            <a:extLst>
+              <a:ext uri="{FF2B5EF4-FFF2-40B4-BE49-F238E27FC236}">
+                <a16:creationId xmlns:a16="http://schemas.microsoft.com/office/drawing/2014/main" id="{E89BDFA3-5591-EBEE-0B03-132E080DABBA}"/>
+              </a:ext>
+            </a:extLst>
+          </p:cNvPr>
+          <p:cNvCxnSpPr>
+            <a:cxnSpLocks/>
+            <a:stCxn id="104" idx="2"/>
+            <a:endCxn id="115" idx="3"/>
+          </p:cNvCxnSpPr>
+          <p:nvPr/>
+        </p:nvCxnSpPr>
+        <p:spPr>
+          <a:xfrm flipH="1" flipV="1">
+            <a:off x="19022893" y="9521854"/>
+            <a:ext cx="2214322" cy="9894"/>
           </a:xfrm>
           <a:prstGeom prst="straightConnector1">
             <a:avLst/>
@@ -5291,488 +5986,32 @@
           </a:fontRef>
         </p:style>
       </p:cxnSp>
-      <p:grpSp>
-        <p:nvGrpSpPr>
-          <p:cNvPr id="137" name="Group 136">
+      <p:cxnSp>
+        <p:nvCxnSpPr>
+          <p:cNvPr id="238" name="Elbow Connector 237">
             <a:extLst>
               <a:ext uri="{FF2B5EF4-FFF2-40B4-BE49-F238E27FC236}">
-                <a16:creationId xmlns:a16="http://schemas.microsoft.com/office/drawing/2014/main" id="{39A60383-6F34-6BA2-310A-99A38304F537}"/>
-              </a:ext>
-            </a:extLst>
-          </p:cNvPr>
-          <p:cNvGrpSpPr/>
-          <p:nvPr/>
-        </p:nvGrpSpPr>
-        <p:grpSpPr>
-          <a:xfrm>
-            <a:off x="694914" y="9732251"/>
-            <a:ext cx="4883972" cy="2913102"/>
-            <a:chOff x="1788281" y="11159533"/>
-            <a:chExt cx="4883972" cy="2913102"/>
-          </a:xfrm>
-        </p:grpSpPr>
-        <p:grpSp>
-          <p:nvGrpSpPr>
-            <p:cNvPr id="112" name="Group 111">
-              <a:extLst>
-                <a:ext uri="{FF2B5EF4-FFF2-40B4-BE49-F238E27FC236}">
-                  <a16:creationId xmlns:a16="http://schemas.microsoft.com/office/drawing/2014/main" id="{3E836723-AA02-58FC-F3F5-EC923E259BA0}"/>
-                </a:ext>
-              </a:extLst>
-            </p:cNvPr>
-            <p:cNvGrpSpPr/>
-            <p:nvPr/>
-          </p:nvGrpSpPr>
-          <p:grpSpPr>
-            <a:xfrm>
-              <a:off x="1788281" y="11159533"/>
-              <a:ext cx="4883972" cy="2913102"/>
-              <a:chOff x="1978567" y="4459632"/>
-              <a:chExt cx="4883972" cy="2913102"/>
-            </a:xfrm>
-          </p:grpSpPr>
-          <p:sp>
-            <p:nvSpPr>
-              <p:cNvPr id="113" name="Rectangle 112">
-                <a:extLst>
-                  <a:ext uri="{FF2B5EF4-FFF2-40B4-BE49-F238E27FC236}">
-                    <a16:creationId xmlns:a16="http://schemas.microsoft.com/office/drawing/2014/main" id="{3FDAF9FB-9333-9763-06EC-12A16E426BF2}"/>
-                  </a:ext>
-                </a:extLst>
-              </p:cNvPr>
-              <p:cNvSpPr/>
-              <p:nvPr/>
-            </p:nvSpPr>
-            <p:spPr>
-              <a:xfrm>
-                <a:off x="2535583" y="5296244"/>
-                <a:ext cx="1757214" cy="749825"/>
-              </a:xfrm>
-              <a:prstGeom prst="rect">
-                <a:avLst/>
-              </a:prstGeom>
-              <a:solidFill>
-                <a:schemeClr val="bg1">
-                  <a:lumMod val="65000"/>
-                </a:schemeClr>
-              </a:solidFill>
-              <a:ln>
-                <a:solidFill>
-                  <a:schemeClr val="tx1">
-                    <a:lumMod val="75000"/>
-                    <a:lumOff val="25000"/>
-                  </a:schemeClr>
-                </a:solidFill>
-              </a:ln>
-            </p:spPr>
-            <p:style>
-              <a:lnRef idx="2">
-                <a:schemeClr val="accent1">
-                  <a:shade val="15000"/>
-                </a:schemeClr>
-              </a:lnRef>
-              <a:fillRef idx="1">
-                <a:schemeClr val="accent1"/>
-              </a:fillRef>
-              <a:effectRef idx="0">
-                <a:schemeClr val="accent1"/>
-              </a:effectRef>
-              <a:fontRef idx="minor">
-                <a:schemeClr val="lt1"/>
-              </a:fontRef>
-            </p:style>
-            <p:txBody>
-              <a:bodyPr rtlCol="0" anchor="ctr"/>
-              <a:lstStyle/>
-              <a:p>
-                <a:pPr algn="ctr"/>
-                <a:r>
-                  <a:rPr lang="en-US" dirty="0">
-                    <a:effectLst>
-                      <a:outerShdw blurRad="50800" dist="38100" dir="2700000" algn="tl" rotWithShape="0">
-                        <a:prstClr val="black">
-                          <a:alpha val="40000"/>
-                        </a:prstClr>
-                      </a:outerShdw>
-                    </a:effectLst>
-                    <a:latin typeface="Montserrat" pitchFamily="2" charset="77"/>
-                  </a:rPr>
-                  <a:t>Star Spectrum</a:t>
-                </a:r>
-              </a:p>
-            </p:txBody>
-          </p:sp>
-          <p:sp>
-            <p:nvSpPr>
-              <p:cNvPr id="114" name="Rectangle 113">
-                <a:extLst>
-                  <a:ext uri="{FF2B5EF4-FFF2-40B4-BE49-F238E27FC236}">
-                    <a16:creationId xmlns:a16="http://schemas.microsoft.com/office/drawing/2014/main" id="{63A07BBD-16C9-25E9-A726-DC910321AB2C}"/>
-                  </a:ext>
-                </a:extLst>
-              </p:cNvPr>
-              <p:cNvSpPr/>
-              <p:nvPr/>
-            </p:nvSpPr>
-            <p:spPr>
-              <a:xfrm>
-                <a:off x="2642054" y="4600918"/>
-                <a:ext cx="3711682" cy="425303"/>
-              </a:xfrm>
-              <a:prstGeom prst="rect">
-                <a:avLst/>
-              </a:prstGeom>
-              <a:solidFill>
-                <a:schemeClr val="bg2">
-                  <a:lumMod val="50000"/>
-                </a:schemeClr>
-              </a:solidFill>
-            </p:spPr>
-            <p:style>
-              <a:lnRef idx="2">
-                <a:schemeClr val="accent1">
-                  <a:shade val="15000"/>
-                </a:schemeClr>
-              </a:lnRef>
-              <a:fillRef idx="1">
-                <a:schemeClr val="accent1"/>
-              </a:fillRef>
-              <a:effectRef idx="0">
-                <a:schemeClr val="accent1"/>
-              </a:effectRef>
-              <a:fontRef idx="minor">
-                <a:schemeClr val="lt1"/>
-              </a:fontRef>
-            </p:style>
-            <p:txBody>
-              <a:bodyPr rtlCol="0" anchor="ctr"/>
-              <a:lstStyle/>
-              <a:p>
-                <a:pPr algn="ctr"/>
-                <a:r>
-                  <a:rPr lang="en-US" sz="2800" dirty="0">
-                    <a:effectLst>
-                      <a:outerShdw blurRad="50800" dist="38100" dir="2700000" algn="tl" rotWithShape="0">
-                        <a:prstClr val="black">
-                          <a:alpha val="40000"/>
-                        </a:prstClr>
-                      </a:outerShdw>
-                    </a:effectLst>
-                    <a:latin typeface="Cubano" pitchFamily="2" charset="0"/>
-                  </a:rPr>
-                  <a:t>spectra output</a:t>
-                </a:r>
-                <a:endParaRPr lang="en-US" sz="2000" dirty="0">
-                  <a:effectLst>
-                    <a:outerShdw blurRad="50800" dist="38100" dir="2700000" algn="tl" rotWithShape="0">
-                      <a:prstClr val="black">
-                        <a:alpha val="40000"/>
-                      </a:prstClr>
-                    </a:outerShdw>
-                  </a:effectLst>
-                  <a:latin typeface="Cubano" pitchFamily="2" charset="0"/>
-                </a:endParaRPr>
-              </a:p>
-            </p:txBody>
-          </p:sp>
-          <p:sp>
-            <p:nvSpPr>
-              <p:cNvPr id="115" name="Rounded Rectangle 114">
-                <a:extLst>
-                  <a:ext uri="{FF2B5EF4-FFF2-40B4-BE49-F238E27FC236}">
-                    <a16:creationId xmlns:a16="http://schemas.microsoft.com/office/drawing/2014/main" id="{768AD562-9EA1-4F25-A664-79FCD28B6D45}"/>
-                  </a:ext>
-                </a:extLst>
-              </p:cNvPr>
-              <p:cNvSpPr/>
-              <p:nvPr/>
-            </p:nvSpPr>
-            <p:spPr>
-              <a:xfrm>
-                <a:off x="1978567" y="4459632"/>
-                <a:ext cx="4883972" cy="2913102"/>
-              </a:xfrm>
-              <a:prstGeom prst="roundRect">
-                <a:avLst/>
-              </a:prstGeom>
-              <a:noFill/>
-            </p:spPr>
-            <p:style>
-              <a:lnRef idx="2">
-                <a:schemeClr val="accent1">
-                  <a:shade val="15000"/>
-                </a:schemeClr>
-              </a:lnRef>
-              <a:fillRef idx="1">
-                <a:schemeClr val="accent1"/>
-              </a:fillRef>
-              <a:effectRef idx="0">
-                <a:schemeClr val="accent1"/>
-              </a:effectRef>
-              <a:fontRef idx="minor">
-                <a:schemeClr val="lt1"/>
-              </a:fontRef>
-            </p:style>
-            <p:txBody>
-              <a:bodyPr rtlCol="0" anchor="ctr"/>
-              <a:lstStyle/>
-              <a:p>
-                <a:pPr algn="ctr"/>
-                <a:endParaRPr lang="en-US"/>
-              </a:p>
-            </p:txBody>
-          </p:sp>
-          <p:sp>
-            <p:nvSpPr>
-              <p:cNvPr id="116" name="Rectangle 115">
-                <a:extLst>
-                  <a:ext uri="{FF2B5EF4-FFF2-40B4-BE49-F238E27FC236}">
-                    <a16:creationId xmlns:a16="http://schemas.microsoft.com/office/drawing/2014/main" id="{7A5C9657-EB97-0691-EBC4-C49AD39ABDDB}"/>
-                  </a:ext>
-                </a:extLst>
-              </p:cNvPr>
-              <p:cNvSpPr/>
-              <p:nvPr/>
-            </p:nvSpPr>
-            <p:spPr>
-              <a:xfrm>
-                <a:off x="4458616" y="5213549"/>
-                <a:ext cx="2065282" cy="915217"/>
-              </a:xfrm>
-              <a:prstGeom prst="rect">
-                <a:avLst/>
-              </a:prstGeom>
-              <a:solidFill>
-                <a:schemeClr val="bg1">
-                  <a:lumMod val="65000"/>
-                </a:schemeClr>
-              </a:solidFill>
-              <a:ln>
-                <a:solidFill>
-                  <a:schemeClr val="tx1">
-                    <a:lumMod val="75000"/>
-                    <a:lumOff val="25000"/>
-                  </a:schemeClr>
-                </a:solidFill>
-              </a:ln>
-            </p:spPr>
-            <p:style>
-              <a:lnRef idx="2">
-                <a:schemeClr val="accent1">
-                  <a:shade val="15000"/>
-                </a:schemeClr>
-              </a:lnRef>
-              <a:fillRef idx="1">
-                <a:schemeClr val="accent1"/>
-              </a:fillRef>
-              <a:effectRef idx="0">
-                <a:schemeClr val="accent1"/>
-              </a:effectRef>
-              <a:fontRef idx="minor">
-                <a:schemeClr val="lt1"/>
-              </a:fontRef>
-            </p:style>
-            <p:txBody>
-              <a:bodyPr rtlCol="0" anchor="ctr"/>
-              <a:lstStyle/>
-              <a:p>
-                <a:pPr algn="ctr"/>
-                <a:r>
-                  <a:rPr lang="en-US" dirty="0">
-                    <a:effectLst>
-                      <a:outerShdw blurRad="50800" dist="38100" dir="2700000" algn="tl" rotWithShape="0">
-                        <a:prstClr val="black">
-                          <a:alpha val="40000"/>
-                        </a:prstClr>
-                      </a:outerShdw>
-                    </a:effectLst>
-                    <a:latin typeface="Montserrat" pitchFamily="2" charset="77"/>
-                  </a:rPr>
-                  <a:t>Geometric Albedo Spectra</a:t>
-                </a:r>
-              </a:p>
-            </p:txBody>
-          </p:sp>
-        </p:grpSp>
-        <p:sp>
-          <p:nvSpPr>
-            <p:cNvPr id="119" name="Rectangle 118">
-              <a:extLst>
-                <a:ext uri="{FF2B5EF4-FFF2-40B4-BE49-F238E27FC236}">
-                  <a16:creationId xmlns:a16="http://schemas.microsoft.com/office/drawing/2014/main" id="{C7C3B697-E564-BBC4-45C1-2A9553D318C1}"/>
-                </a:ext>
-              </a:extLst>
-            </p:cNvPr>
-            <p:cNvSpPr/>
-            <p:nvPr/>
-          </p:nvSpPr>
-          <p:spPr>
-            <a:xfrm>
-              <a:off x="2203048" y="12951694"/>
-              <a:ext cx="2065282" cy="915217"/>
-            </a:xfrm>
-            <a:prstGeom prst="rect">
-              <a:avLst/>
-            </a:prstGeom>
-            <a:solidFill>
-              <a:schemeClr val="bg1">
-                <a:lumMod val="65000"/>
-              </a:schemeClr>
-            </a:solidFill>
-            <a:ln>
-              <a:solidFill>
-                <a:schemeClr val="tx1">
-                  <a:lumMod val="75000"/>
-                  <a:lumOff val="25000"/>
-                </a:schemeClr>
-              </a:solidFill>
-            </a:ln>
-          </p:spPr>
-          <p:style>
-            <a:lnRef idx="2">
-              <a:schemeClr val="accent1">
-                <a:shade val="15000"/>
-              </a:schemeClr>
-            </a:lnRef>
-            <a:fillRef idx="1">
-              <a:schemeClr val="accent1"/>
-            </a:fillRef>
-            <a:effectRef idx="0">
-              <a:schemeClr val="accent1"/>
-            </a:effectRef>
-            <a:fontRef idx="minor">
-              <a:schemeClr val="lt1"/>
-            </a:fontRef>
-          </p:style>
-          <p:txBody>
-            <a:bodyPr rtlCol="0" anchor="ctr"/>
-            <a:lstStyle/>
-            <a:p>
-              <a:pPr algn="ctr"/>
-              <a:r>
-                <a:rPr lang="en-US" dirty="0" err="1">
-                  <a:effectLst>
-                    <a:outerShdw blurRad="50800" dist="38100" dir="2700000" algn="tl" rotWithShape="0">
-                      <a:prstClr val="black">
-                        <a:alpha val="40000"/>
-                      </a:prstClr>
-                    </a:outerShdw>
-                  </a:effectLst>
-                  <a:latin typeface="Montserrat" pitchFamily="2" charset="77"/>
-                </a:rPr>
-                <a:t>Fp</a:t>
-              </a:r>
-              <a:r>
-                <a:rPr lang="en-US" dirty="0">
-                  <a:effectLst>
-                    <a:outerShdw blurRad="50800" dist="38100" dir="2700000" algn="tl" rotWithShape="0">
-                      <a:prstClr val="black">
-                        <a:alpha val="40000"/>
-                      </a:prstClr>
-                    </a:outerShdw>
-                  </a:effectLst>
-                  <a:latin typeface="Montserrat" pitchFamily="2" charset="77"/>
-                </a:rPr>
-                <a:t>/Fs Contrast Spectra</a:t>
-              </a:r>
-            </a:p>
-          </p:txBody>
-        </p:sp>
-        <p:sp>
-          <p:nvSpPr>
-            <p:cNvPr id="120" name="Rectangle 119">
-              <a:extLst>
-                <a:ext uri="{FF2B5EF4-FFF2-40B4-BE49-F238E27FC236}">
-                  <a16:creationId xmlns:a16="http://schemas.microsoft.com/office/drawing/2014/main" id="{1806EC86-0DE6-2BD3-465F-1A5EE30AB3AE}"/>
-                </a:ext>
-              </a:extLst>
-            </p:cNvPr>
-            <p:cNvSpPr/>
-            <p:nvPr/>
-          </p:nvSpPr>
-          <p:spPr>
-            <a:xfrm>
-              <a:off x="4345672" y="12951694"/>
-              <a:ext cx="2065282" cy="915217"/>
-            </a:xfrm>
-            <a:prstGeom prst="rect">
-              <a:avLst/>
-            </a:prstGeom>
-            <a:solidFill>
-              <a:schemeClr val="bg1">
-                <a:lumMod val="65000"/>
-              </a:schemeClr>
-            </a:solidFill>
-            <a:ln>
-              <a:solidFill>
-                <a:schemeClr val="tx1">
-                  <a:lumMod val="75000"/>
-                  <a:lumOff val="25000"/>
-                </a:schemeClr>
-              </a:solidFill>
-            </a:ln>
-          </p:spPr>
-          <p:style>
-            <a:lnRef idx="2">
-              <a:schemeClr val="accent1">
-                <a:shade val="15000"/>
-              </a:schemeClr>
-            </a:lnRef>
-            <a:fillRef idx="1">
-              <a:schemeClr val="accent1"/>
-            </a:fillRef>
-            <a:effectRef idx="0">
-              <a:schemeClr val="accent1"/>
-            </a:effectRef>
-            <a:fontRef idx="minor">
-              <a:schemeClr val="lt1"/>
-            </a:fontRef>
-          </p:style>
-          <p:txBody>
-            <a:bodyPr rtlCol="0" anchor="ctr"/>
-            <a:lstStyle/>
-            <a:p>
-              <a:pPr algn="ctr"/>
-              <a:r>
-                <a:rPr lang="en-US" dirty="0">
-                  <a:effectLst>
-                    <a:outerShdw blurRad="50800" dist="38100" dir="2700000" algn="tl" rotWithShape="0">
-                      <a:prstClr val="black">
-                        <a:alpha val="40000"/>
-                      </a:prstClr>
-                    </a:outerShdw>
-                  </a:effectLst>
-                  <a:latin typeface="Montserrat" pitchFamily="2" charset="77"/>
-                </a:rPr>
-                <a:t>Planet Spectra</a:t>
-              </a:r>
-            </a:p>
-          </p:txBody>
-        </p:sp>
-      </p:grpSp>
-      <p:cxnSp>
-        <p:nvCxnSpPr>
-          <p:cNvPr id="121" name="Straight Arrow Connector 120">
-            <a:extLst>
-              <a:ext uri="{FF2B5EF4-FFF2-40B4-BE49-F238E27FC236}">
-                <a16:creationId xmlns:a16="http://schemas.microsoft.com/office/drawing/2014/main" id="{5CB4FB9C-FB5C-B273-27BB-9782E59BBC4A}"/>
+                <a16:creationId xmlns:a16="http://schemas.microsoft.com/office/drawing/2014/main" id="{A15E88A5-E3CF-2D6E-D7CC-C093A3FA5F83}"/>
               </a:ext>
             </a:extLst>
           </p:cNvPr>
           <p:cNvCxnSpPr>
             <a:cxnSpLocks/>
-            <a:stCxn id="104" idx="1"/>
+            <a:stCxn id="76" idx="1"/>
             <a:endCxn id="115" idx="3"/>
           </p:cNvCxnSpPr>
           <p:nvPr/>
         </p:nvCxnSpPr>
         <p:spPr>
-          <a:xfrm flipH="1">
-            <a:off x="5578886" y="10319458"/>
-            <a:ext cx="1550773" cy="869344"/>
+          <a:xfrm rot="5400000" flipH="1">
+            <a:off x="24071662" y="4473086"/>
+            <a:ext cx="2047218" cy="12144755"/>
           </a:xfrm>
-          <a:prstGeom prst="straightConnector1">
-            <a:avLst/>
+          <a:prstGeom prst="bentConnector4">
+            <a:avLst>
+              <a:gd name="adj1" fmla="val -11166"/>
+              <a:gd name="adj2" fmla="val 92157"/>
+            </a:avLst>
           </a:prstGeom>
           <a:ln w="57150">
             <a:solidFill>
@@ -5799,55 +6038,79 @@
           </a:fontRef>
         </p:style>
       </p:cxnSp>
-      <p:cxnSp>
-        <p:nvCxnSpPr>
-          <p:cNvPr id="125" name="Straight Arrow Connector 124">
+      <p:sp>
+        <p:nvSpPr>
+          <p:cNvPr id="114" name="Rectangle 113">
             <a:extLst>
               <a:ext uri="{FF2B5EF4-FFF2-40B4-BE49-F238E27FC236}">
-                <a16:creationId xmlns:a16="http://schemas.microsoft.com/office/drawing/2014/main" id="{282D78C7-EF19-851B-98B6-BE408EEFDD43}"/>
+                <a16:creationId xmlns:a16="http://schemas.microsoft.com/office/drawing/2014/main" id="{63A07BBD-16C9-25E9-A726-DC910321AB2C}"/>
               </a:ext>
             </a:extLst>
           </p:cNvPr>
-          <p:cNvCxnSpPr>
-            <a:cxnSpLocks/>
-            <a:stCxn id="76" idx="1"/>
-            <a:endCxn id="115" idx="3"/>
-          </p:cNvCxnSpPr>
+          <p:cNvSpPr/>
           <p:nvPr/>
-        </p:nvCxnSpPr>
+        </p:nvSpPr>
         <p:spPr>
-          <a:xfrm flipH="1">
-            <a:off x="5578886" y="10241547"/>
-            <a:ext cx="5062023" cy="947255"/>
+          <a:xfrm>
+            <a:off x="12318166" y="7172276"/>
+            <a:ext cx="5896435" cy="759757"/>
           </a:xfrm>
-          <a:prstGeom prst="straightConnector1">
+          <a:prstGeom prst="rect">
             <a:avLst/>
           </a:prstGeom>
-          <a:ln w="57150">
-            <a:solidFill>
-              <a:schemeClr val="tx1">
-                <a:lumMod val="75000"/>
-                <a:lumOff val="25000"/>
-              </a:schemeClr>
-            </a:solidFill>
-            <a:tailEnd type="triangle"/>
-          </a:ln>
+          <a:solidFill>
+            <a:schemeClr val="bg2">
+              <a:lumMod val="50000"/>
+            </a:schemeClr>
+          </a:solidFill>
         </p:spPr>
         <p:style>
           <a:lnRef idx="2">
-            <a:schemeClr val="accent1"/>
+            <a:schemeClr val="accent1">
+              <a:shade val="15000"/>
+            </a:schemeClr>
           </a:lnRef>
-          <a:fillRef idx="0">
+          <a:fillRef idx="1">
             <a:schemeClr val="accent1"/>
           </a:fillRef>
-          <a:effectRef idx="1">
+          <a:effectRef idx="0">
             <a:schemeClr val="accent1"/>
           </a:effectRef>
           <a:fontRef idx="minor">
-            <a:schemeClr val="tx1"/>
+            <a:schemeClr val="lt1"/>
           </a:fontRef>
         </p:style>
-      </p:cxnSp>
+        <p:txBody>
+          <a:bodyPr rtlCol="0" anchor="ctr"/>
+          <a:lstStyle/>
+          <a:p>
+            <a:pPr algn="ctr"/>
+            <a:r>
+              <a:rPr lang="en-US" sz="5400" dirty="0">
+                <a:effectLst>
+                  <a:outerShdw blurRad="50800" dist="38100" dir="2700000" algn="tl" rotWithShape="0">
+                    <a:prstClr val="black">
+                      <a:alpha val="40000"/>
+                    </a:prstClr>
+                  </a:outerShdw>
+                </a:effectLst>
+                <a:latin typeface="Cubano" pitchFamily="2" charset="0"/>
+              </a:rPr>
+              <a:t>Final output</a:t>
+            </a:r>
+            <a:endParaRPr lang="en-US" sz="4000" dirty="0">
+              <a:effectLst>
+                <a:outerShdw blurRad="50800" dist="38100" dir="2700000" algn="tl" rotWithShape="0">
+                  <a:prstClr val="black">
+                    <a:alpha val="40000"/>
+                  </a:prstClr>
+                </a:outerShdw>
+              </a:effectLst>
+              <a:latin typeface="Cubano" pitchFamily="2" charset="0"/>
+            </a:endParaRPr>
+          </a:p>
+        </p:txBody>
+      </p:sp>
     </p:spTree>
     <p:extLst>
       <p:ext uri="{BB962C8B-B14F-4D97-AF65-F5344CB8AC3E}">

--- a/docs/source/images/Computation-Diagram.pptx
+++ b/docs/source/images/Computation-Diagram.pptx
@@ -4704,7 +4704,7 @@
         <p:spPr>
           <a:xfrm>
             <a:off x="28707000" y="2922930"/>
-            <a:ext cx="1435501" cy="310500"/>
+            <a:ext cx="1378024" cy="508002"/>
           </a:xfrm>
           <a:prstGeom prst="straightConnector1">
             <a:avLst/>
@@ -5422,7 +5422,7 @@
         </p:nvSpPr>
         <p:spPr>
           <a:xfrm>
-            <a:off x="35092519" y="6954002"/>
+            <a:off x="35243067" y="6919884"/>
             <a:ext cx="4181432" cy="3707096"/>
           </a:xfrm>
           <a:prstGeom prst="ellipse">
@@ -5682,18 +5682,18 @@
           <p:cNvCxnSpPr>
             <a:cxnSpLocks/>
             <a:stCxn id="82" idx="2"/>
+            <a:endCxn id="87" idx="4"/>
           </p:cNvCxnSpPr>
           <p:nvPr/>
         </p:nvCxnSpPr>
         <p:spPr>
           <a:xfrm rot="5400000" flipH="1" flipV="1">
-            <a:off x="20326372" y="-4402755"/>
-            <a:ext cx="1956025" cy="32140936"/>
+            <a:off x="20274477" y="-4413580"/>
+            <a:ext cx="2018745" cy="32099866"/>
           </a:xfrm>
-          <a:prstGeom prst="bentConnector4">
+          <a:prstGeom prst="bentConnector3">
             <a:avLst>
-              <a:gd name="adj1" fmla="val -11687"/>
-              <a:gd name="adj2" fmla="val 99986"/>
+              <a:gd name="adj1" fmla="val -11324"/>
             </a:avLst>
           </a:prstGeom>
           <a:ln w="57150">
@@ -5739,12 +5739,12 @@
         </p:nvCxnSpPr>
         <p:spPr>
           <a:xfrm flipH="1">
-            <a:off x="39273951" y="3467393"/>
-            <a:ext cx="218596" cy="5340157"/>
+            <a:off x="39424499" y="3467393"/>
+            <a:ext cx="68048" cy="5306039"/>
           </a:xfrm>
           <a:prstGeom prst="bentConnector3">
             <a:avLst>
-              <a:gd name="adj1" fmla="val -104576"/>
+              <a:gd name="adj1" fmla="val -335939"/>
             </a:avLst>
           </a:prstGeom>
           <a:ln w="57150">
@@ -5783,15 +5783,15 @@
           </p:cNvPr>
           <p:cNvCxnSpPr>
             <a:cxnSpLocks/>
-            <a:stCxn id="70" idx="2"/>
+            <a:stCxn id="66" idx="2"/>
             <a:endCxn id="76" idx="0"/>
           </p:cNvCxnSpPr>
           <p:nvPr/>
         </p:nvCxnSpPr>
         <p:spPr>
           <a:xfrm rot="5400000">
-            <a:off x="32449277" y="7118881"/>
-            <a:ext cx="4055700" cy="770036"/>
+            <a:off x="32543941" y="7286904"/>
+            <a:ext cx="3793014" cy="696677"/>
           </a:xfrm>
           <a:prstGeom prst="bentConnector2">
             <a:avLst/>
@@ -6111,6 +6111,104 @@
           </a:p>
         </p:txBody>
       </p:sp>
+      <p:cxnSp>
+        <p:nvCxnSpPr>
+          <p:cNvPr id="266" name="Elbow Connector 265">
+            <a:extLst>
+              <a:ext uri="{FF2B5EF4-FFF2-40B4-BE49-F238E27FC236}">
+                <a16:creationId xmlns:a16="http://schemas.microsoft.com/office/drawing/2014/main" id="{0CA269E4-E154-3CC8-9195-9EB4C8C8E548}"/>
+              </a:ext>
+            </a:extLst>
+          </p:cNvPr>
+          <p:cNvCxnSpPr>
+            <a:cxnSpLocks/>
+            <a:stCxn id="87" idx="3"/>
+            <a:endCxn id="104" idx="1"/>
+          </p:cNvCxnSpPr>
+          <p:nvPr/>
+        </p:nvCxnSpPr>
+        <p:spPr>
+          <a:xfrm rot="5400000">
+            <a:off x="29266060" y="4979706"/>
+            <a:ext cx="1484983" cy="11693747"/>
+          </a:xfrm>
+          <a:prstGeom prst="bentConnector3">
+            <a:avLst>
+              <a:gd name="adj1" fmla="val 168174"/>
+            </a:avLst>
+          </a:prstGeom>
+          <a:ln w="57150">
+            <a:solidFill>
+              <a:schemeClr val="tx1">
+                <a:lumMod val="75000"/>
+                <a:lumOff val="25000"/>
+              </a:schemeClr>
+            </a:solidFill>
+            <a:tailEnd type="triangle"/>
+          </a:ln>
+        </p:spPr>
+        <p:style>
+          <a:lnRef idx="2">
+            <a:schemeClr val="accent1"/>
+          </a:lnRef>
+          <a:fillRef idx="0">
+            <a:schemeClr val="accent1"/>
+          </a:fillRef>
+          <a:effectRef idx="1">
+            <a:schemeClr val="accent1"/>
+          </a:effectRef>
+          <a:fontRef idx="minor">
+            <a:schemeClr val="tx1"/>
+          </a:fontRef>
+        </p:style>
+      </p:cxnSp>
+      <p:cxnSp>
+        <p:nvCxnSpPr>
+          <p:cNvPr id="278" name="Straight Arrow Connector 277">
+            <a:extLst>
+              <a:ext uri="{FF2B5EF4-FFF2-40B4-BE49-F238E27FC236}">
+                <a16:creationId xmlns:a16="http://schemas.microsoft.com/office/drawing/2014/main" id="{DC41AC29-64F2-0CB1-FAB0-5ED859D57B0E}"/>
+              </a:ext>
+            </a:extLst>
+          </p:cNvPr>
+          <p:cNvCxnSpPr>
+            <a:stCxn id="76" idx="2"/>
+          </p:cNvCxnSpPr>
+          <p:nvPr/>
+        </p:nvCxnSpPr>
+        <p:spPr>
+          <a:xfrm flipH="1" flipV="1">
+            <a:off x="27086138" y="9531747"/>
+            <a:ext cx="1157048" cy="2"/>
+          </a:xfrm>
+          <a:prstGeom prst="straightConnector1">
+            <a:avLst/>
+          </a:prstGeom>
+          <a:ln w="57150">
+            <a:solidFill>
+              <a:schemeClr val="tx1">
+                <a:lumMod val="75000"/>
+                <a:lumOff val="25000"/>
+              </a:schemeClr>
+            </a:solidFill>
+            <a:tailEnd type="triangle"/>
+          </a:ln>
+        </p:spPr>
+        <p:style>
+          <a:lnRef idx="2">
+            <a:schemeClr val="accent1"/>
+          </a:lnRef>
+          <a:fillRef idx="0">
+            <a:schemeClr val="accent1"/>
+          </a:fillRef>
+          <a:effectRef idx="1">
+            <a:schemeClr val="accent1"/>
+          </a:effectRef>
+          <a:fontRef idx="minor">
+            <a:schemeClr val="tx1"/>
+          </a:fontRef>
+        </p:style>
+      </p:cxnSp>
     </p:spTree>
     <p:extLst>
       <p:ext uri="{BB962C8B-B14F-4D97-AF65-F5344CB8AC3E}">

--- a/docs/source/images/Computation-Diagram.pptx
+++ b/docs/source/images/Computation-Diagram.pptx
@@ -2987,7 +2987,7 @@
         </p:nvSpPr>
         <p:spPr>
           <a:xfrm>
-            <a:off x="21789600" y="922022"/>
+            <a:off x="21789600" y="600740"/>
             <a:ext cx="17988847" cy="5449575"/>
           </a:xfrm>
           <a:prstGeom prst="rect">
@@ -3047,7 +3047,7 @@
         </p:nvSpPr>
         <p:spPr>
           <a:xfrm>
-            <a:off x="11264140" y="6919884"/>
+            <a:off x="11264140" y="7438878"/>
             <a:ext cx="7758753" cy="5203939"/>
           </a:xfrm>
           <a:prstGeom prst="roundRect">
@@ -3170,7 +3170,7 @@
         </p:nvSpPr>
         <p:spPr>
           <a:xfrm>
-            <a:off x="15407621" y="8230268"/>
+            <a:off x="15407621" y="8749262"/>
             <a:ext cx="3280939" cy="1634935"/>
           </a:xfrm>
           <a:prstGeom prst="rect">
@@ -3374,7 +3374,7 @@
         </p:nvSpPr>
         <p:spPr>
           <a:xfrm>
-            <a:off x="15326851" y="10121384"/>
+            <a:off x="15326851" y="10640378"/>
             <a:ext cx="3280939" cy="1634935"/>
           </a:xfrm>
           <a:prstGeom prst="rect">
@@ -3445,7 +3445,7 @@
         </p:nvSpPr>
         <p:spPr>
           <a:xfrm>
-            <a:off x="20513918" y="6752450"/>
+            <a:off x="20513918" y="7271444"/>
             <a:ext cx="14038695" cy="5449575"/>
           </a:xfrm>
           <a:prstGeom prst="rect">
@@ -4823,7 +4823,7 @@
         </p:nvGrpSpPr>
         <p:grpSpPr>
           <a:xfrm>
-            <a:off x="30085024" y="1196051"/>
+            <a:off x="30085024" y="1097195"/>
             <a:ext cx="9407523" cy="4542684"/>
             <a:chOff x="2356509" y="4459632"/>
             <a:chExt cx="4181121" cy="2523852"/>
@@ -5177,7 +5177,7 @@
         </p:nvSpPr>
         <p:spPr>
           <a:xfrm>
-            <a:off x="28243186" y="7494425"/>
+            <a:off x="28243186" y="8013419"/>
             <a:ext cx="5848923" cy="4074647"/>
           </a:xfrm>
           <a:prstGeom prst="snip2SameRect">
@@ -5422,7 +5422,7 @@
         </p:nvSpPr>
         <p:spPr>
           <a:xfrm>
-            <a:off x="35243067" y="6919884"/>
+            <a:off x="35069106" y="6597479"/>
             <a:ext cx="4181432" cy="3707096"/>
           </a:xfrm>
           <a:prstGeom prst="ellipse">
@@ -5493,7 +5493,7 @@
         </p:nvSpPr>
         <p:spPr>
           <a:xfrm>
-            <a:off x="21237215" y="7494424"/>
+            <a:off x="21237215" y="8013418"/>
             <a:ext cx="5848923" cy="4074647"/>
           </a:xfrm>
           <a:prstGeom prst="snip2SameRect">
@@ -5688,12 +5688,12 @@
         </p:nvCxnSpPr>
         <p:spPr>
           <a:xfrm rot="5400000" flipH="1" flipV="1">
-            <a:off x="20274477" y="-4413580"/>
-            <a:ext cx="2018745" cy="32099866"/>
+            <a:off x="20026294" y="-4487803"/>
+            <a:ext cx="2341150" cy="31925905"/>
           </a:xfrm>
           <a:prstGeom prst="bentConnector3">
             <a:avLst>
-              <a:gd name="adj1" fmla="val -11324"/>
+              <a:gd name="adj1" fmla="val -17153"/>
             </a:avLst>
           </a:prstGeom>
           <a:ln w="57150">
@@ -5739,12 +5739,12 @@
         </p:nvCxnSpPr>
         <p:spPr>
           <a:xfrm flipH="1">
-            <a:off x="39424499" y="3467393"/>
-            <a:ext cx="68048" cy="5306039"/>
+            <a:off x="39250538" y="3368537"/>
+            <a:ext cx="242009" cy="5082490"/>
           </a:xfrm>
           <a:prstGeom prst="bentConnector3">
             <a:avLst>
-              <a:gd name="adj1" fmla="val -335939"/>
+              <a:gd name="adj1" fmla="val -319119"/>
             </a:avLst>
           </a:prstGeom>
           <a:ln w="57150">
@@ -5790,8 +5790,8 @@
         </p:nvCxnSpPr>
         <p:spPr>
           <a:xfrm rot="5400000">
-            <a:off x="32543941" y="7286904"/>
-            <a:ext cx="3793014" cy="696677"/>
+            <a:off x="32235016" y="7496973"/>
+            <a:ext cx="4410864" cy="696677"/>
           </a:xfrm>
           <a:prstGeom prst="bentConnector2">
             <a:avLst/>
@@ -5835,8 +5835,8 @@
         </p:nvSpPr>
         <p:spPr>
           <a:xfrm>
-            <a:off x="22221686" y="6506432"/>
-            <a:ext cx="11024937" cy="757997"/>
+            <a:off x="22152193" y="6436968"/>
+            <a:ext cx="11024937" cy="1494770"/>
           </a:xfrm>
           <a:prstGeom prst="rect">
             <a:avLst/>
@@ -5879,6 +5879,22 @@
                 </a:effectLst>
                 <a:latin typeface="Cubano" pitchFamily="2" charset="0"/>
               </a:rPr>
+              <a:t>Post-process and </a:t>
+            </a:r>
+          </a:p>
+          <a:p>
+            <a:pPr algn="ctr"/>
+            <a:r>
+              <a:rPr lang="en-US" sz="5400" dirty="0">
+                <a:effectLst>
+                  <a:outerShdw blurRad="50800" dist="38100" dir="2700000" algn="tl" rotWithShape="0">
+                    <a:prstClr val="black">
+                      <a:alpha val="40000"/>
+                    </a:prstClr>
+                  </a:outerShdw>
+                </a:effectLst>
+                <a:latin typeface="Cubano" pitchFamily="2" charset="0"/>
+              </a:rPr>
               <a:t>Spectrum computation step</a:t>
             </a:r>
             <a:endParaRPr lang="en-US" sz="4000" dirty="0">
@@ -5908,8 +5924,8 @@
         </p:nvSpPr>
         <p:spPr>
           <a:xfrm>
-            <a:off x="37600838" y="10524765"/>
-            <a:ext cx="3547162" cy="3208571"/>
+            <a:off x="37012473" y="10524765"/>
+            <a:ext cx="4135527" cy="2862322"/>
           </a:xfrm>
           <a:prstGeom prst="rect">
             <a:avLst/>
@@ -5924,14 +5940,14 @@
           <a:p>
             <a:pPr algn="ctr"/>
             <a:r>
-              <a:rPr lang="en-US" sz="4050" dirty="0"/>
+              <a:rPr lang="en-US" sz="3600" dirty="0"/>
               <a:t>See Batalha et al. 2025 for</a:t>
             </a:r>
           </a:p>
           <a:p>
             <a:pPr algn="ctr"/>
             <a:r>
-              <a:rPr lang="en-US" sz="4050" dirty="0"/>
+              <a:rPr lang="en-US" sz="3600" dirty="0"/>
               <a:t>how Virga computes cloud profile</a:t>
             </a:r>
           </a:p>
@@ -5955,7 +5971,7 @@
         </p:nvCxnSpPr>
         <p:spPr>
           <a:xfrm flipH="1" flipV="1">
-            <a:off x="19022893" y="9521854"/>
+            <a:off x="19022893" y="10040848"/>
             <a:ext cx="2214322" cy="9894"/>
           </a:xfrm>
           <a:prstGeom prst="straightConnector1">
@@ -6004,7 +6020,7 @@
         </p:nvCxnSpPr>
         <p:spPr>
           <a:xfrm rot="5400000" flipH="1">
-            <a:off x="24071662" y="4473086"/>
+            <a:off x="24071662" y="4992080"/>
             <a:ext cx="2047218" cy="12144755"/>
           </a:xfrm>
           <a:prstGeom prst="bentConnector4">
@@ -6052,7 +6068,7 @@
         </p:nvSpPr>
         <p:spPr>
           <a:xfrm>
-            <a:off x="12318166" y="7172276"/>
+            <a:off x="12318166" y="7691270"/>
             <a:ext cx="5896435" cy="759757"/>
           </a:xfrm>
           <a:prstGeom prst="rect">
@@ -6122,19 +6138,19 @@
           </p:cNvPr>
           <p:cNvCxnSpPr>
             <a:cxnSpLocks/>
-            <a:stCxn id="87" idx="3"/>
             <a:endCxn id="104" idx="1"/>
           </p:cNvCxnSpPr>
           <p:nvPr/>
         </p:nvCxnSpPr>
         <p:spPr>
-          <a:xfrm rot="5400000">
-            <a:off x="29266060" y="4979706"/>
-            <a:ext cx="1484983" cy="11693747"/>
+          <a:xfrm rot="10800000" flipV="1">
+            <a:off x="24161677" y="9741321"/>
+            <a:ext cx="11585274" cy="2346744"/>
           </a:xfrm>
-          <a:prstGeom prst="bentConnector3">
+          <a:prstGeom prst="bentConnector4">
             <a:avLst>
-              <a:gd name="adj1" fmla="val 168174"/>
+              <a:gd name="adj1" fmla="val 48"/>
+              <a:gd name="adj2" fmla="val 152918"/>
             </a:avLst>
           </a:prstGeom>
           <a:ln w="57150">
@@ -6178,7 +6194,7 @@
         </p:nvCxnSpPr>
         <p:spPr>
           <a:xfrm flipH="1" flipV="1">
-            <a:off x="27086138" y="9531747"/>
+            <a:off x="27086138" y="10050741"/>
             <a:ext cx="1157048" cy="2"/>
           </a:xfrm>
           <a:prstGeom prst="straightConnector1">
